--- a/4 Presentación final.pptx
+++ b/4 Presentación final.pptx
@@ -4,23 +4,29 @@
   <p:sldMasterIdLst>
     <p:sldMasterId id="2147483648" r:id="rId1"/>
   </p:sldMasterIdLst>
+  <p:notesMasterIdLst>
+    <p:notesMasterId r:id="rId21"/>
+  </p:notesMasterIdLst>
   <p:sldIdLst>
-    <p:sldId id="262" r:id="rId2"/>
-    <p:sldId id="260" r:id="rId3"/>
-    <p:sldId id="259" r:id="rId4"/>
-    <p:sldId id="258" r:id="rId5"/>
-    <p:sldId id="256" r:id="rId6"/>
-    <p:sldId id="257" r:id="rId7"/>
-    <p:sldId id="261" r:id="rId8"/>
-    <p:sldId id="263" r:id="rId9"/>
-    <p:sldId id="264" r:id="rId10"/>
-    <p:sldId id="265" r:id="rId11"/>
-    <p:sldId id="266" r:id="rId12"/>
-    <p:sldId id="267" r:id="rId13"/>
-    <p:sldId id="269" r:id="rId14"/>
-    <p:sldId id="270" r:id="rId15"/>
-    <p:sldId id="268" r:id="rId16"/>
-    <p:sldId id="271" r:id="rId17"/>
+    <p:sldId id="275" r:id="rId2"/>
+    <p:sldId id="262" r:id="rId3"/>
+    <p:sldId id="260" r:id="rId4"/>
+    <p:sldId id="259" r:id="rId5"/>
+    <p:sldId id="258" r:id="rId6"/>
+    <p:sldId id="256" r:id="rId7"/>
+    <p:sldId id="257" r:id="rId8"/>
+    <p:sldId id="261" r:id="rId9"/>
+    <p:sldId id="263" r:id="rId10"/>
+    <p:sldId id="264" r:id="rId11"/>
+    <p:sldId id="265" r:id="rId12"/>
+    <p:sldId id="266" r:id="rId13"/>
+    <p:sldId id="268" r:id="rId14"/>
+    <p:sldId id="267" r:id="rId15"/>
+    <p:sldId id="269" r:id="rId16"/>
+    <p:sldId id="270" r:id="rId17"/>
+    <p:sldId id="271" r:id="rId18"/>
+    <p:sldId id="272" r:id="rId19"/>
+    <p:sldId id="274" r:id="rId20"/>
   </p:sldIdLst>
   <p:sldSz cx="12192000" cy="6858000"/>
   <p:notesSz cx="6858000" cy="9144000"/>
@@ -119,7 +125,361 @@
       </a:defRPr>
     </a:lvl9pPr>
   </p:defaultTextStyle>
+  <p:extLst>
+    <p:ext uri="{EFAFB233-063F-42B5-8137-9DF3F51BA10A}">
+      <p15:sldGuideLst xmlns:p15="http://schemas.microsoft.com/office/powerpoint/2012/main"/>
+    </p:ext>
+  </p:extLst>
 </p:presentation>
+</file>
+
+<file path=ppt/notesMasters/notesMaster1.xml><?xml version="1.0" encoding="utf-8"?>
+<p:notesMaster xmlns:a="http://schemas.openxmlformats.org/drawingml/2006/main" xmlns:r="http://schemas.openxmlformats.org/officeDocument/2006/relationships" xmlns:p="http://schemas.openxmlformats.org/presentationml/2006/main">
+  <p:cSld>
+    <p:bg>
+      <p:bgRef idx="1001">
+        <a:schemeClr val="bg1"/>
+      </p:bgRef>
+    </p:bg>
+    <p:spTree>
+      <p:nvGrpSpPr>
+        <p:cNvPr id="1" name=""/>
+        <p:cNvGrpSpPr/>
+        <p:nvPr/>
+      </p:nvGrpSpPr>
+      <p:grpSpPr>
+        <a:xfrm>
+          <a:off x="0" y="0"/>
+          <a:ext cx="0" cy="0"/>
+          <a:chOff x="0" y="0"/>
+          <a:chExt cx="0" cy="0"/>
+        </a:xfrm>
+      </p:grpSpPr>
+      <p:sp>
+        <p:nvSpPr>
+          <p:cNvPr id="2" name="Marcador de encabezado 1"/>
+          <p:cNvSpPr>
+            <a:spLocks noGrp="1"/>
+          </p:cNvSpPr>
+          <p:nvPr>
+            <p:ph type="hdr" sz="quarter"/>
+          </p:nvPr>
+        </p:nvSpPr>
+        <p:spPr>
+          <a:xfrm>
+            <a:off x="0" y="0"/>
+            <a:ext cx="2971800" cy="458788"/>
+          </a:xfrm>
+          <a:prstGeom prst="rect">
+            <a:avLst/>
+          </a:prstGeom>
+        </p:spPr>
+        <p:txBody>
+          <a:bodyPr vert="horz" lIns="91440" tIns="45720" rIns="91440" bIns="45720" rtlCol="0"/>
+          <a:lstStyle>
+            <a:lvl1pPr algn="l">
+              <a:defRPr sz="1200"/>
+            </a:lvl1pPr>
+          </a:lstStyle>
+          <a:p>
+            <a:endParaRPr lang="es-ES"/>
+          </a:p>
+        </p:txBody>
+      </p:sp>
+      <p:sp>
+        <p:nvSpPr>
+          <p:cNvPr id="3" name="Marcador de fecha 2"/>
+          <p:cNvSpPr>
+            <a:spLocks noGrp="1"/>
+          </p:cNvSpPr>
+          <p:nvPr>
+            <p:ph type="dt" idx="1"/>
+          </p:nvPr>
+        </p:nvSpPr>
+        <p:spPr>
+          <a:xfrm>
+            <a:off x="3884613" y="0"/>
+            <a:ext cx="2971800" cy="458788"/>
+          </a:xfrm>
+          <a:prstGeom prst="rect">
+            <a:avLst/>
+          </a:prstGeom>
+        </p:spPr>
+        <p:txBody>
+          <a:bodyPr vert="horz" lIns="91440" tIns="45720" rIns="91440" bIns="45720" rtlCol="0"/>
+          <a:lstStyle>
+            <a:lvl1pPr algn="r">
+              <a:defRPr sz="1200"/>
+            </a:lvl1pPr>
+          </a:lstStyle>
+          <a:p>
+            <a:fld id="{9FE34506-FD22-44DF-A4F8-88E697B6BCE9}" type="datetimeFigureOut">
+              <a:rPr lang="es-ES" smtClean="0"/>
+              <a:t>05/10/2022</a:t>
+            </a:fld>
+            <a:endParaRPr lang="es-ES"/>
+          </a:p>
+        </p:txBody>
+      </p:sp>
+      <p:sp>
+        <p:nvSpPr>
+          <p:cNvPr id="4" name="Marcador de imagen de diapositiva 3"/>
+          <p:cNvSpPr>
+            <a:spLocks noGrp="1" noRot="1" noChangeAspect="1"/>
+          </p:cNvSpPr>
+          <p:nvPr>
+            <p:ph type="sldImg" idx="2"/>
+          </p:nvPr>
+        </p:nvSpPr>
+        <p:spPr>
+          <a:xfrm>
+            <a:off x="685800" y="1143000"/>
+            <a:ext cx="5486400" cy="3086100"/>
+          </a:xfrm>
+          <a:prstGeom prst="rect">
+            <a:avLst/>
+          </a:prstGeom>
+          <a:noFill/>
+          <a:ln w="12700">
+            <a:solidFill>
+              <a:prstClr val="black"/>
+            </a:solidFill>
+          </a:ln>
+        </p:spPr>
+        <p:txBody>
+          <a:bodyPr vert="horz" lIns="91440" tIns="45720" rIns="91440" bIns="45720" rtlCol="0" anchor="ctr"/>
+          <a:lstStyle/>
+          <a:p>
+            <a:endParaRPr lang="es-ES"/>
+          </a:p>
+        </p:txBody>
+      </p:sp>
+      <p:sp>
+        <p:nvSpPr>
+          <p:cNvPr id="5" name="Marcador de notas 4"/>
+          <p:cNvSpPr>
+            <a:spLocks noGrp="1"/>
+          </p:cNvSpPr>
+          <p:nvPr>
+            <p:ph type="body" sz="quarter" idx="3"/>
+          </p:nvPr>
+        </p:nvSpPr>
+        <p:spPr>
+          <a:xfrm>
+            <a:off x="685800" y="4400550"/>
+            <a:ext cx="5486400" cy="3600450"/>
+          </a:xfrm>
+          <a:prstGeom prst="rect">
+            <a:avLst/>
+          </a:prstGeom>
+        </p:spPr>
+        <p:txBody>
+          <a:bodyPr vert="horz" lIns="91440" tIns="45720" rIns="91440" bIns="45720" rtlCol="0"/>
+          <a:lstStyle/>
+          <a:p>
+            <a:pPr lvl="0"/>
+            <a:r>
+              <a:rPr lang="es-ES"/>
+              <a:t>Haga clic para modificar los estilos de texto del patrón</a:t>
+            </a:r>
+          </a:p>
+          <a:p>
+            <a:pPr lvl="1"/>
+            <a:r>
+              <a:rPr lang="es-ES"/>
+              <a:t>Segundo nivel</a:t>
+            </a:r>
+          </a:p>
+          <a:p>
+            <a:pPr lvl="2"/>
+            <a:r>
+              <a:rPr lang="es-ES"/>
+              <a:t>Tercer nivel</a:t>
+            </a:r>
+          </a:p>
+          <a:p>
+            <a:pPr lvl="3"/>
+            <a:r>
+              <a:rPr lang="es-ES"/>
+              <a:t>Cuarto nivel</a:t>
+            </a:r>
+          </a:p>
+          <a:p>
+            <a:pPr lvl="4"/>
+            <a:r>
+              <a:rPr lang="es-ES"/>
+              <a:t>Quinto nivel</a:t>
+            </a:r>
+          </a:p>
+        </p:txBody>
+      </p:sp>
+      <p:sp>
+        <p:nvSpPr>
+          <p:cNvPr id="6" name="Marcador de pie de página 5"/>
+          <p:cNvSpPr>
+            <a:spLocks noGrp="1"/>
+          </p:cNvSpPr>
+          <p:nvPr>
+            <p:ph type="ftr" sz="quarter" idx="4"/>
+          </p:nvPr>
+        </p:nvSpPr>
+        <p:spPr>
+          <a:xfrm>
+            <a:off x="0" y="8685213"/>
+            <a:ext cx="2971800" cy="458787"/>
+          </a:xfrm>
+          <a:prstGeom prst="rect">
+            <a:avLst/>
+          </a:prstGeom>
+        </p:spPr>
+        <p:txBody>
+          <a:bodyPr vert="horz" lIns="91440" tIns="45720" rIns="91440" bIns="45720" rtlCol="0" anchor="b"/>
+          <a:lstStyle>
+            <a:lvl1pPr algn="l">
+              <a:defRPr sz="1200"/>
+            </a:lvl1pPr>
+          </a:lstStyle>
+          <a:p>
+            <a:endParaRPr lang="es-ES"/>
+          </a:p>
+        </p:txBody>
+      </p:sp>
+      <p:sp>
+        <p:nvSpPr>
+          <p:cNvPr id="7" name="Marcador de número de diapositiva 6"/>
+          <p:cNvSpPr>
+            <a:spLocks noGrp="1"/>
+          </p:cNvSpPr>
+          <p:nvPr>
+            <p:ph type="sldNum" sz="quarter" idx="5"/>
+          </p:nvPr>
+        </p:nvSpPr>
+        <p:spPr>
+          <a:xfrm>
+            <a:off x="3884613" y="8685213"/>
+            <a:ext cx="2971800" cy="458787"/>
+          </a:xfrm>
+          <a:prstGeom prst="rect">
+            <a:avLst/>
+          </a:prstGeom>
+        </p:spPr>
+        <p:txBody>
+          <a:bodyPr vert="horz" lIns="91440" tIns="45720" rIns="91440" bIns="45720" rtlCol="0" anchor="b"/>
+          <a:lstStyle>
+            <a:lvl1pPr algn="r">
+              <a:defRPr sz="1200"/>
+            </a:lvl1pPr>
+          </a:lstStyle>
+          <a:p>
+            <a:fld id="{3560EDE6-9937-4CED-927E-EF9D97A442F2}" type="slidenum">
+              <a:rPr lang="es-ES" smtClean="0"/>
+              <a:t>‹Nº›</a:t>
+            </a:fld>
+            <a:endParaRPr lang="es-ES"/>
+          </a:p>
+        </p:txBody>
+      </p:sp>
+    </p:spTree>
+    <p:extLst>
+      <p:ext uri="{BB962C8B-B14F-4D97-AF65-F5344CB8AC3E}">
+        <p14:creationId xmlns:p14="http://schemas.microsoft.com/office/powerpoint/2010/main" val="3834396594"/>
+      </p:ext>
+    </p:extLst>
+  </p:cSld>
+  <p:clrMap bg1="lt1" tx1="dk1" bg2="lt2" tx2="dk2" accent1="accent1" accent2="accent2" accent3="accent3" accent4="accent4" accent5="accent5" accent6="accent6" hlink="hlink" folHlink="folHlink"/>
+  <p:notesStyle>
+    <a:lvl1pPr marL="0" algn="l" defTabSz="914400" rtl="0" eaLnBrk="1" latinLnBrk="0" hangingPunct="1">
+      <a:defRPr sz="1200" kern="1200">
+        <a:solidFill>
+          <a:schemeClr val="tx1"/>
+        </a:solidFill>
+        <a:latin typeface="+mn-lt"/>
+        <a:ea typeface="+mn-ea"/>
+        <a:cs typeface="+mn-cs"/>
+      </a:defRPr>
+    </a:lvl1pPr>
+    <a:lvl2pPr marL="457200" algn="l" defTabSz="914400" rtl="0" eaLnBrk="1" latinLnBrk="0" hangingPunct="1">
+      <a:defRPr sz="1200" kern="1200">
+        <a:solidFill>
+          <a:schemeClr val="tx1"/>
+        </a:solidFill>
+        <a:latin typeface="+mn-lt"/>
+        <a:ea typeface="+mn-ea"/>
+        <a:cs typeface="+mn-cs"/>
+      </a:defRPr>
+    </a:lvl2pPr>
+    <a:lvl3pPr marL="914400" algn="l" defTabSz="914400" rtl="0" eaLnBrk="1" latinLnBrk="0" hangingPunct="1">
+      <a:defRPr sz="1200" kern="1200">
+        <a:solidFill>
+          <a:schemeClr val="tx1"/>
+        </a:solidFill>
+        <a:latin typeface="+mn-lt"/>
+        <a:ea typeface="+mn-ea"/>
+        <a:cs typeface="+mn-cs"/>
+      </a:defRPr>
+    </a:lvl3pPr>
+    <a:lvl4pPr marL="1371600" algn="l" defTabSz="914400" rtl="0" eaLnBrk="1" latinLnBrk="0" hangingPunct="1">
+      <a:defRPr sz="1200" kern="1200">
+        <a:solidFill>
+          <a:schemeClr val="tx1"/>
+        </a:solidFill>
+        <a:latin typeface="+mn-lt"/>
+        <a:ea typeface="+mn-ea"/>
+        <a:cs typeface="+mn-cs"/>
+      </a:defRPr>
+    </a:lvl4pPr>
+    <a:lvl5pPr marL="1828800" algn="l" defTabSz="914400" rtl="0" eaLnBrk="1" latinLnBrk="0" hangingPunct="1">
+      <a:defRPr sz="1200" kern="1200">
+        <a:solidFill>
+          <a:schemeClr val="tx1"/>
+        </a:solidFill>
+        <a:latin typeface="+mn-lt"/>
+        <a:ea typeface="+mn-ea"/>
+        <a:cs typeface="+mn-cs"/>
+      </a:defRPr>
+    </a:lvl5pPr>
+    <a:lvl6pPr marL="2286000" algn="l" defTabSz="914400" rtl="0" eaLnBrk="1" latinLnBrk="0" hangingPunct="1">
+      <a:defRPr sz="1200" kern="1200">
+        <a:solidFill>
+          <a:schemeClr val="tx1"/>
+        </a:solidFill>
+        <a:latin typeface="+mn-lt"/>
+        <a:ea typeface="+mn-ea"/>
+        <a:cs typeface="+mn-cs"/>
+      </a:defRPr>
+    </a:lvl6pPr>
+    <a:lvl7pPr marL="2743200" algn="l" defTabSz="914400" rtl="0" eaLnBrk="1" latinLnBrk="0" hangingPunct="1">
+      <a:defRPr sz="1200" kern="1200">
+        <a:solidFill>
+          <a:schemeClr val="tx1"/>
+        </a:solidFill>
+        <a:latin typeface="+mn-lt"/>
+        <a:ea typeface="+mn-ea"/>
+        <a:cs typeface="+mn-cs"/>
+      </a:defRPr>
+    </a:lvl7pPr>
+    <a:lvl8pPr marL="3200400" algn="l" defTabSz="914400" rtl="0" eaLnBrk="1" latinLnBrk="0" hangingPunct="1">
+      <a:defRPr sz="1200" kern="1200">
+        <a:solidFill>
+          <a:schemeClr val="tx1"/>
+        </a:solidFill>
+        <a:latin typeface="+mn-lt"/>
+        <a:ea typeface="+mn-ea"/>
+        <a:cs typeface="+mn-cs"/>
+      </a:defRPr>
+    </a:lvl8pPr>
+    <a:lvl9pPr marL="3657600" algn="l" defTabSz="914400" rtl="0" eaLnBrk="1" latinLnBrk="0" hangingPunct="1">
+      <a:defRPr sz="1200" kern="1200">
+        <a:solidFill>
+          <a:schemeClr val="tx1"/>
+        </a:solidFill>
+        <a:latin typeface="+mn-lt"/>
+        <a:ea typeface="+mn-ea"/>
+        <a:cs typeface="+mn-cs"/>
+      </a:defRPr>
+    </a:lvl9pPr>
+  </p:notesStyle>
+</p:notesMaster>
 </file>
 
 <file path=ppt/slideLayouts/slideLayout1.xml><?xml version="1.0" encoding="utf-8"?>
@@ -164,10 +524,9 @@
           </a:lstStyle>
           <a:p>
             <a:r>
-              <a:rPr lang="es-ES" smtClean="0"/>
+              <a:rPr lang="es-ES"/>
               <a:t>Haga clic para modificar el estilo de título del patrón</a:t>
             </a:r>
-            <a:endParaRPr lang="es-ES"/>
           </a:p>
         </p:txBody>
       </p:sp>
@@ -229,10 +588,9 @@
           </a:lstStyle>
           <a:p>
             <a:r>
-              <a:rPr lang="es-ES" smtClean="0"/>
+              <a:rPr lang="es-ES"/>
               <a:t>Haga clic para editar el estilo de subtítulo del patrón</a:t>
             </a:r>
-            <a:endParaRPr lang="es-ES"/>
           </a:p>
         </p:txBody>
       </p:sp>
@@ -347,10 +705,9 @@
           <a:lstStyle/>
           <a:p>
             <a:r>
-              <a:rPr lang="es-ES" smtClean="0"/>
+              <a:rPr lang="es-ES"/>
               <a:t>Haga clic para modificar el estilo de título del patrón</a:t>
             </a:r>
-            <a:endParaRPr lang="es-ES"/>
           </a:p>
         </p:txBody>
       </p:sp>
@@ -371,38 +728,37 @@
           <a:p>
             <a:pPr lvl="0"/>
             <a:r>
-              <a:rPr lang="es-ES" smtClean="0"/>
+              <a:rPr lang="es-ES"/>
               <a:t>Editar el estilo de texto del patrón</a:t>
             </a:r>
           </a:p>
           <a:p>
             <a:pPr lvl="1"/>
             <a:r>
-              <a:rPr lang="es-ES" smtClean="0"/>
+              <a:rPr lang="es-ES"/>
               <a:t>Segundo nivel</a:t>
             </a:r>
           </a:p>
           <a:p>
             <a:pPr lvl="2"/>
             <a:r>
-              <a:rPr lang="es-ES" smtClean="0"/>
+              <a:rPr lang="es-ES"/>
               <a:t>Tercer nivel</a:t>
             </a:r>
           </a:p>
           <a:p>
             <a:pPr lvl="3"/>
             <a:r>
-              <a:rPr lang="es-ES" smtClean="0"/>
+              <a:rPr lang="es-ES"/>
               <a:t>Cuarto nivel</a:t>
             </a:r>
           </a:p>
           <a:p>
             <a:pPr lvl="4"/>
             <a:r>
-              <a:rPr lang="es-ES" smtClean="0"/>
+              <a:rPr lang="es-ES"/>
               <a:t>Quinto nivel</a:t>
             </a:r>
-            <a:endParaRPr lang="es-ES"/>
           </a:p>
         </p:txBody>
       </p:sp>
@@ -522,10 +878,9 @@
           <a:lstStyle/>
           <a:p>
             <a:r>
-              <a:rPr lang="es-ES" smtClean="0"/>
+              <a:rPr lang="es-ES"/>
               <a:t>Haga clic para modificar el estilo de título del patrón</a:t>
             </a:r>
-            <a:endParaRPr lang="es-ES"/>
           </a:p>
         </p:txBody>
       </p:sp>
@@ -551,38 +906,37 @@
           <a:p>
             <a:pPr lvl="0"/>
             <a:r>
-              <a:rPr lang="es-ES" smtClean="0"/>
+              <a:rPr lang="es-ES"/>
               <a:t>Editar el estilo de texto del patrón</a:t>
             </a:r>
           </a:p>
           <a:p>
             <a:pPr lvl="1"/>
             <a:r>
-              <a:rPr lang="es-ES" smtClean="0"/>
+              <a:rPr lang="es-ES"/>
               <a:t>Segundo nivel</a:t>
             </a:r>
           </a:p>
           <a:p>
             <a:pPr lvl="2"/>
             <a:r>
-              <a:rPr lang="es-ES" smtClean="0"/>
+              <a:rPr lang="es-ES"/>
               <a:t>Tercer nivel</a:t>
             </a:r>
           </a:p>
           <a:p>
             <a:pPr lvl="3"/>
             <a:r>
-              <a:rPr lang="es-ES" smtClean="0"/>
+              <a:rPr lang="es-ES"/>
               <a:t>Cuarto nivel</a:t>
             </a:r>
           </a:p>
           <a:p>
             <a:pPr lvl="4"/>
             <a:r>
-              <a:rPr lang="es-ES" smtClean="0"/>
+              <a:rPr lang="es-ES"/>
               <a:t>Quinto nivel</a:t>
             </a:r>
-            <a:endParaRPr lang="es-ES"/>
           </a:p>
         </p:txBody>
       </p:sp>
@@ -697,10 +1051,9 @@
           <a:lstStyle/>
           <a:p>
             <a:r>
-              <a:rPr lang="es-ES" smtClean="0"/>
+              <a:rPr lang="es-ES"/>
               <a:t>Haga clic para modificar el estilo de título del patrón</a:t>
             </a:r>
-            <a:endParaRPr lang="es-ES"/>
           </a:p>
         </p:txBody>
       </p:sp>
@@ -721,38 +1074,37 @@
           <a:p>
             <a:pPr lvl="0"/>
             <a:r>
-              <a:rPr lang="es-ES" smtClean="0"/>
+              <a:rPr lang="es-ES"/>
               <a:t>Editar el estilo de texto del patrón</a:t>
             </a:r>
           </a:p>
           <a:p>
             <a:pPr lvl="1"/>
             <a:r>
-              <a:rPr lang="es-ES" smtClean="0"/>
+              <a:rPr lang="es-ES"/>
               <a:t>Segundo nivel</a:t>
             </a:r>
           </a:p>
           <a:p>
             <a:pPr lvl="2"/>
             <a:r>
-              <a:rPr lang="es-ES" smtClean="0"/>
+              <a:rPr lang="es-ES"/>
               <a:t>Tercer nivel</a:t>
             </a:r>
           </a:p>
           <a:p>
             <a:pPr lvl="3"/>
             <a:r>
-              <a:rPr lang="es-ES" smtClean="0"/>
+              <a:rPr lang="es-ES"/>
               <a:t>Cuarto nivel</a:t>
             </a:r>
           </a:p>
           <a:p>
             <a:pPr lvl="4"/>
             <a:r>
-              <a:rPr lang="es-ES" smtClean="0"/>
+              <a:rPr lang="es-ES"/>
               <a:t>Quinto nivel</a:t>
             </a:r>
-            <a:endParaRPr lang="es-ES"/>
           </a:p>
         </p:txBody>
       </p:sp>
@@ -876,10 +1228,9 @@
           </a:lstStyle>
           <a:p>
             <a:r>
-              <a:rPr lang="es-ES" smtClean="0"/>
+              <a:rPr lang="es-ES"/>
               <a:t>Haga clic para modificar el estilo de título del patrón</a:t>
             </a:r>
-            <a:endParaRPr lang="es-ES"/>
           </a:p>
         </p:txBody>
       </p:sp>
@@ -996,7 +1347,7 @@
           <a:p>
             <a:pPr lvl="0"/>
             <a:r>
-              <a:rPr lang="es-ES" smtClean="0"/>
+              <a:rPr lang="es-ES"/>
               <a:t>Editar el estilo de texto del patrón</a:t>
             </a:r>
           </a:p>
@@ -1113,10 +1464,9 @@
           <a:lstStyle/>
           <a:p>
             <a:r>
-              <a:rPr lang="es-ES" smtClean="0"/>
+              <a:rPr lang="es-ES"/>
               <a:t>Haga clic para modificar el estilo de título del patrón</a:t>
             </a:r>
-            <a:endParaRPr lang="es-ES"/>
           </a:p>
         </p:txBody>
       </p:sp>
@@ -1142,38 +1492,37 @@
           <a:p>
             <a:pPr lvl="0"/>
             <a:r>
-              <a:rPr lang="es-ES" smtClean="0"/>
+              <a:rPr lang="es-ES"/>
               <a:t>Editar el estilo de texto del patrón</a:t>
             </a:r>
           </a:p>
           <a:p>
             <a:pPr lvl="1"/>
             <a:r>
-              <a:rPr lang="es-ES" smtClean="0"/>
+              <a:rPr lang="es-ES"/>
               <a:t>Segundo nivel</a:t>
             </a:r>
           </a:p>
           <a:p>
             <a:pPr lvl="2"/>
             <a:r>
-              <a:rPr lang="es-ES" smtClean="0"/>
+              <a:rPr lang="es-ES"/>
               <a:t>Tercer nivel</a:t>
             </a:r>
           </a:p>
           <a:p>
             <a:pPr lvl="3"/>
             <a:r>
-              <a:rPr lang="es-ES" smtClean="0"/>
+              <a:rPr lang="es-ES"/>
               <a:t>Cuarto nivel</a:t>
             </a:r>
           </a:p>
           <a:p>
             <a:pPr lvl="4"/>
             <a:r>
-              <a:rPr lang="es-ES" smtClean="0"/>
+              <a:rPr lang="es-ES"/>
               <a:t>Quinto nivel</a:t>
             </a:r>
-            <a:endParaRPr lang="es-ES"/>
           </a:p>
         </p:txBody>
       </p:sp>
@@ -1199,38 +1548,37 @@
           <a:p>
             <a:pPr lvl="0"/>
             <a:r>
-              <a:rPr lang="es-ES" smtClean="0"/>
+              <a:rPr lang="es-ES"/>
               <a:t>Editar el estilo de texto del patrón</a:t>
             </a:r>
           </a:p>
           <a:p>
             <a:pPr lvl="1"/>
             <a:r>
-              <a:rPr lang="es-ES" smtClean="0"/>
+              <a:rPr lang="es-ES"/>
               <a:t>Segundo nivel</a:t>
             </a:r>
           </a:p>
           <a:p>
             <a:pPr lvl="2"/>
             <a:r>
-              <a:rPr lang="es-ES" smtClean="0"/>
+              <a:rPr lang="es-ES"/>
               <a:t>Tercer nivel</a:t>
             </a:r>
           </a:p>
           <a:p>
             <a:pPr lvl="3"/>
             <a:r>
-              <a:rPr lang="es-ES" smtClean="0"/>
+              <a:rPr lang="es-ES"/>
               <a:t>Cuarto nivel</a:t>
             </a:r>
           </a:p>
           <a:p>
             <a:pPr lvl="4"/>
             <a:r>
-              <a:rPr lang="es-ES" smtClean="0"/>
+              <a:rPr lang="es-ES"/>
               <a:t>Quinto nivel</a:t>
             </a:r>
-            <a:endParaRPr lang="es-ES"/>
           </a:p>
         </p:txBody>
       </p:sp>
@@ -1350,10 +1698,9 @@
           <a:lstStyle/>
           <a:p>
             <a:r>
-              <a:rPr lang="es-ES" smtClean="0"/>
+              <a:rPr lang="es-ES"/>
               <a:t>Haga clic para modificar el estilo de título del patrón</a:t>
             </a:r>
-            <a:endParaRPr lang="es-ES"/>
           </a:p>
         </p:txBody>
       </p:sp>
@@ -1416,7 +1763,7 @@
           <a:p>
             <a:pPr lvl="0"/>
             <a:r>
-              <a:rPr lang="es-ES" smtClean="0"/>
+              <a:rPr lang="es-ES"/>
               <a:t>Editar el estilo de texto del patrón</a:t>
             </a:r>
           </a:p>
@@ -1444,38 +1791,37 @@
           <a:p>
             <a:pPr lvl="0"/>
             <a:r>
-              <a:rPr lang="es-ES" smtClean="0"/>
+              <a:rPr lang="es-ES"/>
               <a:t>Editar el estilo de texto del patrón</a:t>
             </a:r>
           </a:p>
           <a:p>
             <a:pPr lvl="1"/>
             <a:r>
-              <a:rPr lang="es-ES" smtClean="0"/>
+              <a:rPr lang="es-ES"/>
               <a:t>Segundo nivel</a:t>
             </a:r>
           </a:p>
           <a:p>
             <a:pPr lvl="2"/>
             <a:r>
-              <a:rPr lang="es-ES" smtClean="0"/>
+              <a:rPr lang="es-ES"/>
               <a:t>Tercer nivel</a:t>
             </a:r>
           </a:p>
           <a:p>
             <a:pPr lvl="3"/>
             <a:r>
-              <a:rPr lang="es-ES" smtClean="0"/>
+              <a:rPr lang="es-ES"/>
               <a:t>Cuarto nivel</a:t>
             </a:r>
           </a:p>
           <a:p>
             <a:pPr lvl="4"/>
             <a:r>
-              <a:rPr lang="es-ES" smtClean="0"/>
+              <a:rPr lang="es-ES"/>
               <a:t>Quinto nivel</a:t>
             </a:r>
-            <a:endParaRPr lang="es-ES"/>
           </a:p>
         </p:txBody>
       </p:sp>
@@ -1538,7 +1884,7 @@
           <a:p>
             <a:pPr lvl="0"/>
             <a:r>
-              <a:rPr lang="es-ES" smtClean="0"/>
+              <a:rPr lang="es-ES"/>
               <a:t>Editar el estilo de texto del patrón</a:t>
             </a:r>
           </a:p>
@@ -1566,38 +1912,37 @@
           <a:p>
             <a:pPr lvl="0"/>
             <a:r>
-              <a:rPr lang="es-ES" smtClean="0"/>
+              <a:rPr lang="es-ES"/>
               <a:t>Editar el estilo de texto del patrón</a:t>
             </a:r>
           </a:p>
           <a:p>
             <a:pPr lvl="1"/>
             <a:r>
-              <a:rPr lang="es-ES" smtClean="0"/>
+              <a:rPr lang="es-ES"/>
               <a:t>Segundo nivel</a:t>
             </a:r>
           </a:p>
           <a:p>
             <a:pPr lvl="2"/>
             <a:r>
-              <a:rPr lang="es-ES" smtClean="0"/>
+              <a:rPr lang="es-ES"/>
               <a:t>Tercer nivel</a:t>
             </a:r>
           </a:p>
           <a:p>
             <a:pPr lvl="3"/>
             <a:r>
-              <a:rPr lang="es-ES" smtClean="0"/>
+              <a:rPr lang="es-ES"/>
               <a:t>Cuarto nivel</a:t>
             </a:r>
           </a:p>
           <a:p>
             <a:pPr lvl="4"/>
             <a:r>
-              <a:rPr lang="es-ES" smtClean="0"/>
+              <a:rPr lang="es-ES"/>
               <a:t>Quinto nivel</a:t>
             </a:r>
-            <a:endParaRPr lang="es-ES"/>
           </a:p>
         </p:txBody>
       </p:sp>
@@ -1712,10 +2057,9 @@
           <a:lstStyle/>
           <a:p>
             <a:r>
-              <a:rPr lang="es-ES" smtClean="0"/>
+              <a:rPr lang="es-ES"/>
               <a:t>Haga clic para modificar el estilo de título del patrón</a:t>
             </a:r>
-            <a:endParaRPr lang="es-ES"/>
           </a:p>
         </p:txBody>
       </p:sp>
@@ -1934,10 +2278,9 @@
           </a:lstStyle>
           <a:p>
             <a:r>
-              <a:rPr lang="es-ES" smtClean="0"/>
+              <a:rPr lang="es-ES"/>
               <a:t>Haga clic para modificar el estilo de título del patrón</a:t>
             </a:r>
-            <a:endParaRPr lang="es-ES"/>
           </a:p>
         </p:txBody>
       </p:sp>
@@ -1991,38 +2334,37 @@
           <a:p>
             <a:pPr lvl="0"/>
             <a:r>
-              <a:rPr lang="es-ES" smtClean="0"/>
+              <a:rPr lang="es-ES"/>
               <a:t>Editar el estilo de texto del patrón</a:t>
             </a:r>
           </a:p>
           <a:p>
             <a:pPr lvl="1"/>
             <a:r>
-              <a:rPr lang="es-ES" smtClean="0"/>
+              <a:rPr lang="es-ES"/>
               <a:t>Segundo nivel</a:t>
             </a:r>
           </a:p>
           <a:p>
             <a:pPr lvl="2"/>
             <a:r>
-              <a:rPr lang="es-ES" smtClean="0"/>
+              <a:rPr lang="es-ES"/>
               <a:t>Tercer nivel</a:t>
             </a:r>
           </a:p>
           <a:p>
             <a:pPr lvl="3"/>
             <a:r>
-              <a:rPr lang="es-ES" smtClean="0"/>
+              <a:rPr lang="es-ES"/>
               <a:t>Cuarto nivel</a:t>
             </a:r>
           </a:p>
           <a:p>
             <a:pPr lvl="4"/>
             <a:r>
-              <a:rPr lang="es-ES" smtClean="0"/>
+              <a:rPr lang="es-ES"/>
               <a:t>Quinto nivel</a:t>
             </a:r>
-            <a:endParaRPr lang="es-ES"/>
           </a:p>
         </p:txBody>
       </p:sp>
@@ -2085,7 +2427,7 @@
           <a:p>
             <a:pPr lvl="0"/>
             <a:r>
-              <a:rPr lang="es-ES" smtClean="0"/>
+              <a:rPr lang="es-ES"/>
               <a:t>Editar el estilo de texto del patrón</a:t>
             </a:r>
           </a:p>
@@ -2211,10 +2553,9 @@
           </a:lstStyle>
           <a:p>
             <a:r>
-              <a:rPr lang="es-ES" smtClean="0"/>
+              <a:rPr lang="es-ES"/>
               <a:t>Haga clic para modificar el estilo de título del patrón</a:t>
             </a:r>
-            <a:endParaRPr lang="es-ES"/>
           </a:p>
         </p:txBody>
       </p:sp>
@@ -2338,7 +2679,7 @@
           <a:p>
             <a:pPr lvl="0"/>
             <a:r>
-              <a:rPr lang="es-ES" smtClean="0"/>
+              <a:rPr lang="es-ES"/>
               <a:t>Editar el estilo de texto del patrón</a:t>
             </a:r>
           </a:p>
@@ -2470,10 +2811,9 @@
           <a:lstStyle/>
           <a:p>
             <a:r>
-              <a:rPr lang="es-ES" smtClean="0"/>
+              <a:rPr lang="es-ES"/>
               <a:t>Haga clic para modificar el estilo de título del patrón</a:t>
             </a:r>
-            <a:endParaRPr lang="es-ES"/>
           </a:p>
         </p:txBody>
       </p:sp>
@@ -2504,38 +2844,37 @@
           <a:p>
             <a:pPr lvl="0"/>
             <a:r>
-              <a:rPr lang="es-ES" smtClean="0"/>
+              <a:rPr lang="es-ES"/>
               <a:t>Editar el estilo de texto del patrón</a:t>
             </a:r>
           </a:p>
           <a:p>
             <a:pPr lvl="1"/>
             <a:r>
-              <a:rPr lang="es-ES" smtClean="0"/>
+              <a:rPr lang="es-ES"/>
               <a:t>Segundo nivel</a:t>
             </a:r>
           </a:p>
           <a:p>
             <a:pPr lvl="2"/>
             <a:r>
-              <a:rPr lang="es-ES" smtClean="0"/>
+              <a:rPr lang="es-ES"/>
               <a:t>Tercer nivel</a:t>
             </a:r>
           </a:p>
           <a:p>
             <a:pPr lvl="3"/>
             <a:r>
-              <a:rPr lang="es-ES" smtClean="0"/>
+              <a:rPr lang="es-ES"/>
               <a:t>Cuarto nivel</a:t>
             </a:r>
           </a:p>
           <a:p>
             <a:pPr lvl="4"/>
             <a:r>
-              <a:rPr lang="es-ES" smtClean="0"/>
+              <a:rPr lang="es-ES"/>
               <a:t>Quinto nivel</a:t>
             </a:r>
-            <a:endParaRPr lang="es-ES"/>
           </a:p>
         </p:txBody>
       </p:sp>
@@ -2658,6 +2997,36 @@
           </a:p>
         </p:txBody>
       </p:sp>
+      <p:pic>
+        <p:nvPicPr>
+          <p:cNvPr id="8" name="Imagen 7">
+            <a:extLst>
+              <a:ext uri="{FF2B5EF4-FFF2-40B4-BE49-F238E27FC236}">
+                <a16:creationId xmlns:a16="http://schemas.microsoft.com/office/drawing/2014/main" id="{F24B6152-999A-9CFF-CC8F-867CBED40731}"/>
+              </a:ext>
+            </a:extLst>
+          </p:cNvPr>
+          <p:cNvPicPr>
+            <a:picLocks noChangeAspect="1"/>
+          </p:cNvPicPr>
+          <p:nvPr userDrawn="1"/>
+        </p:nvPicPr>
+        <p:blipFill>
+          <a:blip r:embed="rId13"/>
+          <a:stretch>
+            <a:fillRect/>
+          </a:stretch>
+        </p:blipFill>
+        <p:spPr>
+          <a:xfrm>
+            <a:off x="10448682" y="18221"/>
+            <a:ext cx="1743318" cy="514422"/>
+          </a:xfrm>
+          <a:prstGeom prst="rect">
+            <a:avLst/>
+          </a:prstGeom>
+        </p:spPr>
+      </p:pic>
     </p:spTree>
     <p:extLst>
       <p:ext uri="{BB962C8B-B14F-4D97-AF65-F5344CB8AC3E}">
@@ -2979,57 +3348,780 @@
           <a:chExt cx="0" cy="0"/>
         </a:xfrm>
       </p:grpSpPr>
+      <p:grpSp>
+        <p:nvGrpSpPr>
+          <p:cNvPr id="4" name="Grupo 3">
+            <a:extLst>
+              <a:ext uri="{FF2B5EF4-FFF2-40B4-BE49-F238E27FC236}">
+                <a16:creationId xmlns:a16="http://schemas.microsoft.com/office/drawing/2014/main" id="{7EC0CC4E-B51B-830E-C9F7-A5E2E645A862}"/>
+              </a:ext>
+            </a:extLst>
+          </p:cNvPr>
+          <p:cNvGrpSpPr/>
+          <p:nvPr/>
+        </p:nvGrpSpPr>
+        <p:grpSpPr>
+          <a:xfrm>
+            <a:off x="1155795" y="5409786"/>
+            <a:ext cx="2868996" cy="871780"/>
+            <a:chOff x="7837692" y="5526970"/>
+            <a:chExt cx="1675770" cy="375650"/>
+          </a:xfrm>
+        </p:grpSpPr>
+        <p:sp>
+          <p:nvSpPr>
+            <p:cNvPr id="5" name="Rectangle 1">
+              <a:extLst>
+                <a:ext uri="{FF2B5EF4-FFF2-40B4-BE49-F238E27FC236}">
+                  <a16:creationId xmlns:a16="http://schemas.microsoft.com/office/drawing/2014/main" id="{BA0D70D2-5A24-227B-D2D5-341057355591}"/>
+                </a:ext>
+              </a:extLst>
+            </p:cNvPr>
+            <p:cNvSpPr/>
+            <p:nvPr/>
+          </p:nvSpPr>
+          <p:spPr>
+            <a:xfrm>
+              <a:off x="8445164" y="5526970"/>
+              <a:ext cx="504229" cy="308376"/>
+            </a:xfrm>
+            <a:prstGeom prst="rect">
+              <a:avLst/>
+            </a:prstGeom>
+          </p:spPr>
+          <p:style>
+            <a:lnRef idx="2">
+              <a:schemeClr val="accent1">
+                <a:shade val="50000"/>
+              </a:schemeClr>
+            </a:lnRef>
+            <a:fillRef idx="1">
+              <a:schemeClr val="accent1"/>
+            </a:fillRef>
+            <a:effectRef idx="0">
+              <a:schemeClr val="accent1"/>
+            </a:effectRef>
+            <a:fontRef idx="minor">
+              <a:schemeClr val="lt1"/>
+            </a:fontRef>
+          </p:style>
+          <p:txBody>
+            <a:bodyPr rtlCol="0" anchor="ctr"/>
+            <a:lstStyle/>
+            <a:p>
+              <a:pPr algn="ctr"/>
+              <a:r>
+                <a:rPr lang="en-GB" sz="1400" dirty="0"/>
+                <a:t>1</a:t>
+              </a:r>
+            </a:p>
+          </p:txBody>
+        </p:sp>
+        <p:sp>
+          <p:nvSpPr>
+            <p:cNvPr id="6" name="Arrow: Right 2">
+              <a:extLst>
+                <a:ext uri="{FF2B5EF4-FFF2-40B4-BE49-F238E27FC236}">
+                  <a16:creationId xmlns:a16="http://schemas.microsoft.com/office/drawing/2014/main" id="{A28D24DF-35FF-6421-873C-0D1AE411900B}"/>
+                </a:ext>
+              </a:extLst>
+            </p:cNvPr>
+            <p:cNvSpPr/>
+            <p:nvPr/>
+          </p:nvSpPr>
+          <p:spPr>
+            <a:xfrm>
+              <a:off x="8269936" y="5644878"/>
+              <a:ext cx="146620" cy="105438"/>
+            </a:xfrm>
+            <a:prstGeom prst="rightArrow">
+              <a:avLst/>
+            </a:prstGeom>
+          </p:spPr>
+          <p:style>
+            <a:lnRef idx="2">
+              <a:schemeClr val="accent1">
+                <a:shade val="50000"/>
+              </a:schemeClr>
+            </a:lnRef>
+            <a:fillRef idx="1">
+              <a:schemeClr val="accent1"/>
+            </a:fillRef>
+            <a:effectRef idx="0">
+              <a:schemeClr val="accent1"/>
+            </a:effectRef>
+            <a:fontRef idx="minor">
+              <a:schemeClr val="lt1"/>
+            </a:fontRef>
+          </p:style>
+          <p:txBody>
+            <a:bodyPr rtlCol="0" anchor="ctr"/>
+            <a:lstStyle/>
+            <a:p>
+              <a:pPr algn="ctr"/>
+              <a:endParaRPr lang="en-GB" sz="1400"/>
+            </a:p>
+          </p:txBody>
+        </p:sp>
+        <p:sp>
+          <p:nvSpPr>
+            <p:cNvPr id="7" name="Arrow: Right 3">
+              <a:extLst>
+                <a:ext uri="{FF2B5EF4-FFF2-40B4-BE49-F238E27FC236}">
+                  <a16:creationId xmlns:a16="http://schemas.microsoft.com/office/drawing/2014/main" id="{2753A95F-13A6-557F-54B9-46828026E3E5}"/>
+                </a:ext>
+              </a:extLst>
+            </p:cNvPr>
+            <p:cNvSpPr/>
+            <p:nvPr/>
+          </p:nvSpPr>
+          <p:spPr>
+            <a:xfrm>
+              <a:off x="8989922" y="5644878"/>
+              <a:ext cx="146620" cy="105438"/>
+            </a:xfrm>
+            <a:prstGeom prst="rightArrow">
+              <a:avLst/>
+            </a:prstGeom>
+          </p:spPr>
+          <p:style>
+            <a:lnRef idx="2">
+              <a:schemeClr val="accent1">
+                <a:shade val="50000"/>
+              </a:schemeClr>
+            </a:lnRef>
+            <a:fillRef idx="1">
+              <a:schemeClr val="accent1"/>
+            </a:fillRef>
+            <a:effectRef idx="0">
+              <a:schemeClr val="accent1"/>
+            </a:effectRef>
+            <a:fontRef idx="minor">
+              <a:schemeClr val="lt1"/>
+            </a:fontRef>
+          </p:style>
+          <p:txBody>
+            <a:bodyPr rtlCol="0" anchor="ctr"/>
+            <a:lstStyle/>
+            <a:p>
+              <a:pPr algn="ctr"/>
+              <a:endParaRPr lang="en-GB" sz="1400"/>
+            </a:p>
+          </p:txBody>
+        </p:sp>
+        <p:grpSp>
+          <p:nvGrpSpPr>
+            <p:cNvPr id="8" name="Group 26">
+              <a:extLst>
+                <a:ext uri="{FF2B5EF4-FFF2-40B4-BE49-F238E27FC236}">
+                  <a16:creationId xmlns:a16="http://schemas.microsoft.com/office/drawing/2014/main" id="{FA58D5A9-7AA4-8246-55D3-36E370BCD38C}"/>
+                </a:ext>
+              </a:extLst>
+            </p:cNvPr>
+            <p:cNvGrpSpPr/>
+            <p:nvPr/>
+          </p:nvGrpSpPr>
+          <p:grpSpPr>
+            <a:xfrm>
+              <a:off x="7837692" y="5534825"/>
+              <a:ext cx="1675770" cy="367795"/>
+              <a:chOff x="599477" y="2083874"/>
+              <a:chExt cx="3857113" cy="720000"/>
+            </a:xfrm>
+          </p:grpSpPr>
+          <p:pic>
+            <p:nvPicPr>
+              <p:cNvPr id="9" name="Picture 23" descr="A black rectangle with a black background&#10;&#10;Description automatically generated with low confidence">
+                <a:extLst>
+                  <a:ext uri="{FF2B5EF4-FFF2-40B4-BE49-F238E27FC236}">
+                    <a16:creationId xmlns:a16="http://schemas.microsoft.com/office/drawing/2014/main" id="{688E63E4-1C4E-715B-C7D5-A8B5E605F6E6}"/>
+                  </a:ext>
+                </a:extLst>
+              </p:cNvPr>
+              <p:cNvPicPr>
+                <a:picLocks noChangeAspect="1"/>
+              </p:cNvPicPr>
+              <p:nvPr/>
+            </p:nvPicPr>
+            <p:blipFill>
+              <a:blip r:embed="rId2" cstate="print">
+                <a:extLst>
+                  <a:ext uri="{28A0092B-C50C-407E-A947-70E740481C1C}">
+                    <a14:useLocalDpi xmlns:a14="http://schemas.microsoft.com/office/drawing/2010/main" val="0"/>
+                  </a:ext>
+                </a:extLst>
+              </a:blip>
+              <a:stretch>
+                <a:fillRect/>
+              </a:stretch>
+            </p:blipFill>
+            <p:spPr>
+              <a:xfrm>
+                <a:off x="3736590" y="2083874"/>
+                <a:ext cx="720000" cy="720000"/>
+              </a:xfrm>
+              <a:prstGeom prst="rect">
+                <a:avLst/>
+              </a:prstGeom>
+            </p:spPr>
+          </p:pic>
+          <p:pic>
+            <p:nvPicPr>
+              <p:cNvPr id="10" name="Picture 25" descr="A black rectangle with a black background&#10;&#10;Description automatically generated with low confidence">
+                <a:extLst>
+                  <a:ext uri="{FF2B5EF4-FFF2-40B4-BE49-F238E27FC236}">
+                    <a16:creationId xmlns:a16="http://schemas.microsoft.com/office/drawing/2014/main" id="{9531ED8F-F080-2FB3-666E-76FD6C9FF438}"/>
+                  </a:ext>
+                </a:extLst>
+              </p:cNvPr>
+              <p:cNvPicPr>
+                <a:picLocks noChangeAspect="1"/>
+              </p:cNvPicPr>
+              <p:nvPr/>
+            </p:nvPicPr>
+            <p:blipFill>
+              <a:blip r:embed="rId3" cstate="print">
+                <a:extLst>
+                  <a:ext uri="{28A0092B-C50C-407E-A947-70E740481C1C}">
+                    <a14:useLocalDpi xmlns:a14="http://schemas.microsoft.com/office/drawing/2010/main" val="0"/>
+                  </a:ext>
+                </a:extLst>
+              </a:blip>
+              <a:stretch>
+                <a:fillRect/>
+              </a:stretch>
+            </p:blipFill>
+            <p:spPr>
+              <a:xfrm>
+                <a:off x="599477" y="2083874"/>
+                <a:ext cx="720000" cy="720000"/>
+              </a:xfrm>
+              <a:prstGeom prst="rect">
+                <a:avLst/>
+              </a:prstGeom>
+            </p:spPr>
+          </p:pic>
+        </p:grpSp>
+      </p:grpSp>
+      <p:grpSp>
+        <p:nvGrpSpPr>
+          <p:cNvPr id="11" name="Grupo 10">
+            <a:extLst>
+              <a:ext uri="{FF2B5EF4-FFF2-40B4-BE49-F238E27FC236}">
+                <a16:creationId xmlns:a16="http://schemas.microsoft.com/office/drawing/2014/main" id="{60A05822-EE87-96D2-9335-8A5E6C046D97}"/>
+              </a:ext>
+            </a:extLst>
+          </p:cNvPr>
+          <p:cNvGrpSpPr/>
+          <p:nvPr/>
+        </p:nvGrpSpPr>
+        <p:grpSpPr>
+          <a:xfrm>
+            <a:off x="4611175" y="5409786"/>
+            <a:ext cx="2868996" cy="871780"/>
+            <a:chOff x="7837692" y="5526970"/>
+            <a:chExt cx="1675770" cy="375650"/>
+          </a:xfrm>
+        </p:grpSpPr>
+        <p:sp>
+          <p:nvSpPr>
+            <p:cNvPr id="12" name="Rectangle 1">
+              <a:extLst>
+                <a:ext uri="{FF2B5EF4-FFF2-40B4-BE49-F238E27FC236}">
+                  <a16:creationId xmlns:a16="http://schemas.microsoft.com/office/drawing/2014/main" id="{4E9F6FF7-5B66-3DB7-9395-3FA5FBD8E9E0}"/>
+                </a:ext>
+              </a:extLst>
+            </p:cNvPr>
+            <p:cNvSpPr/>
+            <p:nvPr/>
+          </p:nvSpPr>
+          <p:spPr>
+            <a:xfrm>
+              <a:off x="8445164" y="5526970"/>
+              <a:ext cx="504229" cy="308376"/>
+            </a:xfrm>
+            <a:prstGeom prst="rect">
+              <a:avLst/>
+            </a:prstGeom>
+          </p:spPr>
+          <p:style>
+            <a:lnRef idx="2">
+              <a:schemeClr val="accent1">
+                <a:shade val="50000"/>
+              </a:schemeClr>
+            </a:lnRef>
+            <a:fillRef idx="1">
+              <a:schemeClr val="accent1"/>
+            </a:fillRef>
+            <a:effectRef idx="0">
+              <a:schemeClr val="accent1"/>
+            </a:effectRef>
+            <a:fontRef idx="minor">
+              <a:schemeClr val="lt1"/>
+            </a:fontRef>
+          </p:style>
+          <p:txBody>
+            <a:bodyPr rtlCol="0" anchor="ctr"/>
+            <a:lstStyle/>
+            <a:p>
+              <a:pPr algn="ctr"/>
+              <a:r>
+                <a:rPr lang="en-GB" sz="1400" dirty="0"/>
+                <a:t>2</a:t>
+              </a:r>
+            </a:p>
+          </p:txBody>
+        </p:sp>
+        <p:sp>
+          <p:nvSpPr>
+            <p:cNvPr id="13" name="Arrow: Right 2">
+              <a:extLst>
+                <a:ext uri="{FF2B5EF4-FFF2-40B4-BE49-F238E27FC236}">
+                  <a16:creationId xmlns:a16="http://schemas.microsoft.com/office/drawing/2014/main" id="{F4FD682B-408D-3CD7-C446-9918D351C904}"/>
+                </a:ext>
+              </a:extLst>
+            </p:cNvPr>
+            <p:cNvSpPr/>
+            <p:nvPr/>
+          </p:nvSpPr>
+          <p:spPr>
+            <a:xfrm>
+              <a:off x="8269936" y="5644878"/>
+              <a:ext cx="146620" cy="105438"/>
+            </a:xfrm>
+            <a:prstGeom prst="rightArrow">
+              <a:avLst/>
+            </a:prstGeom>
+          </p:spPr>
+          <p:style>
+            <a:lnRef idx="2">
+              <a:schemeClr val="accent1">
+                <a:shade val="50000"/>
+              </a:schemeClr>
+            </a:lnRef>
+            <a:fillRef idx="1">
+              <a:schemeClr val="accent1"/>
+            </a:fillRef>
+            <a:effectRef idx="0">
+              <a:schemeClr val="accent1"/>
+            </a:effectRef>
+            <a:fontRef idx="minor">
+              <a:schemeClr val="lt1"/>
+            </a:fontRef>
+          </p:style>
+          <p:txBody>
+            <a:bodyPr rtlCol="0" anchor="ctr"/>
+            <a:lstStyle/>
+            <a:p>
+              <a:pPr algn="ctr"/>
+              <a:endParaRPr lang="en-GB" sz="1400"/>
+            </a:p>
+          </p:txBody>
+        </p:sp>
+        <p:sp>
+          <p:nvSpPr>
+            <p:cNvPr id="14" name="Arrow: Right 3">
+              <a:extLst>
+                <a:ext uri="{FF2B5EF4-FFF2-40B4-BE49-F238E27FC236}">
+                  <a16:creationId xmlns:a16="http://schemas.microsoft.com/office/drawing/2014/main" id="{87D0DAE9-81B7-B0AE-566C-E7FAF2950C5E}"/>
+                </a:ext>
+              </a:extLst>
+            </p:cNvPr>
+            <p:cNvSpPr/>
+            <p:nvPr/>
+          </p:nvSpPr>
+          <p:spPr>
+            <a:xfrm>
+              <a:off x="8989922" y="5644878"/>
+              <a:ext cx="146620" cy="105438"/>
+            </a:xfrm>
+            <a:prstGeom prst="rightArrow">
+              <a:avLst/>
+            </a:prstGeom>
+          </p:spPr>
+          <p:style>
+            <a:lnRef idx="2">
+              <a:schemeClr val="accent1">
+                <a:shade val="50000"/>
+              </a:schemeClr>
+            </a:lnRef>
+            <a:fillRef idx="1">
+              <a:schemeClr val="accent1"/>
+            </a:fillRef>
+            <a:effectRef idx="0">
+              <a:schemeClr val="accent1"/>
+            </a:effectRef>
+            <a:fontRef idx="minor">
+              <a:schemeClr val="lt1"/>
+            </a:fontRef>
+          </p:style>
+          <p:txBody>
+            <a:bodyPr rtlCol="0" anchor="ctr"/>
+            <a:lstStyle/>
+            <a:p>
+              <a:pPr algn="ctr"/>
+              <a:endParaRPr lang="en-GB" sz="1400"/>
+            </a:p>
+          </p:txBody>
+        </p:sp>
+        <p:grpSp>
+          <p:nvGrpSpPr>
+            <p:cNvPr id="15" name="Group 26">
+              <a:extLst>
+                <a:ext uri="{FF2B5EF4-FFF2-40B4-BE49-F238E27FC236}">
+                  <a16:creationId xmlns:a16="http://schemas.microsoft.com/office/drawing/2014/main" id="{F5269192-D917-474A-BD25-1A1557659E9C}"/>
+                </a:ext>
+              </a:extLst>
+            </p:cNvPr>
+            <p:cNvGrpSpPr/>
+            <p:nvPr/>
+          </p:nvGrpSpPr>
+          <p:grpSpPr>
+            <a:xfrm>
+              <a:off x="7837692" y="5534825"/>
+              <a:ext cx="1675770" cy="367795"/>
+              <a:chOff x="599477" y="2083874"/>
+              <a:chExt cx="3857113" cy="720000"/>
+            </a:xfrm>
+          </p:grpSpPr>
+          <p:pic>
+            <p:nvPicPr>
+              <p:cNvPr id="16" name="Picture 23" descr="A black rectangle with a black background&#10;&#10;Description automatically generated with low confidence">
+                <a:extLst>
+                  <a:ext uri="{FF2B5EF4-FFF2-40B4-BE49-F238E27FC236}">
+                    <a16:creationId xmlns:a16="http://schemas.microsoft.com/office/drawing/2014/main" id="{C97A268D-BF51-AF2C-7D6E-07237131E6CB}"/>
+                  </a:ext>
+                </a:extLst>
+              </p:cNvPr>
+              <p:cNvPicPr>
+                <a:picLocks noChangeAspect="1"/>
+              </p:cNvPicPr>
+              <p:nvPr/>
+            </p:nvPicPr>
+            <p:blipFill>
+              <a:blip r:embed="rId2" cstate="print">
+                <a:extLst>
+                  <a:ext uri="{28A0092B-C50C-407E-A947-70E740481C1C}">
+                    <a14:useLocalDpi xmlns:a14="http://schemas.microsoft.com/office/drawing/2010/main" val="0"/>
+                  </a:ext>
+                </a:extLst>
+              </a:blip>
+              <a:stretch>
+                <a:fillRect/>
+              </a:stretch>
+            </p:blipFill>
+            <p:spPr>
+              <a:xfrm>
+                <a:off x="3736590" y="2083874"/>
+                <a:ext cx="720000" cy="720000"/>
+              </a:xfrm>
+              <a:prstGeom prst="rect">
+                <a:avLst/>
+              </a:prstGeom>
+            </p:spPr>
+          </p:pic>
+          <p:pic>
+            <p:nvPicPr>
+              <p:cNvPr id="17" name="Picture 25" descr="A black rectangle with a black background&#10;&#10;Description automatically generated with low confidence">
+                <a:extLst>
+                  <a:ext uri="{FF2B5EF4-FFF2-40B4-BE49-F238E27FC236}">
+                    <a16:creationId xmlns:a16="http://schemas.microsoft.com/office/drawing/2014/main" id="{D1C45CE0-E54B-076D-283C-17C7DF19A952}"/>
+                  </a:ext>
+                </a:extLst>
+              </p:cNvPr>
+              <p:cNvPicPr>
+                <a:picLocks noChangeAspect="1"/>
+              </p:cNvPicPr>
+              <p:nvPr/>
+            </p:nvPicPr>
+            <p:blipFill>
+              <a:blip r:embed="rId3" cstate="print">
+                <a:extLst>
+                  <a:ext uri="{28A0092B-C50C-407E-A947-70E740481C1C}">
+                    <a14:useLocalDpi xmlns:a14="http://schemas.microsoft.com/office/drawing/2010/main" val="0"/>
+                  </a:ext>
+                </a:extLst>
+              </a:blip>
+              <a:stretch>
+                <a:fillRect/>
+              </a:stretch>
+            </p:blipFill>
+            <p:spPr>
+              <a:xfrm>
+                <a:off x="599477" y="2083874"/>
+                <a:ext cx="720000" cy="720000"/>
+              </a:xfrm>
+              <a:prstGeom prst="rect">
+                <a:avLst/>
+              </a:prstGeom>
+            </p:spPr>
+          </p:pic>
+        </p:grpSp>
+      </p:grpSp>
+      <p:grpSp>
+        <p:nvGrpSpPr>
+          <p:cNvPr id="18" name="Grupo 17">
+            <a:extLst>
+              <a:ext uri="{FF2B5EF4-FFF2-40B4-BE49-F238E27FC236}">
+                <a16:creationId xmlns:a16="http://schemas.microsoft.com/office/drawing/2014/main" id="{38E1B4E6-2002-579C-14A2-6A30FCD5256B}"/>
+              </a:ext>
+            </a:extLst>
+          </p:cNvPr>
+          <p:cNvGrpSpPr/>
+          <p:nvPr/>
+        </p:nvGrpSpPr>
+        <p:grpSpPr>
+          <a:xfrm>
+            <a:off x="8066555" y="5409786"/>
+            <a:ext cx="2868996" cy="871780"/>
+            <a:chOff x="7837692" y="5526970"/>
+            <a:chExt cx="1675770" cy="375650"/>
+          </a:xfrm>
+        </p:grpSpPr>
+        <p:sp>
+          <p:nvSpPr>
+            <p:cNvPr id="19" name="Rectangle 1">
+              <a:extLst>
+                <a:ext uri="{FF2B5EF4-FFF2-40B4-BE49-F238E27FC236}">
+                  <a16:creationId xmlns:a16="http://schemas.microsoft.com/office/drawing/2014/main" id="{C443C406-350B-EFCB-0DC2-6416463129C4}"/>
+                </a:ext>
+              </a:extLst>
+            </p:cNvPr>
+            <p:cNvSpPr/>
+            <p:nvPr/>
+          </p:nvSpPr>
+          <p:spPr>
+            <a:xfrm>
+              <a:off x="8445164" y="5526970"/>
+              <a:ext cx="504229" cy="308376"/>
+            </a:xfrm>
+            <a:prstGeom prst="rect">
+              <a:avLst/>
+            </a:prstGeom>
+          </p:spPr>
+          <p:style>
+            <a:lnRef idx="2">
+              <a:schemeClr val="accent1">
+                <a:shade val="50000"/>
+              </a:schemeClr>
+            </a:lnRef>
+            <a:fillRef idx="1">
+              <a:schemeClr val="accent1"/>
+            </a:fillRef>
+            <a:effectRef idx="0">
+              <a:schemeClr val="accent1"/>
+            </a:effectRef>
+            <a:fontRef idx="minor">
+              <a:schemeClr val="lt1"/>
+            </a:fontRef>
+          </p:style>
+          <p:txBody>
+            <a:bodyPr rtlCol="0" anchor="ctr"/>
+            <a:lstStyle/>
+            <a:p>
+              <a:pPr algn="ctr"/>
+              <a:r>
+                <a:rPr lang="en-GB" sz="1400" dirty="0"/>
+                <a:t>3</a:t>
+              </a:r>
+            </a:p>
+          </p:txBody>
+        </p:sp>
+        <p:sp>
+          <p:nvSpPr>
+            <p:cNvPr id="20" name="Arrow: Right 2">
+              <a:extLst>
+                <a:ext uri="{FF2B5EF4-FFF2-40B4-BE49-F238E27FC236}">
+                  <a16:creationId xmlns:a16="http://schemas.microsoft.com/office/drawing/2014/main" id="{BAD997A1-5189-9CDE-6FA9-7C0CA88AC4C8}"/>
+                </a:ext>
+              </a:extLst>
+            </p:cNvPr>
+            <p:cNvSpPr/>
+            <p:nvPr/>
+          </p:nvSpPr>
+          <p:spPr>
+            <a:xfrm>
+              <a:off x="8269936" y="5644878"/>
+              <a:ext cx="146620" cy="105438"/>
+            </a:xfrm>
+            <a:prstGeom prst="rightArrow">
+              <a:avLst/>
+            </a:prstGeom>
+          </p:spPr>
+          <p:style>
+            <a:lnRef idx="2">
+              <a:schemeClr val="accent1">
+                <a:shade val="50000"/>
+              </a:schemeClr>
+            </a:lnRef>
+            <a:fillRef idx="1">
+              <a:schemeClr val="accent1"/>
+            </a:fillRef>
+            <a:effectRef idx="0">
+              <a:schemeClr val="accent1"/>
+            </a:effectRef>
+            <a:fontRef idx="minor">
+              <a:schemeClr val="lt1"/>
+            </a:fontRef>
+          </p:style>
+          <p:txBody>
+            <a:bodyPr rtlCol="0" anchor="ctr"/>
+            <a:lstStyle/>
+            <a:p>
+              <a:pPr algn="ctr"/>
+              <a:endParaRPr lang="en-GB" sz="1400"/>
+            </a:p>
+          </p:txBody>
+        </p:sp>
+        <p:sp>
+          <p:nvSpPr>
+            <p:cNvPr id="21" name="Arrow: Right 3">
+              <a:extLst>
+                <a:ext uri="{FF2B5EF4-FFF2-40B4-BE49-F238E27FC236}">
+                  <a16:creationId xmlns:a16="http://schemas.microsoft.com/office/drawing/2014/main" id="{36A37E3C-5C46-BB31-3B4D-9C1B86A25B46}"/>
+                </a:ext>
+              </a:extLst>
+            </p:cNvPr>
+            <p:cNvSpPr/>
+            <p:nvPr/>
+          </p:nvSpPr>
+          <p:spPr>
+            <a:xfrm>
+              <a:off x="8989922" y="5644878"/>
+              <a:ext cx="146620" cy="105438"/>
+            </a:xfrm>
+            <a:prstGeom prst="rightArrow">
+              <a:avLst/>
+            </a:prstGeom>
+          </p:spPr>
+          <p:style>
+            <a:lnRef idx="2">
+              <a:schemeClr val="accent1">
+                <a:shade val="50000"/>
+              </a:schemeClr>
+            </a:lnRef>
+            <a:fillRef idx="1">
+              <a:schemeClr val="accent1"/>
+            </a:fillRef>
+            <a:effectRef idx="0">
+              <a:schemeClr val="accent1"/>
+            </a:effectRef>
+            <a:fontRef idx="minor">
+              <a:schemeClr val="lt1"/>
+            </a:fontRef>
+          </p:style>
+          <p:txBody>
+            <a:bodyPr rtlCol="0" anchor="ctr"/>
+            <a:lstStyle/>
+            <a:p>
+              <a:pPr algn="ctr"/>
+              <a:endParaRPr lang="en-GB" sz="1400"/>
+            </a:p>
+          </p:txBody>
+        </p:sp>
+        <p:grpSp>
+          <p:nvGrpSpPr>
+            <p:cNvPr id="22" name="Group 26">
+              <a:extLst>
+                <a:ext uri="{FF2B5EF4-FFF2-40B4-BE49-F238E27FC236}">
+                  <a16:creationId xmlns:a16="http://schemas.microsoft.com/office/drawing/2014/main" id="{80E06057-01AC-2A8E-0489-D86913B29B63}"/>
+                </a:ext>
+              </a:extLst>
+            </p:cNvPr>
+            <p:cNvGrpSpPr/>
+            <p:nvPr/>
+          </p:nvGrpSpPr>
+          <p:grpSpPr>
+            <a:xfrm>
+              <a:off x="7837692" y="5534825"/>
+              <a:ext cx="1675770" cy="367795"/>
+              <a:chOff x="599477" y="2083874"/>
+              <a:chExt cx="3857113" cy="720000"/>
+            </a:xfrm>
+          </p:grpSpPr>
+          <p:pic>
+            <p:nvPicPr>
+              <p:cNvPr id="23" name="Picture 23" descr="A black rectangle with a black background&#10;&#10;Description automatically generated with low confidence">
+                <a:extLst>
+                  <a:ext uri="{FF2B5EF4-FFF2-40B4-BE49-F238E27FC236}">
+                    <a16:creationId xmlns:a16="http://schemas.microsoft.com/office/drawing/2014/main" id="{9990FBFC-31EC-B689-5C4C-A7884C809E8D}"/>
+                  </a:ext>
+                </a:extLst>
+              </p:cNvPr>
+              <p:cNvPicPr>
+                <a:picLocks noChangeAspect="1"/>
+              </p:cNvPicPr>
+              <p:nvPr/>
+            </p:nvPicPr>
+            <p:blipFill>
+              <a:blip r:embed="rId2" cstate="print">
+                <a:extLst>
+                  <a:ext uri="{28A0092B-C50C-407E-A947-70E740481C1C}">
+                    <a14:useLocalDpi xmlns:a14="http://schemas.microsoft.com/office/drawing/2010/main" val="0"/>
+                  </a:ext>
+                </a:extLst>
+              </a:blip>
+              <a:stretch>
+                <a:fillRect/>
+              </a:stretch>
+            </p:blipFill>
+            <p:spPr>
+              <a:xfrm>
+                <a:off x="3736590" y="2083874"/>
+                <a:ext cx="720000" cy="720000"/>
+              </a:xfrm>
+              <a:prstGeom prst="rect">
+                <a:avLst/>
+              </a:prstGeom>
+            </p:spPr>
+          </p:pic>
+          <p:pic>
+            <p:nvPicPr>
+              <p:cNvPr id="24" name="Picture 25" descr="A black rectangle with a black background&#10;&#10;Description automatically generated with low confidence">
+                <a:extLst>
+                  <a:ext uri="{FF2B5EF4-FFF2-40B4-BE49-F238E27FC236}">
+                    <a16:creationId xmlns:a16="http://schemas.microsoft.com/office/drawing/2014/main" id="{C93B620B-69EC-6C47-1844-F84F8D0D2FE0}"/>
+                  </a:ext>
+                </a:extLst>
+              </p:cNvPr>
+              <p:cNvPicPr>
+                <a:picLocks noChangeAspect="1"/>
+              </p:cNvPicPr>
+              <p:nvPr/>
+            </p:nvPicPr>
+            <p:blipFill>
+              <a:blip r:embed="rId3" cstate="print">
+                <a:extLst>
+                  <a:ext uri="{28A0092B-C50C-407E-A947-70E740481C1C}">
+                    <a14:useLocalDpi xmlns:a14="http://schemas.microsoft.com/office/drawing/2010/main" val="0"/>
+                  </a:ext>
+                </a:extLst>
+              </a:blip>
+              <a:stretch>
+                <a:fillRect/>
+              </a:stretch>
+            </p:blipFill>
+            <p:spPr>
+              <a:xfrm>
+                <a:off x="599477" y="2083874"/>
+                <a:ext cx="720000" cy="720000"/>
+              </a:xfrm>
+              <a:prstGeom prst="rect">
+                <a:avLst/>
+              </a:prstGeom>
+            </p:spPr>
+          </p:pic>
+        </p:grpSp>
+      </p:grpSp>
       <p:pic>
         <p:nvPicPr>
-          <p:cNvPr id="3" name="Imagen 2"/>
-          <p:cNvPicPr>
-            <a:picLocks noChangeAspect="1"/>
-          </p:cNvPicPr>
-          <p:nvPr/>
-        </p:nvPicPr>
-        <p:blipFill>
-          <a:blip r:embed="rId2"/>
-          <a:stretch>
-            <a:fillRect/>
-          </a:stretch>
-        </p:blipFill>
-        <p:spPr>
-          <a:xfrm>
-            <a:off x="494343" y="994229"/>
-            <a:ext cx="4884842" cy="5732332"/>
-          </a:xfrm>
-          <a:prstGeom prst="rect">
-            <a:avLst/>
-          </a:prstGeom>
-        </p:spPr>
-      </p:pic>
-      <p:pic>
-        <p:nvPicPr>
-          <p:cNvPr id="4" name="Imagen 3"/>
-          <p:cNvPicPr>
-            <a:picLocks noChangeAspect="1"/>
-          </p:cNvPicPr>
-          <p:nvPr/>
-        </p:nvPicPr>
-        <p:blipFill>
-          <a:blip r:embed="rId3"/>
-          <a:stretch>
-            <a:fillRect/>
-          </a:stretch>
-        </p:blipFill>
-        <p:spPr>
-          <a:xfrm>
-            <a:off x="5254005" y="994229"/>
-            <a:ext cx="5210962" cy="5910942"/>
-          </a:xfrm>
-          <a:prstGeom prst="rect">
-            <a:avLst/>
-          </a:prstGeom>
-        </p:spPr>
-      </p:pic>
-      <p:pic>
-        <p:nvPicPr>
-          <p:cNvPr id="5" name="Imagen 4"/>
+          <p:cNvPr id="25" name="Imagen 24" descr="Mapa&#10;&#10;Descripción generada automáticamente">
+            <a:extLst>
+              <a:ext uri="{FF2B5EF4-FFF2-40B4-BE49-F238E27FC236}">
+                <a16:creationId xmlns:a16="http://schemas.microsoft.com/office/drawing/2014/main" id="{503165FD-9FB0-E2B9-ECA8-123F6567E126}"/>
+              </a:ext>
+            </a:extLst>
+          </p:cNvPr>
           <p:cNvPicPr>
             <a:picLocks noChangeAspect="1"/>
           </p:cNvPicPr>
@@ -3043,8 +4135,8 @@
         </p:blipFill>
         <p:spPr>
           <a:xfrm>
-            <a:off x="7859485" y="994229"/>
-            <a:ext cx="4454913" cy="3967842"/>
+            <a:off x="2202395" y="1085387"/>
+            <a:ext cx="7559441" cy="3931727"/>
           </a:xfrm>
           <a:prstGeom prst="rect">
             <a:avLst/>
@@ -3053,65 +4145,20 @@
       </p:pic>
       <p:sp>
         <p:nvSpPr>
-          <p:cNvPr id="6" name="Rectángulo redondeado 5"/>
-          <p:cNvSpPr/>
-          <p:nvPr/>
-        </p:nvSpPr>
-        <p:spPr>
-          <a:xfrm>
-            <a:off x="8098971" y="4423229"/>
-            <a:ext cx="636815" cy="538842"/>
-          </a:xfrm>
-          <a:prstGeom prst="roundRect">
-            <a:avLst/>
-          </a:prstGeom>
-          <a:noFill/>
-          <a:ln w="31750">
-            <a:solidFill>
-              <a:srgbClr val="FF0000"/>
-            </a:solidFill>
-          </a:ln>
-        </p:spPr>
-        <p:style>
-          <a:lnRef idx="2">
-            <a:schemeClr val="accent1">
-              <a:shade val="50000"/>
-            </a:schemeClr>
-          </a:lnRef>
-          <a:fillRef idx="1">
-            <a:schemeClr val="accent1"/>
-          </a:fillRef>
-          <a:effectRef idx="0">
-            <a:schemeClr val="accent1"/>
-          </a:effectRef>
-          <a:fontRef idx="minor">
-            <a:schemeClr val="lt1"/>
-          </a:fontRef>
-        </p:style>
-        <p:txBody>
-          <a:bodyPr rot="0" spcFirstLastPara="0" vertOverflow="overflow" horzOverflow="overflow" vert="horz" wrap="square" lIns="91440" tIns="45720" rIns="91440" bIns="45720" numCol="1" spcCol="0" rtlCol="0" fromWordArt="0" anchor="ctr" anchorCtr="0" forceAA="0" compatLnSpc="1">
-            <a:prstTxWarp prst="textNoShape">
-              <a:avLst/>
-            </a:prstTxWarp>
-            <a:noAutofit/>
-          </a:bodyPr>
-          <a:lstStyle/>
-          <a:p>
-            <a:pPr algn="ctr"/>
-            <a:endParaRPr lang="es-ES"/>
-          </a:p>
-        </p:txBody>
-      </p:sp>
-      <p:sp>
-        <p:nvSpPr>
-          <p:cNvPr id="7" name="CuadroTexto 6"/>
+          <p:cNvPr id="26" name="CuadroTexto 25">
+            <a:extLst>
+              <a:ext uri="{FF2B5EF4-FFF2-40B4-BE49-F238E27FC236}">
+                <a16:creationId xmlns:a16="http://schemas.microsoft.com/office/drawing/2014/main" id="{6A0B81E3-A3EA-E99A-017C-6285576DFBC8}"/>
+              </a:ext>
+            </a:extLst>
+          </p:cNvPr>
           <p:cNvSpPr txBox="1"/>
           <p:nvPr/>
         </p:nvSpPr>
         <p:spPr>
           <a:xfrm>
-            <a:off x="161968" y="193097"/>
-            <a:ext cx="4363502" cy="369332"/>
+            <a:off x="2199613" y="468224"/>
+            <a:ext cx="7792774" cy="461665"/>
           </a:xfrm>
           <a:prstGeom prst="rect">
             <a:avLst/>
@@ -3125,81 +4172,68 @@
           <a:lstStyle/>
           <a:p>
             <a:r>
-              <a:rPr lang="ca-ES" dirty="0" smtClean="0"/>
-              <a:t>Es considera tard si arriba &gt;10 minuts de STA</a:t>
-            </a:r>
-            <a:endParaRPr lang="ca-ES" dirty="0"/>
-          </a:p>
-        </p:txBody>
-      </p:sp>
-      <p:sp>
-        <p:nvSpPr>
-          <p:cNvPr id="8" name="Rectángulo redondeado 7"/>
-          <p:cNvSpPr/>
+              <a:rPr lang="ca-ES" sz="2400" dirty="0">
+                <a:solidFill>
+                  <a:srgbClr val="002060"/>
+                </a:solidFill>
+              </a:rPr>
+              <a:t>¿Quina es la puntualitat en el 3r salt d’una companyia aèria?</a:t>
+            </a:r>
+          </a:p>
+        </p:txBody>
+      </p:sp>
+      <p:sp>
+        <p:nvSpPr>
+          <p:cNvPr id="28" name="CuadroTexto 27">
+            <a:extLst>
+              <a:ext uri="{FF2B5EF4-FFF2-40B4-BE49-F238E27FC236}">
+                <a16:creationId xmlns:a16="http://schemas.microsoft.com/office/drawing/2014/main" id="{F1FDAC90-F0BF-ACFC-53AF-D35AF02F047C}"/>
+              </a:ext>
+            </a:extLst>
+          </p:cNvPr>
+          <p:cNvSpPr txBox="1"/>
           <p:nvPr/>
         </p:nvSpPr>
         <p:spPr>
           <a:xfrm>
-            <a:off x="5562600" y="4330700"/>
-            <a:ext cx="1117600" cy="1181100"/>
-          </a:xfrm>
-          <a:prstGeom prst="roundRect">
+            <a:off x="39938" y="21143"/>
+            <a:ext cx="1460871" cy="369332"/>
+          </a:xfrm>
+          <a:prstGeom prst="rect">
             <a:avLst/>
           </a:prstGeom>
           <a:noFill/>
-          <a:ln w="31750">
-            <a:solidFill>
-              <a:srgbClr val="0070C0"/>
-            </a:solidFill>
-          </a:ln>
-        </p:spPr>
-        <p:style>
-          <a:lnRef idx="2">
-            <a:schemeClr val="accent1">
-              <a:shade val="50000"/>
-            </a:schemeClr>
-          </a:lnRef>
-          <a:fillRef idx="1">
-            <a:schemeClr val="accent1"/>
-          </a:fillRef>
-          <a:effectRef idx="0">
-            <a:schemeClr val="accent1"/>
-          </a:effectRef>
-          <a:fontRef idx="minor">
-            <a:schemeClr val="lt1"/>
-          </a:fontRef>
-        </p:style>
-        <p:txBody>
-          <a:bodyPr rot="0" spcFirstLastPara="0" vertOverflow="overflow" horzOverflow="overflow" vert="horz" wrap="square" lIns="91440" tIns="45720" rIns="91440" bIns="45720" numCol="1" spcCol="0" rtlCol="0" fromWordArt="0" anchor="ctr" anchorCtr="0" forceAA="0" compatLnSpc="1">
-            <a:prstTxWarp prst="textNoShape">
-              <a:avLst/>
-            </a:prstTxWarp>
-            <a:noAutofit/>
+        </p:spPr>
+        <p:txBody>
+          <a:bodyPr wrap="square">
+            <a:spAutoFit/>
           </a:bodyPr>
           <a:lstStyle/>
           <a:p>
-            <a:pPr algn="ctr"/>
-            <a:endParaRPr lang="ca-ES"/>
+            <a:r>
+              <a:rPr lang="es-ES" b="1" i="0" dirty="0" err="1">
+                <a:solidFill>
+                  <a:srgbClr val="222222"/>
+                </a:solidFill>
+                <a:effectLst/>
+                <a:latin typeface="Google Sans"/>
+              </a:rPr>
+              <a:t>Abstract</a:t>
+            </a:r>
+            <a:endParaRPr lang="es-ES" dirty="0"/>
           </a:p>
         </p:txBody>
       </p:sp>
     </p:spTree>
     <p:extLst>
       <p:ext uri="{BB962C8B-B14F-4D97-AF65-F5344CB8AC3E}">
-        <p14:creationId xmlns:p14="http://schemas.microsoft.com/office/powerpoint/2010/main" val="4198866956"/>
+        <p14:creationId xmlns:p14="http://schemas.microsoft.com/office/powerpoint/2010/main" val="2486934042"/>
       </p:ext>
     </p:extLst>
   </p:cSld>
   <p:clrMapOvr>
     <a:masterClrMapping/>
   </p:clrMapOvr>
-  <p:timing>
-    <p:tnLst>
-      <p:par>
-        <p:cTn id="1" dur="indefinite" restart="never" nodeType="tmRoot"/>
-      </p:par>
-    </p:tnLst>
-  </p:timing>
 </p:sld>
 </file>
 
@@ -3236,48 +4270,30 @@
         </p:blipFill>
         <p:spPr>
           <a:xfrm>
-            <a:off x="242310" y="593408"/>
-            <a:ext cx="7921994" cy="4403134"/>
+            <a:off x="1114431" y="653144"/>
+            <a:ext cx="9963138" cy="5551712"/>
           </a:xfrm>
           <a:prstGeom prst="rect">
             <a:avLst/>
           </a:prstGeom>
         </p:spPr>
       </p:pic>
-      <p:pic>
-        <p:nvPicPr>
-          <p:cNvPr id="3" name="Imagen 2"/>
-          <p:cNvPicPr>
-            <a:picLocks noChangeAspect="1"/>
-          </p:cNvPicPr>
-          <p:nvPr/>
-        </p:nvPicPr>
-        <p:blipFill>
-          <a:blip r:embed="rId3"/>
-          <a:stretch>
-            <a:fillRect/>
-          </a:stretch>
-        </p:blipFill>
-        <p:spPr>
-          <a:xfrm>
-            <a:off x="7462158" y="2698531"/>
-            <a:ext cx="4655574" cy="3993697"/>
-          </a:xfrm>
-          <a:prstGeom prst="rect">
-            <a:avLst/>
-          </a:prstGeom>
-        </p:spPr>
-      </p:pic>
-      <p:sp>
-        <p:nvSpPr>
-          <p:cNvPr id="4" name="CuadroTexto 3"/>
+      <p:sp>
+        <p:nvSpPr>
+          <p:cNvPr id="4" name="CuadroTexto 3">
+            <a:extLst>
+              <a:ext uri="{FF2B5EF4-FFF2-40B4-BE49-F238E27FC236}">
+                <a16:creationId xmlns:a16="http://schemas.microsoft.com/office/drawing/2014/main" id="{829E32CC-55AD-98E1-838C-62A4211CF04B}"/>
+              </a:ext>
+            </a:extLst>
+          </p:cNvPr>
           <p:cNvSpPr txBox="1"/>
           <p:nvPr/>
         </p:nvSpPr>
         <p:spPr>
           <a:xfrm>
-            <a:off x="8445500" y="2324100"/>
-            <a:ext cx="3130472" cy="369332"/>
+            <a:off x="-1656" y="0"/>
+            <a:ext cx="6097656" cy="369332"/>
           </a:xfrm>
           <a:prstGeom prst="rect">
             <a:avLst/>
@@ -3285,14 +4301,20 @@
           <a:noFill/>
         </p:spPr>
         <p:txBody>
-          <a:bodyPr wrap="none" rtlCol="0">
+          <a:bodyPr wrap="square">
             <a:spAutoFit/>
           </a:bodyPr>
           <a:lstStyle/>
           <a:p>
             <a:r>
-              <a:rPr lang="es-ES" dirty="0" smtClean="0"/>
-              <a:t>Correlación respecte a Retard3.</a:t>
+              <a:rPr lang="es-ES" b="1" i="0">
+                <a:solidFill>
+                  <a:srgbClr val="222222"/>
+                </a:solidFill>
+                <a:effectLst/>
+                <a:latin typeface="Google Sans"/>
+              </a:rPr>
+              <a:t>Metodologia</a:t>
             </a:r>
             <a:endParaRPr lang="es-ES" dirty="0"/>
           </a:p>
@@ -3301,20 +4323,13 @@
     </p:spTree>
     <p:extLst>
       <p:ext uri="{BB962C8B-B14F-4D97-AF65-F5344CB8AC3E}">
-        <p14:creationId xmlns:p14="http://schemas.microsoft.com/office/powerpoint/2010/main" val="1999519433"/>
+        <p14:creationId xmlns:p14="http://schemas.microsoft.com/office/powerpoint/2010/main" val="136354546"/>
       </p:ext>
     </p:extLst>
   </p:cSld>
   <p:clrMapOvr>
     <a:masterClrMapping/>
   </p:clrMapOvr>
-  <p:timing>
-    <p:tnLst>
-      <p:par>
-        <p:cTn id="1" dur="indefinite" restart="never" nodeType="tmRoot"/>
-      </p:par>
-    </p:tnLst>
-  </p:timing>
 </p:sld>
 </file>
 
@@ -3335,6 +4350,159 @@
           <a:chExt cx="0" cy="0"/>
         </a:xfrm>
       </p:grpSpPr>
+      <p:pic>
+        <p:nvPicPr>
+          <p:cNvPr id="2" name="Imagen 1"/>
+          <p:cNvPicPr>
+            <a:picLocks noChangeAspect="1"/>
+          </p:cNvPicPr>
+          <p:nvPr/>
+        </p:nvPicPr>
+        <p:blipFill>
+          <a:blip r:embed="rId2"/>
+          <a:stretch>
+            <a:fillRect/>
+          </a:stretch>
+        </p:blipFill>
+        <p:spPr>
+          <a:xfrm>
+            <a:off x="242310" y="593408"/>
+            <a:ext cx="7921994" cy="4403134"/>
+          </a:xfrm>
+          <a:prstGeom prst="rect">
+            <a:avLst/>
+          </a:prstGeom>
+        </p:spPr>
+      </p:pic>
+      <p:pic>
+        <p:nvPicPr>
+          <p:cNvPr id="3" name="Imagen 2"/>
+          <p:cNvPicPr>
+            <a:picLocks noChangeAspect="1"/>
+          </p:cNvPicPr>
+          <p:nvPr/>
+        </p:nvPicPr>
+        <p:blipFill>
+          <a:blip r:embed="rId3"/>
+          <a:stretch>
+            <a:fillRect/>
+          </a:stretch>
+        </p:blipFill>
+        <p:spPr>
+          <a:xfrm>
+            <a:off x="7462158" y="2698531"/>
+            <a:ext cx="4655574" cy="3993697"/>
+          </a:xfrm>
+          <a:prstGeom prst="rect">
+            <a:avLst/>
+          </a:prstGeom>
+        </p:spPr>
+      </p:pic>
+      <p:sp>
+        <p:nvSpPr>
+          <p:cNvPr id="4" name="CuadroTexto 3"/>
+          <p:cNvSpPr txBox="1"/>
+          <p:nvPr/>
+        </p:nvSpPr>
+        <p:spPr>
+          <a:xfrm>
+            <a:off x="8445500" y="2324100"/>
+            <a:ext cx="3008644" cy="369332"/>
+          </a:xfrm>
+          <a:prstGeom prst="rect">
+            <a:avLst/>
+          </a:prstGeom>
+          <a:noFill/>
+        </p:spPr>
+        <p:txBody>
+          <a:bodyPr wrap="none" rtlCol="0">
+            <a:spAutoFit/>
+          </a:bodyPr>
+          <a:lstStyle/>
+          <a:p>
+            <a:r>
+              <a:rPr lang="es-ES" dirty="0" err="1"/>
+              <a:t>Correlació</a:t>
+            </a:r>
+            <a:r>
+              <a:rPr lang="es-ES" dirty="0"/>
+              <a:t> respecte a Retard3.</a:t>
+            </a:r>
+          </a:p>
+        </p:txBody>
+      </p:sp>
+      <p:sp>
+        <p:nvSpPr>
+          <p:cNvPr id="5" name="CuadroTexto 4">
+            <a:extLst>
+              <a:ext uri="{FF2B5EF4-FFF2-40B4-BE49-F238E27FC236}">
+                <a16:creationId xmlns:a16="http://schemas.microsoft.com/office/drawing/2014/main" id="{31E17BF5-727B-870E-D9C6-091A3D11564C}"/>
+              </a:ext>
+            </a:extLst>
+          </p:cNvPr>
+          <p:cNvSpPr txBox="1"/>
+          <p:nvPr/>
+        </p:nvSpPr>
+        <p:spPr>
+          <a:xfrm>
+            <a:off x="-1656" y="0"/>
+            <a:ext cx="6097656" cy="369332"/>
+          </a:xfrm>
+          <a:prstGeom prst="rect">
+            <a:avLst/>
+          </a:prstGeom>
+          <a:noFill/>
+        </p:spPr>
+        <p:txBody>
+          <a:bodyPr wrap="square">
+            <a:spAutoFit/>
+          </a:bodyPr>
+          <a:lstStyle/>
+          <a:p>
+            <a:r>
+              <a:rPr lang="es-ES" b="1" i="0">
+                <a:solidFill>
+                  <a:srgbClr val="222222"/>
+                </a:solidFill>
+                <a:effectLst/>
+                <a:latin typeface="Google Sans"/>
+              </a:rPr>
+              <a:t>Metodologia</a:t>
+            </a:r>
+            <a:endParaRPr lang="es-ES" dirty="0"/>
+          </a:p>
+        </p:txBody>
+      </p:sp>
+    </p:spTree>
+    <p:extLst>
+      <p:ext uri="{BB962C8B-B14F-4D97-AF65-F5344CB8AC3E}">
+        <p14:creationId xmlns:p14="http://schemas.microsoft.com/office/powerpoint/2010/main" val="1999519433"/>
+      </p:ext>
+    </p:extLst>
+  </p:cSld>
+  <p:clrMapOvr>
+    <a:masterClrMapping/>
+  </p:clrMapOvr>
+</p:sld>
+</file>
+
+<file path=ppt/slides/slide12.xml><?xml version="1.0" encoding="utf-8"?>
+<p:sld xmlns:a="http://schemas.openxmlformats.org/drawingml/2006/main" xmlns:r="http://schemas.openxmlformats.org/officeDocument/2006/relationships" xmlns:p="http://schemas.openxmlformats.org/presentationml/2006/main">
+  <p:cSld>
+    <p:spTree>
+      <p:nvGrpSpPr>
+        <p:cNvPr id="1" name=""/>
+        <p:cNvGrpSpPr/>
+        <p:nvPr/>
+      </p:nvGrpSpPr>
+      <p:grpSpPr>
+        <a:xfrm>
+          <a:off x="0" y="0"/>
+          <a:ext cx="0" cy="0"/>
+          <a:chOff x="0" y="0"/>
+          <a:chExt cx="0" cy="0"/>
+        </a:xfrm>
+      </p:grpSpPr>
       <p:sp>
         <p:nvSpPr>
           <p:cNvPr id="2" name="Rectángulo 1"/>
@@ -3344,29 +4512,26 @@
         <p:spPr>
           <a:xfrm>
             <a:off x="3886950" y="256206"/>
-            <a:ext cx="3634328" cy="369332"/>
+            <a:ext cx="4507965" cy="461665"/>
           </a:xfrm>
           <a:prstGeom prst="rect">
             <a:avLst/>
           </a:prstGeom>
-        </p:spPr>
-        <p:txBody>
-          <a:bodyPr wrap="none">
+          <a:noFill/>
+        </p:spPr>
+        <p:txBody>
+          <a:bodyPr wrap="none" rtlCol="0">
             <a:spAutoFit/>
           </a:bodyPr>
           <a:lstStyle/>
           <a:p>
             <a:r>
-              <a:rPr lang="es-ES" b="1" i="0" dirty="0" smtClean="0">
-                <a:effectLst/>
-                <a:latin typeface="-apple-system"/>
+              <a:rPr lang="ca-ES" sz="2400" dirty="0">
+                <a:latin typeface="Roboto" panose="02000000000000000000" pitchFamily="2" charset="0"/>
+                <a:ea typeface="Roboto" panose="02000000000000000000" pitchFamily="2" charset="0"/>
               </a:rPr>
-              <a:t>Regresión logística con Python</a:t>
-            </a:r>
-            <a:endParaRPr lang="es-ES" b="1" i="0" dirty="0">
-              <a:effectLst/>
-              <a:latin typeface="-apple-system"/>
-            </a:endParaRPr>
+              <a:t>Regressió logística amb Python</a:t>
+            </a:r>
           </a:p>
         </p:txBody>
       </p:sp>
@@ -3470,7 +4635,7 @@
               <a:tabLst/>
             </a:pPr>
             <a:r>
-              <a:rPr kumimoji="0" lang="es-ES" altLang="es-ES" sz="1100" i="0" u="none" strike="noStrike" cap="none" normalizeH="0" baseline="0" dirty="0" err="1" smtClean="0">
+              <a:rPr kumimoji="0" lang="es-ES" altLang="es-ES" sz="1100" i="0" u="none" strike="noStrike" cap="none" normalizeH="0" baseline="0" dirty="0" err="1">
                 <a:ln>
                   <a:noFill/>
                 </a:ln>
@@ -3483,7 +4648,7 @@
               <a:t>import</a:t>
             </a:r>
             <a:r>
-              <a:rPr kumimoji="0" lang="es-ES" altLang="es-ES" sz="1100" i="0" u="none" strike="noStrike" cap="none" normalizeH="0" baseline="0" dirty="0" smtClean="0">
+              <a:rPr kumimoji="0" lang="es-ES" altLang="es-ES" sz="1100" i="0" u="none" strike="noStrike" cap="none" normalizeH="0" baseline="0" dirty="0">
                 <a:ln>
                   <a:noFill/>
                 </a:ln>
@@ -3496,7 +4661,7 @@
               <a:t> </a:t>
             </a:r>
             <a:r>
-              <a:rPr kumimoji="0" lang="es-ES" altLang="es-ES" sz="1100" i="0" u="none" strike="noStrike" cap="none" normalizeH="0" baseline="0" dirty="0" err="1" smtClean="0">
+              <a:rPr kumimoji="0" lang="es-ES" altLang="es-ES" sz="1100" i="0" u="none" strike="noStrike" cap="none" normalizeH="0" baseline="0" dirty="0" err="1">
                 <a:ln>
                   <a:noFill/>
                 </a:ln>
@@ -3509,7 +4674,7 @@
               <a:t>resample</a:t>
             </a:r>
             <a:r>
-              <a:rPr kumimoji="0" lang="es-ES" altLang="es-ES" sz="1100" i="0" u="none" strike="noStrike" cap="none" normalizeH="0" baseline="0" dirty="0" smtClean="0">
+              <a:rPr kumimoji="0" lang="es-ES" altLang="es-ES" sz="1100" i="0" u="none" strike="noStrike" cap="none" normalizeH="0" baseline="0" dirty="0">
                 <a:ln>
                   <a:noFill/>
                 </a:ln>
@@ -3520,7 +4685,7 @@
               </a:rPr>
               <a:t> </a:t>
             </a:r>
-            <a:endParaRPr kumimoji="0" lang="es-ES" altLang="es-ES" sz="1100" i="0" u="none" strike="noStrike" cap="none" normalizeH="0" baseline="0" dirty="0" smtClean="0">
+            <a:endParaRPr kumimoji="0" lang="es-ES" altLang="es-ES" sz="1100" i="0" u="none" strike="noStrike" cap="none" normalizeH="0" baseline="0" dirty="0">
               <a:ln>
                 <a:noFill/>
               </a:ln>
@@ -3557,6 +4722,48 @@
           </a:prstGeom>
         </p:spPr>
       </p:pic>
+      <p:sp>
+        <p:nvSpPr>
+          <p:cNvPr id="6" name="CuadroTexto 5">
+            <a:extLst>
+              <a:ext uri="{FF2B5EF4-FFF2-40B4-BE49-F238E27FC236}">
+                <a16:creationId xmlns:a16="http://schemas.microsoft.com/office/drawing/2014/main" id="{2ADD8B6B-CDFD-0AE2-9DCF-E8D29D9D2863}"/>
+              </a:ext>
+            </a:extLst>
+          </p:cNvPr>
+          <p:cNvSpPr txBox="1"/>
+          <p:nvPr/>
+        </p:nvSpPr>
+        <p:spPr>
+          <a:xfrm>
+            <a:off x="-1656" y="0"/>
+            <a:ext cx="6097656" cy="369332"/>
+          </a:xfrm>
+          <a:prstGeom prst="rect">
+            <a:avLst/>
+          </a:prstGeom>
+          <a:noFill/>
+        </p:spPr>
+        <p:txBody>
+          <a:bodyPr wrap="square">
+            <a:spAutoFit/>
+          </a:bodyPr>
+          <a:lstStyle/>
+          <a:p>
+            <a:r>
+              <a:rPr lang="es-ES" b="1" i="0">
+                <a:solidFill>
+                  <a:srgbClr val="222222"/>
+                </a:solidFill>
+                <a:effectLst/>
+                <a:latin typeface="Google Sans"/>
+              </a:rPr>
+              <a:t>Metodologia</a:t>
+            </a:r>
+            <a:endParaRPr lang="es-ES" dirty="0"/>
+          </a:p>
+        </p:txBody>
+      </p:sp>
     </p:spTree>
     <p:extLst>
       <p:ext uri="{BB962C8B-B14F-4D97-AF65-F5344CB8AC3E}">
@@ -3567,17 +4774,10 @@
   <p:clrMapOvr>
     <a:masterClrMapping/>
   </p:clrMapOvr>
-  <p:timing>
-    <p:tnLst>
-      <p:par>
-        <p:cTn id="1" dur="indefinite" restart="never" nodeType="tmRoot"/>
-      </p:par>
-    </p:tnLst>
-  </p:timing>
 </p:sld>
 </file>
 
-<file path=ppt/slides/slide12.xml><?xml version="1.0" encoding="utf-8"?>
+<file path=ppt/slides/slide13.xml><?xml version="1.0" encoding="utf-8"?>
 <p:sld xmlns:a="http://schemas.openxmlformats.org/drawingml/2006/main" xmlns:r="http://schemas.openxmlformats.org/officeDocument/2006/relationships" xmlns:p="http://schemas.openxmlformats.org/presentationml/2006/main">
   <p:cSld>
     <p:spTree>
@@ -3610,8 +4810,8 @@
         </p:blipFill>
         <p:spPr>
           <a:xfrm>
-            <a:off x="1571011" y="130630"/>
-            <a:ext cx="9049978" cy="6596740"/>
+            <a:off x="1042617" y="620487"/>
+            <a:ext cx="10106766" cy="5617026"/>
           </a:xfrm>
           <a:prstGeom prst="rect">
             <a:avLst/>
@@ -3626,8 +4826,8 @@
         </p:nvSpPr>
         <p:spPr>
           <a:xfrm>
-            <a:off x="1571011" y="4963886"/>
-            <a:ext cx="2543789" cy="996043"/>
+            <a:off x="1042617" y="4865914"/>
+            <a:ext cx="9652597" cy="293915"/>
           </a:xfrm>
           <a:prstGeom prst="roundRect">
             <a:avLst/>
@@ -3669,10 +4869,202 @@
           </a:p>
         </p:txBody>
       </p:sp>
+      <p:sp>
+        <p:nvSpPr>
+          <p:cNvPr id="4" name="Rectángulo redondeado 3"/>
+          <p:cNvSpPr/>
+          <p:nvPr/>
+        </p:nvSpPr>
+        <p:spPr>
+          <a:xfrm>
+            <a:off x="1042616" y="5573485"/>
+            <a:ext cx="9652597" cy="293915"/>
+          </a:xfrm>
+          <a:prstGeom prst="roundRect">
+            <a:avLst/>
+          </a:prstGeom>
+          <a:noFill/>
+          <a:ln w="31750">
+            <a:solidFill>
+              <a:srgbClr val="FF0000"/>
+            </a:solidFill>
+          </a:ln>
+        </p:spPr>
+        <p:style>
+          <a:lnRef idx="2">
+            <a:schemeClr val="accent1">
+              <a:shade val="50000"/>
+            </a:schemeClr>
+          </a:lnRef>
+          <a:fillRef idx="1">
+            <a:schemeClr val="accent1"/>
+          </a:fillRef>
+          <a:effectRef idx="0">
+            <a:schemeClr val="accent1"/>
+          </a:effectRef>
+          <a:fontRef idx="minor">
+            <a:schemeClr val="lt1"/>
+          </a:fontRef>
+        </p:style>
+        <p:txBody>
+          <a:bodyPr rot="0" spcFirstLastPara="0" vertOverflow="overflow" horzOverflow="overflow" vert="horz" wrap="square" lIns="91440" tIns="45720" rIns="91440" bIns="45720" numCol="1" spcCol="0" rtlCol="0" fromWordArt="0" anchor="ctr" anchorCtr="0" forceAA="0" compatLnSpc="1">
+            <a:prstTxWarp prst="textNoShape">
+              <a:avLst/>
+            </a:prstTxWarp>
+            <a:noAutofit/>
+          </a:bodyPr>
+          <a:lstStyle/>
+          <a:p>
+            <a:pPr algn="ctr"/>
+            <a:endParaRPr lang="es-ES"/>
+          </a:p>
+        </p:txBody>
+      </p:sp>
+      <p:sp>
+        <p:nvSpPr>
+          <p:cNvPr id="5" name="Rectángulo redondeado 4"/>
+          <p:cNvSpPr/>
+          <p:nvPr/>
+        </p:nvSpPr>
+        <p:spPr>
+          <a:xfrm>
+            <a:off x="4660900" y="1282700"/>
+            <a:ext cx="660400" cy="317500"/>
+          </a:xfrm>
+          <a:prstGeom prst="roundRect">
+            <a:avLst/>
+          </a:prstGeom>
+          <a:noFill/>
+          <a:ln w="31750">
+            <a:solidFill>
+              <a:srgbClr val="FF0000"/>
+            </a:solidFill>
+          </a:ln>
+        </p:spPr>
+        <p:style>
+          <a:lnRef idx="2">
+            <a:schemeClr val="accent1">
+              <a:shade val="50000"/>
+            </a:schemeClr>
+          </a:lnRef>
+          <a:fillRef idx="1">
+            <a:schemeClr val="accent1"/>
+          </a:fillRef>
+          <a:effectRef idx="0">
+            <a:schemeClr val="accent1"/>
+          </a:effectRef>
+          <a:fontRef idx="minor">
+            <a:schemeClr val="lt1"/>
+          </a:fontRef>
+        </p:style>
+        <p:txBody>
+          <a:bodyPr rot="0" spcFirstLastPara="0" vertOverflow="overflow" horzOverflow="overflow" vert="horz" wrap="square" lIns="91440" tIns="45720" rIns="91440" bIns="45720" numCol="1" spcCol="0" rtlCol="0" fromWordArt="0" anchor="ctr" anchorCtr="0" forceAA="0" compatLnSpc="1">
+            <a:prstTxWarp prst="textNoShape">
+              <a:avLst/>
+            </a:prstTxWarp>
+            <a:noAutofit/>
+          </a:bodyPr>
+          <a:lstStyle/>
+          <a:p>
+            <a:pPr algn="ctr"/>
+            <a:endParaRPr lang="ca-ES"/>
+          </a:p>
+        </p:txBody>
+      </p:sp>
+      <p:sp>
+        <p:nvSpPr>
+          <p:cNvPr id="6" name="Rectángulo 5">
+            <a:extLst>
+              <a:ext uri="{FF2B5EF4-FFF2-40B4-BE49-F238E27FC236}">
+                <a16:creationId xmlns:a16="http://schemas.microsoft.com/office/drawing/2014/main" id="{4681B928-B6FC-9EA6-CF3A-9EA9A9A415AB}"/>
+              </a:ext>
+            </a:extLst>
+          </p:cNvPr>
+          <p:cNvSpPr/>
+          <p:nvPr/>
+        </p:nvSpPr>
+        <p:spPr>
+          <a:xfrm>
+            <a:off x="3921366" y="58548"/>
+            <a:ext cx="4507965" cy="461665"/>
+          </a:xfrm>
+          <a:prstGeom prst="rect">
+            <a:avLst/>
+          </a:prstGeom>
+          <a:noFill/>
+        </p:spPr>
+        <p:txBody>
+          <a:bodyPr wrap="none" rtlCol="0">
+            <a:spAutoFit/>
+          </a:bodyPr>
+          <a:lstStyle/>
+          <a:p>
+            <a:r>
+              <a:rPr lang="ca-ES" sz="2400" dirty="0">
+                <a:latin typeface="Roboto" panose="02000000000000000000" pitchFamily="2" charset="0"/>
+                <a:ea typeface="Roboto" panose="02000000000000000000" pitchFamily="2" charset="0"/>
+              </a:rPr>
+              <a:t>Regressió logística amb Python</a:t>
+            </a:r>
+          </a:p>
+        </p:txBody>
+      </p:sp>
+      <p:sp>
+        <p:nvSpPr>
+          <p:cNvPr id="8" name="CuadroTexto 7">
+            <a:extLst>
+              <a:ext uri="{FF2B5EF4-FFF2-40B4-BE49-F238E27FC236}">
+                <a16:creationId xmlns:a16="http://schemas.microsoft.com/office/drawing/2014/main" id="{631BD90D-0E73-E973-D616-0EEFB2907673}"/>
+              </a:ext>
+            </a:extLst>
+          </p:cNvPr>
+          <p:cNvSpPr txBox="1"/>
+          <p:nvPr/>
+        </p:nvSpPr>
+        <p:spPr>
+          <a:xfrm>
+            <a:off x="102919" y="44327"/>
+            <a:ext cx="6097656" cy="369332"/>
+          </a:xfrm>
+          <a:prstGeom prst="rect">
+            <a:avLst/>
+          </a:prstGeom>
+          <a:noFill/>
+        </p:spPr>
+        <p:txBody>
+          <a:bodyPr wrap="square">
+            <a:spAutoFit/>
+          </a:bodyPr>
+          <a:lstStyle/>
+          <a:p>
+            <a:r>
+              <a:rPr lang="es-ES" b="1" i="0" dirty="0" err="1">
+                <a:solidFill>
+                  <a:srgbClr val="222222"/>
+                </a:solidFill>
+                <a:effectLst/>
+                <a:latin typeface="Google Sans"/>
+              </a:rPr>
+              <a:t>Resultats</a:t>
+            </a:r>
+            <a:r>
+              <a:rPr lang="es-ES" b="0" i="0" dirty="0">
+                <a:solidFill>
+                  <a:srgbClr val="222222"/>
+                </a:solidFill>
+                <a:effectLst/>
+                <a:latin typeface="Google Sans"/>
+              </a:rPr>
+              <a:t>:</a:t>
+            </a:r>
+            <a:endParaRPr lang="es-ES" dirty="0"/>
+          </a:p>
+        </p:txBody>
+      </p:sp>
     </p:spTree>
     <p:extLst>
       <p:ext uri="{BB962C8B-B14F-4D97-AF65-F5344CB8AC3E}">
-        <p14:creationId xmlns:p14="http://schemas.microsoft.com/office/powerpoint/2010/main" val="1603037583"/>
+        <p14:creationId xmlns:p14="http://schemas.microsoft.com/office/powerpoint/2010/main" val="3269555159"/>
       </p:ext>
     </p:extLst>
   </p:cSld>
@@ -3682,70 +5074,108 @@
   <p:timing>
     <p:tnLst>
       <p:par>
-        <p:cTn id="1" dur="indefinite" restart="never" nodeType="tmRoot"/>
+        <p:cTn id="1" dur="indefinite" restart="never" nodeType="tmRoot">
+          <p:childTnLst>
+            <p:seq concurrent="1" nextAc="seek">
+              <p:cTn id="2" dur="indefinite" nodeType="mainSeq">
+                <p:childTnLst>
+                  <p:par>
+                    <p:cTn id="3" fill="hold">
+                      <p:stCondLst>
+                        <p:cond delay="indefinite"/>
+                      </p:stCondLst>
+                      <p:childTnLst>
+                        <p:par>
+                          <p:cTn id="4" fill="hold">
+                            <p:stCondLst>
+                              <p:cond delay="0"/>
+                            </p:stCondLst>
+                            <p:childTnLst>
+                              <p:par>
+                                <p:cTn id="5" presetID="1" presetClass="entr" presetSubtype="0" fill="hold" grpId="0" nodeType="clickEffect">
+                                  <p:stCondLst>
+                                    <p:cond delay="0"/>
+                                  </p:stCondLst>
+                                  <p:childTnLst>
+                                    <p:set>
+                                      <p:cBhvr>
+                                        <p:cTn id="6" dur="1" fill="hold">
+                                          <p:stCondLst>
+                                            <p:cond delay="0"/>
+                                          </p:stCondLst>
+                                        </p:cTn>
+                                        <p:tgtEl>
+                                          <p:spTgt spid="3"/>
+                                        </p:tgtEl>
+                                        <p:attrNameLst>
+                                          <p:attrName>style.visibility</p:attrName>
+                                        </p:attrNameLst>
+                                      </p:cBhvr>
+                                      <p:to>
+                                        <p:strVal val="visible"/>
+                                      </p:to>
+                                    </p:set>
+                                  </p:childTnLst>
+                                </p:cTn>
+                              </p:par>
+                              <p:par>
+                                <p:cTn id="7" presetID="1" presetClass="entr" presetSubtype="0" fill="hold" grpId="0" nodeType="withEffect">
+                                  <p:stCondLst>
+                                    <p:cond delay="0"/>
+                                  </p:stCondLst>
+                                  <p:childTnLst>
+                                    <p:set>
+                                      <p:cBhvr>
+                                        <p:cTn id="8" dur="1" fill="hold">
+                                          <p:stCondLst>
+                                            <p:cond delay="0"/>
+                                          </p:stCondLst>
+                                        </p:cTn>
+                                        <p:tgtEl>
+                                          <p:spTgt spid="4"/>
+                                        </p:tgtEl>
+                                        <p:attrNameLst>
+                                          <p:attrName>style.visibility</p:attrName>
+                                        </p:attrNameLst>
+                                      </p:cBhvr>
+                                      <p:to>
+                                        <p:strVal val="visible"/>
+                                      </p:to>
+                                    </p:set>
+                                  </p:childTnLst>
+                                </p:cTn>
+                              </p:par>
+                            </p:childTnLst>
+                          </p:cTn>
+                        </p:par>
+                      </p:childTnLst>
+                    </p:cTn>
+                  </p:par>
+                </p:childTnLst>
+              </p:cTn>
+              <p:prevCondLst>
+                <p:cond evt="onPrev" delay="0">
+                  <p:tgtEl>
+                    <p:sldTgt/>
+                  </p:tgtEl>
+                </p:cond>
+              </p:prevCondLst>
+              <p:nextCondLst>
+                <p:cond evt="onNext" delay="0">
+                  <p:tgtEl>
+                    <p:sldTgt/>
+                  </p:tgtEl>
+                </p:cond>
+              </p:nextCondLst>
+            </p:seq>
+          </p:childTnLst>
+        </p:cTn>
       </p:par>
     </p:tnLst>
-  </p:timing>
-</p:sld>
-</file>
-
-<file path=ppt/slides/slide13.xml><?xml version="1.0" encoding="utf-8"?>
-<p:sld xmlns:a="http://schemas.openxmlformats.org/drawingml/2006/main" xmlns:r="http://schemas.openxmlformats.org/officeDocument/2006/relationships" xmlns:p="http://schemas.openxmlformats.org/presentationml/2006/main">
-  <p:cSld>
-    <p:spTree>
-      <p:nvGrpSpPr>
-        <p:cNvPr id="1" name=""/>
-        <p:cNvGrpSpPr/>
-        <p:nvPr/>
-      </p:nvGrpSpPr>
-      <p:grpSpPr>
-        <a:xfrm>
-          <a:off x="0" y="0"/>
-          <a:ext cx="0" cy="0"/>
-          <a:chOff x="0" y="0"/>
-          <a:chExt cx="0" cy="0"/>
-        </a:xfrm>
-      </p:grpSpPr>
-      <p:pic>
-        <p:nvPicPr>
-          <p:cNvPr id="3" name="Imagen 2"/>
-          <p:cNvPicPr>
-            <a:picLocks noChangeAspect="1"/>
-          </p:cNvPicPr>
-          <p:nvPr/>
-        </p:nvPicPr>
-        <p:blipFill>
-          <a:blip r:embed="rId2"/>
-          <a:stretch>
-            <a:fillRect/>
-          </a:stretch>
-        </p:blipFill>
-        <p:spPr>
-          <a:xfrm>
-            <a:off x="2294994" y="247206"/>
-            <a:ext cx="7602011" cy="6363588"/>
-          </a:xfrm>
-          <a:prstGeom prst="rect">
-            <a:avLst/>
-          </a:prstGeom>
-        </p:spPr>
-      </p:pic>
-    </p:spTree>
-    <p:extLst>
-      <p:ext uri="{BB962C8B-B14F-4D97-AF65-F5344CB8AC3E}">
-        <p14:creationId xmlns:p14="http://schemas.microsoft.com/office/powerpoint/2010/main" val="964334739"/>
-      </p:ext>
-    </p:extLst>
-  </p:cSld>
-  <p:clrMapOvr>
-    <a:masterClrMapping/>
-  </p:clrMapOvr>
-  <p:timing>
-    <p:tnLst>
-      <p:par>
-        <p:cTn id="1" dur="indefinite" restart="never" nodeType="tmRoot"/>
-      </p:par>
-    </p:tnLst>
+    <p:bldLst>
+      <p:bldP spid="3" grpId="0" animBg="1"/>
+      <p:bldP spid="4" grpId="0" animBg="1"/>
+    </p:bldLst>
   </p:timing>
 </p:sld>
 </file>
@@ -3783,6 +5213,291 @@
         </p:blipFill>
         <p:spPr>
           <a:xfrm>
+            <a:off x="1571011" y="130630"/>
+            <a:ext cx="9049978" cy="6596740"/>
+          </a:xfrm>
+          <a:prstGeom prst="rect">
+            <a:avLst/>
+          </a:prstGeom>
+        </p:spPr>
+      </p:pic>
+      <p:sp>
+        <p:nvSpPr>
+          <p:cNvPr id="3" name="Rectángulo redondeado 2"/>
+          <p:cNvSpPr/>
+          <p:nvPr/>
+        </p:nvSpPr>
+        <p:spPr>
+          <a:xfrm>
+            <a:off x="1571011" y="4963886"/>
+            <a:ext cx="2543789" cy="996043"/>
+          </a:xfrm>
+          <a:prstGeom prst="roundRect">
+            <a:avLst/>
+          </a:prstGeom>
+          <a:noFill/>
+          <a:ln w="31750">
+            <a:solidFill>
+              <a:srgbClr val="FF0000"/>
+            </a:solidFill>
+          </a:ln>
+        </p:spPr>
+        <p:style>
+          <a:lnRef idx="2">
+            <a:schemeClr val="accent1">
+              <a:shade val="50000"/>
+            </a:schemeClr>
+          </a:lnRef>
+          <a:fillRef idx="1">
+            <a:schemeClr val="accent1"/>
+          </a:fillRef>
+          <a:effectRef idx="0">
+            <a:schemeClr val="accent1"/>
+          </a:effectRef>
+          <a:fontRef idx="minor">
+            <a:schemeClr val="lt1"/>
+          </a:fontRef>
+        </p:style>
+        <p:txBody>
+          <a:bodyPr rot="0" spcFirstLastPara="0" vertOverflow="overflow" horzOverflow="overflow" vert="horz" wrap="square" lIns="91440" tIns="45720" rIns="91440" bIns="45720" numCol="1" spcCol="0" rtlCol="0" fromWordArt="0" anchor="ctr" anchorCtr="0" forceAA="0" compatLnSpc="1">
+            <a:prstTxWarp prst="textNoShape">
+              <a:avLst/>
+            </a:prstTxWarp>
+            <a:noAutofit/>
+          </a:bodyPr>
+          <a:lstStyle/>
+          <a:p>
+            <a:pPr algn="ctr"/>
+            <a:endParaRPr lang="es-ES"/>
+          </a:p>
+        </p:txBody>
+      </p:sp>
+      <p:cxnSp>
+        <p:nvCxnSpPr>
+          <p:cNvPr id="5" name="Conector recto 4">
+            <a:extLst>
+              <a:ext uri="{FF2B5EF4-FFF2-40B4-BE49-F238E27FC236}">
+                <a16:creationId xmlns:a16="http://schemas.microsoft.com/office/drawing/2014/main" id="{E022CA17-581B-7EA6-D6D9-35705A8CDBCA}"/>
+              </a:ext>
+            </a:extLst>
+          </p:cNvPr>
+          <p:cNvCxnSpPr/>
+          <p:nvPr/>
+        </p:nvCxnSpPr>
+        <p:spPr>
+          <a:xfrm flipV="1">
+            <a:off x="864704" y="725557"/>
+            <a:ext cx="10177670" cy="5695121"/>
+          </a:xfrm>
+          <a:prstGeom prst="line">
+            <a:avLst/>
+          </a:prstGeom>
+        </p:spPr>
+        <p:style>
+          <a:lnRef idx="1">
+            <a:schemeClr val="accent1"/>
+          </a:lnRef>
+          <a:fillRef idx="0">
+            <a:schemeClr val="accent1"/>
+          </a:fillRef>
+          <a:effectRef idx="0">
+            <a:schemeClr val="accent1"/>
+          </a:effectRef>
+          <a:fontRef idx="minor">
+            <a:schemeClr val="tx1"/>
+          </a:fontRef>
+        </p:style>
+      </p:cxnSp>
+    </p:spTree>
+    <p:extLst>
+      <p:ext uri="{BB962C8B-B14F-4D97-AF65-F5344CB8AC3E}">
+        <p14:creationId xmlns:p14="http://schemas.microsoft.com/office/powerpoint/2010/main" val="1603037583"/>
+      </p:ext>
+    </p:extLst>
+  </p:cSld>
+  <p:clrMapOvr>
+    <a:masterClrMapping/>
+  </p:clrMapOvr>
+</p:sld>
+</file>
+
+<file path=ppt/slides/slide15.xml><?xml version="1.0" encoding="utf-8"?>
+<p:sld xmlns:a="http://schemas.openxmlformats.org/drawingml/2006/main" xmlns:r="http://schemas.openxmlformats.org/officeDocument/2006/relationships" xmlns:p="http://schemas.openxmlformats.org/presentationml/2006/main">
+  <p:cSld>
+    <p:spTree>
+      <p:nvGrpSpPr>
+        <p:cNvPr id="1" name=""/>
+        <p:cNvGrpSpPr/>
+        <p:nvPr/>
+      </p:nvGrpSpPr>
+      <p:grpSpPr>
+        <a:xfrm>
+          <a:off x="0" y="0"/>
+          <a:ext cx="0" cy="0"/>
+          <a:chOff x="0" y="0"/>
+          <a:chExt cx="0" cy="0"/>
+        </a:xfrm>
+      </p:grpSpPr>
+      <p:pic>
+        <p:nvPicPr>
+          <p:cNvPr id="3" name="Imagen 2"/>
+          <p:cNvPicPr>
+            <a:picLocks noChangeAspect="1"/>
+          </p:cNvPicPr>
+          <p:nvPr/>
+        </p:nvPicPr>
+        <p:blipFill>
+          <a:blip r:embed="rId2"/>
+          <a:stretch>
+            <a:fillRect/>
+          </a:stretch>
+        </p:blipFill>
+        <p:spPr>
+          <a:xfrm>
+            <a:off x="2294994" y="247206"/>
+            <a:ext cx="7602011" cy="6363588"/>
+          </a:xfrm>
+          <a:prstGeom prst="rect">
+            <a:avLst/>
+          </a:prstGeom>
+        </p:spPr>
+      </p:pic>
+      <p:sp>
+        <p:nvSpPr>
+          <p:cNvPr id="2" name="Rectángulo 1">
+            <a:extLst>
+              <a:ext uri="{FF2B5EF4-FFF2-40B4-BE49-F238E27FC236}">
+                <a16:creationId xmlns:a16="http://schemas.microsoft.com/office/drawing/2014/main" id="{654CB6EA-434E-0A88-DBE6-42D9214BDFF3}"/>
+              </a:ext>
+            </a:extLst>
+          </p:cNvPr>
+          <p:cNvSpPr/>
+          <p:nvPr/>
+        </p:nvSpPr>
+        <p:spPr>
+          <a:xfrm>
+            <a:off x="6843470" y="3429000"/>
+            <a:ext cx="4875053" cy="461665"/>
+          </a:xfrm>
+          <a:prstGeom prst="rect">
+            <a:avLst/>
+          </a:prstGeom>
+          <a:noFill/>
+        </p:spPr>
+        <p:txBody>
+          <a:bodyPr wrap="none" rtlCol="0">
+            <a:spAutoFit/>
+          </a:bodyPr>
+          <a:lstStyle/>
+          <a:p>
+            <a:r>
+              <a:rPr lang="ca-ES" sz="2400" dirty="0">
+                <a:latin typeface="Roboto" panose="02000000000000000000" pitchFamily="2" charset="0"/>
+                <a:ea typeface="Roboto" panose="02000000000000000000" pitchFamily="2" charset="0"/>
+              </a:rPr>
+              <a:t>Regressió logística amb 1 variable</a:t>
+            </a:r>
+          </a:p>
+        </p:txBody>
+      </p:sp>
+      <p:sp>
+        <p:nvSpPr>
+          <p:cNvPr id="4" name="Rectángulo: esquinas redondeadas 3">
+            <a:extLst>
+              <a:ext uri="{FF2B5EF4-FFF2-40B4-BE49-F238E27FC236}">
+                <a16:creationId xmlns:a16="http://schemas.microsoft.com/office/drawing/2014/main" id="{D58BF705-E818-5D3F-AABE-9E0306534906}"/>
+              </a:ext>
+            </a:extLst>
+          </p:cNvPr>
+          <p:cNvSpPr/>
+          <p:nvPr/>
+        </p:nvSpPr>
+        <p:spPr>
+          <a:xfrm>
+            <a:off x="4273826" y="1123122"/>
+            <a:ext cx="1331844" cy="258417"/>
+          </a:xfrm>
+          <a:prstGeom prst="roundRect">
+            <a:avLst/>
+          </a:prstGeom>
+          <a:noFill/>
+          <a:ln w="31750">
+            <a:solidFill>
+              <a:srgbClr val="FF0000"/>
+            </a:solidFill>
+          </a:ln>
+        </p:spPr>
+        <p:style>
+          <a:lnRef idx="2">
+            <a:schemeClr val="accent1">
+              <a:shade val="50000"/>
+            </a:schemeClr>
+          </a:lnRef>
+          <a:fillRef idx="1">
+            <a:schemeClr val="accent1"/>
+          </a:fillRef>
+          <a:effectRef idx="0">
+            <a:schemeClr val="accent1"/>
+          </a:effectRef>
+          <a:fontRef idx="minor">
+            <a:schemeClr val="lt1"/>
+          </a:fontRef>
+        </p:style>
+        <p:txBody>
+          <a:bodyPr rtlCol="0" anchor="ctr"/>
+          <a:lstStyle/>
+          <a:p>
+            <a:pPr algn="ctr"/>
+            <a:endParaRPr lang="es-ES"/>
+          </a:p>
+        </p:txBody>
+      </p:sp>
+    </p:spTree>
+    <p:extLst>
+      <p:ext uri="{BB962C8B-B14F-4D97-AF65-F5344CB8AC3E}">
+        <p14:creationId xmlns:p14="http://schemas.microsoft.com/office/powerpoint/2010/main" val="964334739"/>
+      </p:ext>
+    </p:extLst>
+  </p:cSld>
+  <p:clrMapOvr>
+    <a:masterClrMapping/>
+  </p:clrMapOvr>
+</p:sld>
+</file>
+
+<file path=ppt/slides/slide16.xml><?xml version="1.0" encoding="utf-8"?>
+<p:sld xmlns:a="http://schemas.openxmlformats.org/drawingml/2006/main" xmlns:r="http://schemas.openxmlformats.org/officeDocument/2006/relationships" xmlns:p="http://schemas.openxmlformats.org/presentationml/2006/main">
+  <p:cSld>
+    <p:spTree>
+      <p:nvGrpSpPr>
+        <p:cNvPr id="1" name=""/>
+        <p:cNvGrpSpPr/>
+        <p:nvPr/>
+      </p:nvGrpSpPr>
+      <p:grpSpPr>
+        <a:xfrm>
+          <a:off x="0" y="0"/>
+          <a:ext cx="0" cy="0"/>
+          <a:chOff x="0" y="0"/>
+          <a:chExt cx="0" cy="0"/>
+        </a:xfrm>
+      </p:grpSpPr>
+      <p:pic>
+        <p:nvPicPr>
+          <p:cNvPr id="2" name="Imagen 1"/>
+          <p:cNvPicPr>
+            <a:picLocks noChangeAspect="1"/>
+          </p:cNvPicPr>
+          <p:nvPr/>
+        </p:nvPicPr>
+        <p:blipFill>
+          <a:blip r:embed="rId2"/>
+          <a:stretch>
+            <a:fillRect/>
+          </a:stretch>
+        </p:blipFill>
+        <p:spPr>
+          <a:xfrm>
             <a:off x="2460170" y="4139"/>
             <a:ext cx="7271660" cy="6849722"/>
           </a:xfrm>
@@ -3943,6 +5658,65 @@
           </a:fontRef>
         </p:style>
       </p:cxnSp>
+      <p:sp>
+        <p:nvSpPr>
+          <p:cNvPr id="5" name="Rectángulo 4">
+            <a:extLst>
+              <a:ext uri="{FF2B5EF4-FFF2-40B4-BE49-F238E27FC236}">
+                <a16:creationId xmlns:a16="http://schemas.microsoft.com/office/drawing/2014/main" id="{99992895-F536-C30C-2233-C8281ECE6539}"/>
+              </a:ext>
+            </a:extLst>
+          </p:cNvPr>
+          <p:cNvSpPr/>
+          <p:nvPr/>
+        </p:nvSpPr>
+        <p:spPr>
+          <a:xfrm>
+            <a:off x="10008932" y="1422243"/>
+            <a:ext cx="1918025" cy="1569660"/>
+          </a:xfrm>
+          <a:prstGeom prst="rect">
+            <a:avLst/>
+          </a:prstGeom>
+          <a:noFill/>
+        </p:spPr>
+        <p:txBody>
+          <a:bodyPr wrap="square" rtlCol="0">
+            <a:spAutoFit/>
+          </a:bodyPr>
+          <a:lstStyle/>
+          <a:p>
+            <a:pPr algn="ctr"/>
+            <a:r>
+              <a:rPr lang="ca-ES" sz="2400" dirty="0">
+                <a:latin typeface="Roboto" panose="02000000000000000000" pitchFamily="2" charset="0"/>
+                <a:ea typeface="Roboto" panose="02000000000000000000" pitchFamily="2" charset="0"/>
+              </a:rPr>
+              <a:t>Regressió logística</a:t>
+            </a:r>
+          </a:p>
+          <a:p>
+            <a:pPr algn="ctr"/>
+            <a:r>
+              <a:rPr lang="ca-ES" sz="2400" dirty="0">
+                <a:latin typeface="Roboto" panose="02000000000000000000" pitchFamily="2" charset="0"/>
+                <a:ea typeface="Roboto" panose="02000000000000000000" pitchFamily="2" charset="0"/>
+              </a:rPr>
+              <a:t>vista</a:t>
+            </a:r>
+          </a:p>
+          <a:p>
+            <a:pPr algn="ctr"/>
+            <a:r>
+              <a:rPr lang="ca-ES" sz="2400" dirty="0">
+                <a:latin typeface="Roboto" panose="02000000000000000000" pitchFamily="2" charset="0"/>
+                <a:ea typeface="Roboto" panose="02000000000000000000" pitchFamily="2" charset="0"/>
+              </a:rPr>
+              <a:t>gràficament</a:t>
+            </a:r>
+          </a:p>
+        </p:txBody>
+      </p:sp>
     </p:spTree>
     <p:extLst>
       <p:ext uri="{BB962C8B-B14F-4D97-AF65-F5344CB8AC3E}">
@@ -4103,7 +5877,1615 @@
 </p:sld>
 </file>
 
-<file path=ppt/slides/slide15.xml><?xml version="1.0" encoding="utf-8"?>
+<file path=ppt/slides/slide17.xml><?xml version="1.0" encoding="utf-8"?>
+<p:sld xmlns:a="http://schemas.openxmlformats.org/drawingml/2006/main" xmlns:r="http://schemas.openxmlformats.org/officeDocument/2006/relationships" xmlns:p="http://schemas.openxmlformats.org/presentationml/2006/main">
+  <p:cSld>
+    <p:spTree>
+      <p:nvGrpSpPr>
+        <p:cNvPr id="1" name=""/>
+        <p:cNvGrpSpPr/>
+        <p:nvPr/>
+      </p:nvGrpSpPr>
+      <p:grpSpPr>
+        <a:xfrm>
+          <a:off x="0" y="0"/>
+          <a:ext cx="0" cy="0"/>
+          <a:chOff x="0" y="0"/>
+          <a:chExt cx="0" cy="0"/>
+        </a:xfrm>
+      </p:grpSpPr>
+      <p:sp>
+        <p:nvSpPr>
+          <p:cNvPr id="2" name="Rectángulo 1"/>
+          <p:cNvSpPr/>
+          <p:nvPr/>
+        </p:nvSpPr>
+        <p:spPr>
+          <a:xfrm>
+            <a:off x="241300" y="381000"/>
+            <a:ext cx="11049000" cy="6186309"/>
+          </a:xfrm>
+          <a:prstGeom prst="rect">
+            <a:avLst/>
+          </a:prstGeom>
+        </p:spPr>
+        <p:txBody>
+          <a:bodyPr wrap="square">
+            <a:spAutoFit/>
+          </a:bodyPr>
+          <a:lstStyle/>
+          <a:p>
+            <a:r>
+              <a:rPr lang="ca-ES" dirty="0"/>
+              <a:t>Clarament, veiem que és una regressió logística, que el seu valor de correlació és baix. En aquest cas és de 0,3, i per això explica molt poc amb una sola variable.</a:t>
+            </a:r>
+          </a:p>
+          <a:p>
+            <a:r>
+              <a:rPr lang="ca-ES" dirty="0"/>
+              <a:t>Per afirmar bé el model pel retard del 3r salt, hem de fer servir 2 variables (E_Duracion_Vuelo2, E_Despegue3) i arribaré a afirmar en un 0.72 què succeirà.</a:t>
+            </a:r>
+          </a:p>
+          <a:p>
+            <a:r>
+              <a:rPr lang="ca-ES" dirty="0"/>
+              <a:t>S'arriba a una conclusió lògica, si l'avió surt tard i volant triga més del planificat, arribarà tard. Però és molt important veure que el que ha passat en els 2 salts anteriors no afecta pràcticament res al salt 3r.</a:t>
+            </a:r>
+          </a:p>
+          <a:p>
+            <a:r>
+              <a:rPr lang="ca-ES" dirty="0"/>
+              <a:t>Independentment de si al </a:t>
+            </a:r>
+            <a:r>
+              <a:rPr lang="ca-ES" dirty="0" err="1"/>
+              <a:t>surtit</a:t>
+            </a:r>
+            <a:r>
+              <a:rPr lang="ca-ES" dirty="0"/>
+              <a:t> o volant, no han tingut una demora superior a 30 minuts que és el que considerem un vol "normal", en els 2 salts anteriors no afecta pràcticament res al salt 3r.</a:t>
+            </a:r>
+          </a:p>
+          <a:p>
+            <a:r>
+              <a:rPr lang="ca-ES" dirty="0"/>
+              <a:t>.</a:t>
+            </a:r>
+          </a:p>
+          <a:p>
+            <a:r>
+              <a:rPr lang="ca-ES" dirty="0"/>
+              <a:t>Important veure la correlació entre E_Duracion_Vuelo2, E_Despegue3 i com els vols que arriben tard estan en un extrem.</a:t>
+            </a:r>
+          </a:p>
+          <a:p>
+            <a:endParaRPr lang="ca-ES" dirty="0">
+              <a:latin typeface="-apple-system"/>
+            </a:endParaRPr>
+          </a:p>
+          <a:p>
+            <a:r>
+              <a:rPr lang="ca-ES" b="0" i="0" dirty="0">
+                <a:effectLst/>
+                <a:latin typeface="-apple-system"/>
+              </a:rPr>
+              <a:t>Aquesta asseveració és el punt crític del projecte.</a:t>
+            </a:r>
+          </a:p>
+          <a:p>
+            <a:r>
+              <a:rPr lang="ca-ES" b="0" i="0" dirty="0">
+                <a:effectLst/>
+                <a:latin typeface="-apple-system"/>
+              </a:rPr>
+              <a:t>Hem demostrat que els salts són independents entre si. Un retard en un avió és degut a moltes causes, que són variables independents que afecten i que moltes són alienes a la mateixa companyia (exògenes)... </a:t>
+            </a:r>
+          </a:p>
+          <a:p>
+            <a:endParaRPr lang="ca-ES" dirty="0">
+              <a:latin typeface="-apple-system"/>
+            </a:endParaRPr>
+          </a:p>
+          <a:p>
+            <a:r>
+              <a:rPr lang="ca-ES" b="0" i="0" dirty="0">
+                <a:effectLst/>
+                <a:latin typeface="-apple-system"/>
+              </a:rPr>
+              <a:t>Però el primer salt és el que menys impacta té els factors </a:t>
+            </a:r>
+            <a:r>
+              <a:rPr lang="ca-ES" b="0" i="0" dirty="0" err="1">
+                <a:effectLst/>
+                <a:latin typeface="-apple-system"/>
+              </a:rPr>
+              <a:t>exógens</a:t>
+            </a:r>
+            <a:r>
+              <a:rPr lang="ca-ES" b="0" i="0" dirty="0">
+                <a:effectLst/>
+                <a:latin typeface="-apple-system"/>
+              </a:rPr>
+              <a:t> i que pot controlar les variables, perquè per exemple no hi ha retards amb altres interconnexions, o passatgers que han de buscar la maleta, canvis de porta que desorienten als passatgers, etc.</a:t>
+            </a:r>
+          </a:p>
+          <a:p>
+            <a:endParaRPr lang="ca-ES" b="0" i="0" dirty="0">
+              <a:effectLst/>
+              <a:latin typeface="-apple-system"/>
+            </a:endParaRPr>
+          </a:p>
+          <a:p>
+            <a:r>
+              <a:rPr lang="ca-ES" b="0" i="0" dirty="0">
+                <a:effectLst/>
+                <a:latin typeface="-apple-system"/>
+              </a:rPr>
+              <a:t>Llavors el que hem d'analitzar és el valor del primer salt, enlairament 1r i analitzar les causes de per què el 99% dels vols no surten a la seva hora. I sortir a l'hora és sortir a &lt;0 minuts, no a &lt;10 minuts.</a:t>
+            </a:r>
+          </a:p>
+        </p:txBody>
+      </p:sp>
+    </p:spTree>
+    <p:extLst>
+      <p:ext uri="{BB962C8B-B14F-4D97-AF65-F5344CB8AC3E}">
+        <p14:creationId xmlns:p14="http://schemas.microsoft.com/office/powerpoint/2010/main" val="756348545"/>
+      </p:ext>
+    </p:extLst>
+  </p:cSld>
+  <p:clrMapOvr>
+    <a:masterClrMapping/>
+  </p:clrMapOvr>
+</p:sld>
+</file>
+
+<file path=ppt/slides/slide18.xml><?xml version="1.0" encoding="utf-8"?>
+<p:sld xmlns:a="http://schemas.openxmlformats.org/drawingml/2006/main" xmlns:r="http://schemas.openxmlformats.org/officeDocument/2006/relationships" xmlns:p="http://schemas.openxmlformats.org/presentationml/2006/main">
+  <p:cSld>
+    <p:spTree>
+      <p:nvGrpSpPr>
+        <p:cNvPr id="1" name=""/>
+        <p:cNvGrpSpPr/>
+        <p:nvPr/>
+      </p:nvGrpSpPr>
+      <p:grpSpPr>
+        <a:xfrm>
+          <a:off x="0" y="0"/>
+          <a:ext cx="0" cy="0"/>
+          <a:chOff x="0" y="0"/>
+          <a:chExt cx="0" cy="0"/>
+        </a:xfrm>
+      </p:grpSpPr>
+      <p:pic>
+        <p:nvPicPr>
+          <p:cNvPr id="3" name="Imagen 2">
+            <a:extLst>
+              <a:ext uri="{FF2B5EF4-FFF2-40B4-BE49-F238E27FC236}">
+                <a16:creationId xmlns:a16="http://schemas.microsoft.com/office/drawing/2014/main" id="{0169CBF4-07D1-4F7B-21F0-099BDFFED4C8}"/>
+              </a:ext>
+            </a:extLst>
+          </p:cNvPr>
+          <p:cNvPicPr>
+            <a:picLocks noChangeAspect="1"/>
+          </p:cNvPicPr>
+          <p:nvPr/>
+        </p:nvPicPr>
+        <p:blipFill>
+          <a:blip r:embed="rId2"/>
+          <a:stretch>
+            <a:fillRect/>
+          </a:stretch>
+        </p:blipFill>
+        <p:spPr>
+          <a:xfrm>
+            <a:off x="483563" y="924339"/>
+            <a:ext cx="7944959" cy="4810796"/>
+          </a:xfrm>
+          <a:prstGeom prst="rect">
+            <a:avLst/>
+          </a:prstGeom>
+        </p:spPr>
+      </p:pic>
+      <p:pic>
+        <p:nvPicPr>
+          <p:cNvPr id="5" name="Imagen 4">
+            <a:extLst>
+              <a:ext uri="{FF2B5EF4-FFF2-40B4-BE49-F238E27FC236}">
+                <a16:creationId xmlns:a16="http://schemas.microsoft.com/office/drawing/2014/main" id="{7E4B298C-3448-023C-2DE4-731023D3339D}"/>
+              </a:ext>
+            </a:extLst>
+          </p:cNvPr>
+          <p:cNvPicPr>
+            <a:picLocks noChangeAspect="1"/>
+          </p:cNvPicPr>
+          <p:nvPr/>
+        </p:nvPicPr>
+        <p:blipFill>
+          <a:blip r:embed="rId3"/>
+          <a:stretch>
+            <a:fillRect/>
+          </a:stretch>
+        </p:blipFill>
+        <p:spPr>
+          <a:xfrm>
+            <a:off x="5627646" y="655853"/>
+            <a:ext cx="5601751" cy="685929"/>
+          </a:xfrm>
+          <a:prstGeom prst="rect">
+            <a:avLst/>
+          </a:prstGeom>
+        </p:spPr>
+      </p:pic>
+      <p:pic>
+        <p:nvPicPr>
+          <p:cNvPr id="7" name="Imagen 6">
+            <a:extLst>
+              <a:ext uri="{FF2B5EF4-FFF2-40B4-BE49-F238E27FC236}">
+                <a16:creationId xmlns:a16="http://schemas.microsoft.com/office/drawing/2014/main" id="{7D4246CC-563D-B774-6B71-17A51D1FBF34}"/>
+              </a:ext>
+            </a:extLst>
+          </p:cNvPr>
+          <p:cNvPicPr>
+            <a:picLocks noChangeAspect="1"/>
+          </p:cNvPicPr>
+          <p:nvPr/>
+        </p:nvPicPr>
+        <p:blipFill>
+          <a:blip r:embed="rId4"/>
+          <a:stretch>
+            <a:fillRect/>
+          </a:stretch>
+        </p:blipFill>
+        <p:spPr>
+          <a:xfrm>
+            <a:off x="5748330" y="1759226"/>
+            <a:ext cx="2480001" cy="941773"/>
+          </a:xfrm>
+          <a:prstGeom prst="rect">
+            <a:avLst/>
+          </a:prstGeom>
+        </p:spPr>
+      </p:pic>
+      <p:sp>
+        <p:nvSpPr>
+          <p:cNvPr id="8" name="Rectángulo 7">
+            <a:extLst>
+              <a:ext uri="{FF2B5EF4-FFF2-40B4-BE49-F238E27FC236}">
+                <a16:creationId xmlns:a16="http://schemas.microsoft.com/office/drawing/2014/main" id="{58A30C9F-5DB8-6B07-979F-3A4F1BEE88A3}"/>
+              </a:ext>
+            </a:extLst>
+          </p:cNvPr>
+          <p:cNvSpPr/>
+          <p:nvPr/>
+        </p:nvSpPr>
+        <p:spPr>
+          <a:xfrm>
+            <a:off x="3921366" y="58548"/>
+            <a:ext cx="2690160" cy="461665"/>
+          </a:xfrm>
+          <a:prstGeom prst="rect">
+            <a:avLst/>
+          </a:prstGeom>
+          <a:noFill/>
+        </p:spPr>
+        <p:txBody>
+          <a:bodyPr wrap="none" rtlCol="0">
+            <a:spAutoFit/>
+          </a:bodyPr>
+          <a:lstStyle/>
+          <a:p>
+            <a:r>
+              <a:rPr lang="ca-ES" sz="2400" dirty="0">
+                <a:latin typeface="Roboto" panose="02000000000000000000" pitchFamily="2" charset="0"/>
+                <a:ea typeface="Roboto" panose="02000000000000000000" pitchFamily="2" charset="0"/>
+              </a:rPr>
+              <a:t>Puntualitat 3r salt.</a:t>
+            </a:r>
+          </a:p>
+        </p:txBody>
+      </p:sp>
+      <p:sp>
+        <p:nvSpPr>
+          <p:cNvPr id="9" name="CuadroTexto 8">
+            <a:extLst>
+              <a:ext uri="{FF2B5EF4-FFF2-40B4-BE49-F238E27FC236}">
+                <a16:creationId xmlns:a16="http://schemas.microsoft.com/office/drawing/2014/main" id="{4D70C6F7-E878-D6F3-DB5E-26A1DDCAC026}"/>
+              </a:ext>
+            </a:extLst>
+          </p:cNvPr>
+          <p:cNvSpPr txBox="1"/>
+          <p:nvPr/>
+        </p:nvSpPr>
+        <p:spPr>
+          <a:xfrm>
+            <a:off x="8557592" y="3429000"/>
+            <a:ext cx="2357697" cy="369332"/>
+          </a:xfrm>
+          <a:prstGeom prst="rect">
+            <a:avLst/>
+          </a:prstGeom>
+          <a:noFill/>
+        </p:spPr>
+        <p:txBody>
+          <a:bodyPr wrap="none" rtlCol="0">
+            <a:spAutoFit/>
+          </a:bodyPr>
+          <a:lstStyle/>
+          <a:p>
+            <a:r>
+              <a:rPr lang="es-ES" dirty="0"/>
+              <a:t>¿Qué es la </a:t>
+            </a:r>
+            <a:r>
+              <a:rPr lang="es-ES" dirty="0" err="1"/>
+              <a:t>puntualitat</a:t>
+            </a:r>
+            <a:r>
+              <a:rPr lang="es-ES" dirty="0"/>
+              <a:t>?</a:t>
+            </a:r>
+          </a:p>
+        </p:txBody>
+      </p:sp>
+      <p:sp>
+        <p:nvSpPr>
+          <p:cNvPr id="11" name="CuadroTexto 10">
+            <a:extLst>
+              <a:ext uri="{FF2B5EF4-FFF2-40B4-BE49-F238E27FC236}">
+                <a16:creationId xmlns:a16="http://schemas.microsoft.com/office/drawing/2014/main" id="{C357754F-7F18-2D84-E981-3BBFDF338E13}"/>
+              </a:ext>
+            </a:extLst>
+          </p:cNvPr>
+          <p:cNvSpPr txBox="1"/>
+          <p:nvPr/>
+        </p:nvSpPr>
+        <p:spPr>
+          <a:xfrm>
+            <a:off x="0" y="0"/>
+            <a:ext cx="6097656" cy="369332"/>
+          </a:xfrm>
+          <a:prstGeom prst="rect">
+            <a:avLst/>
+          </a:prstGeom>
+          <a:noFill/>
+        </p:spPr>
+        <p:txBody>
+          <a:bodyPr wrap="square">
+            <a:spAutoFit/>
+          </a:bodyPr>
+          <a:lstStyle/>
+          <a:p>
+            <a:r>
+              <a:rPr lang="es-ES" b="1" i="0" dirty="0" err="1">
+                <a:solidFill>
+                  <a:srgbClr val="222222"/>
+                </a:solidFill>
+                <a:effectLst/>
+                <a:latin typeface="Google Sans"/>
+              </a:rPr>
+              <a:t>Conclusió</a:t>
+            </a:r>
+            <a:r>
+              <a:rPr lang="es-ES" b="0" i="0" dirty="0">
+                <a:solidFill>
+                  <a:srgbClr val="222222"/>
+                </a:solidFill>
+                <a:effectLst/>
+                <a:latin typeface="Google Sans"/>
+              </a:rPr>
+              <a:t>: </a:t>
+            </a:r>
+            <a:endParaRPr lang="es-ES" dirty="0"/>
+          </a:p>
+        </p:txBody>
+      </p:sp>
+    </p:spTree>
+    <p:extLst>
+      <p:ext uri="{BB962C8B-B14F-4D97-AF65-F5344CB8AC3E}">
+        <p14:creationId xmlns:p14="http://schemas.microsoft.com/office/powerpoint/2010/main" val="955275345"/>
+      </p:ext>
+    </p:extLst>
+  </p:cSld>
+  <p:clrMapOvr>
+    <a:masterClrMapping/>
+  </p:clrMapOvr>
+</p:sld>
+</file>
+
+<file path=ppt/slides/slide19.xml><?xml version="1.0" encoding="utf-8"?>
+<p:sld xmlns:a="http://schemas.openxmlformats.org/drawingml/2006/main" xmlns:r="http://schemas.openxmlformats.org/officeDocument/2006/relationships" xmlns:p="http://schemas.openxmlformats.org/presentationml/2006/main">
+  <p:cSld>
+    <p:spTree>
+      <p:nvGrpSpPr>
+        <p:cNvPr id="1" name=""/>
+        <p:cNvGrpSpPr/>
+        <p:nvPr/>
+      </p:nvGrpSpPr>
+      <p:grpSpPr>
+        <a:xfrm>
+          <a:off x="0" y="0"/>
+          <a:ext cx="0" cy="0"/>
+          <a:chOff x="0" y="0"/>
+          <a:chExt cx="0" cy="0"/>
+        </a:xfrm>
+      </p:grpSpPr>
+      <p:pic>
+        <p:nvPicPr>
+          <p:cNvPr id="3" name="Imagen 2">
+            <a:extLst>
+              <a:ext uri="{FF2B5EF4-FFF2-40B4-BE49-F238E27FC236}">
+                <a16:creationId xmlns:a16="http://schemas.microsoft.com/office/drawing/2014/main" id="{DA0191B4-D963-171A-D325-D35B4C44EF5A}"/>
+              </a:ext>
+            </a:extLst>
+          </p:cNvPr>
+          <p:cNvPicPr>
+            <a:picLocks noChangeAspect="1"/>
+          </p:cNvPicPr>
+          <p:nvPr/>
+        </p:nvPicPr>
+        <p:blipFill>
+          <a:blip r:embed="rId2"/>
+          <a:stretch>
+            <a:fillRect/>
+          </a:stretch>
+        </p:blipFill>
+        <p:spPr>
+          <a:xfrm>
+            <a:off x="3233907" y="1025504"/>
+            <a:ext cx="7281693" cy="5463164"/>
+          </a:xfrm>
+          <a:prstGeom prst="rect">
+            <a:avLst/>
+          </a:prstGeom>
+        </p:spPr>
+      </p:pic>
+      <p:sp>
+        <p:nvSpPr>
+          <p:cNvPr id="6" name="Título 5">
+            <a:extLst>
+              <a:ext uri="{FF2B5EF4-FFF2-40B4-BE49-F238E27FC236}">
+                <a16:creationId xmlns:a16="http://schemas.microsoft.com/office/drawing/2014/main" id="{48A78D00-E66A-C122-E3F9-0FFE405D7D1B}"/>
+              </a:ext>
+            </a:extLst>
+          </p:cNvPr>
+          <p:cNvSpPr>
+            <a:spLocks noGrp="1"/>
+          </p:cNvSpPr>
+          <p:nvPr>
+            <p:ph type="title"/>
+          </p:nvPr>
+        </p:nvSpPr>
+        <p:spPr>
+          <a:xfrm>
+            <a:off x="3233907" y="34637"/>
+            <a:ext cx="10515600" cy="1325563"/>
+          </a:xfrm>
+        </p:spPr>
+        <p:txBody>
+          <a:bodyPr/>
+          <a:lstStyle/>
+          <a:p>
+            <a:r>
+              <a:rPr lang="ca-ES" dirty="0"/>
+              <a:t>Precisió sortida primer vol 2022</a:t>
+            </a:r>
+          </a:p>
+        </p:txBody>
+      </p:sp>
+      <p:sp>
+        <p:nvSpPr>
+          <p:cNvPr id="10" name="CuadroTexto 9">
+            <a:extLst>
+              <a:ext uri="{FF2B5EF4-FFF2-40B4-BE49-F238E27FC236}">
+                <a16:creationId xmlns:a16="http://schemas.microsoft.com/office/drawing/2014/main" id="{5AE73C8F-0BC8-BBA7-E16F-5231F1DD4BAE}"/>
+              </a:ext>
+            </a:extLst>
+          </p:cNvPr>
+          <p:cNvSpPr txBox="1"/>
+          <p:nvPr/>
+        </p:nvSpPr>
+        <p:spPr>
+          <a:xfrm>
+            <a:off x="0" y="6488668"/>
+            <a:ext cx="2853473" cy="369332"/>
+          </a:xfrm>
+          <a:prstGeom prst="rect">
+            <a:avLst/>
+          </a:prstGeom>
+          <a:noFill/>
+        </p:spPr>
+        <p:txBody>
+          <a:bodyPr wrap="none" rtlCol="0">
+            <a:spAutoFit/>
+          </a:bodyPr>
+          <a:lstStyle/>
+          <a:p>
+            <a:r>
+              <a:rPr lang="en-GB" i="1" dirty="0">
+                <a:solidFill>
+                  <a:schemeClr val="accent1">
+                    <a:lumMod val="50000"/>
+                  </a:schemeClr>
+                </a:solidFill>
+              </a:rPr>
+              <a:t>Removed times &gt;30 minutes</a:t>
+            </a:r>
+          </a:p>
+        </p:txBody>
+      </p:sp>
+      <p:sp>
+        <p:nvSpPr>
+          <p:cNvPr id="11" name="Flecha: hacia la izquierda 10">
+            <a:extLst>
+              <a:ext uri="{FF2B5EF4-FFF2-40B4-BE49-F238E27FC236}">
+                <a16:creationId xmlns:a16="http://schemas.microsoft.com/office/drawing/2014/main" id="{B93C8BB6-9B35-0ED5-85D9-F03172040A37}"/>
+              </a:ext>
+            </a:extLst>
+          </p:cNvPr>
+          <p:cNvSpPr/>
+          <p:nvPr/>
+        </p:nvSpPr>
+        <p:spPr>
+          <a:xfrm>
+            <a:off x="5503588" y="2212356"/>
+            <a:ext cx="807868" cy="274838"/>
+          </a:xfrm>
+          <a:prstGeom prst="leftArrow">
+            <a:avLst/>
+          </a:prstGeom>
+          <a:noFill/>
+          <a:ln w="31750">
+            <a:solidFill>
+              <a:srgbClr val="C00000"/>
+            </a:solidFill>
+          </a:ln>
+        </p:spPr>
+        <p:style>
+          <a:lnRef idx="2">
+            <a:schemeClr val="accent1">
+              <a:shade val="50000"/>
+            </a:schemeClr>
+          </a:lnRef>
+          <a:fillRef idx="1">
+            <a:schemeClr val="accent1"/>
+          </a:fillRef>
+          <a:effectRef idx="0">
+            <a:schemeClr val="accent1"/>
+          </a:effectRef>
+          <a:fontRef idx="minor">
+            <a:schemeClr val="lt1"/>
+          </a:fontRef>
+        </p:style>
+        <p:txBody>
+          <a:bodyPr rtlCol="0" anchor="ctr"/>
+          <a:lstStyle/>
+          <a:p>
+            <a:pPr algn="ctr"/>
+            <a:endParaRPr lang="en-GB"/>
+          </a:p>
+        </p:txBody>
+      </p:sp>
+      <p:sp>
+        <p:nvSpPr>
+          <p:cNvPr id="12" name="CuadroTexto 11">
+            <a:extLst>
+              <a:ext uri="{FF2B5EF4-FFF2-40B4-BE49-F238E27FC236}">
+                <a16:creationId xmlns:a16="http://schemas.microsoft.com/office/drawing/2014/main" id="{3F337E9E-BA24-CE87-861E-5EF7791B533B}"/>
+              </a:ext>
+            </a:extLst>
+          </p:cNvPr>
+          <p:cNvSpPr txBox="1"/>
+          <p:nvPr/>
+        </p:nvSpPr>
+        <p:spPr>
+          <a:xfrm>
+            <a:off x="5727642" y="2521637"/>
+            <a:ext cx="583814" cy="369332"/>
+          </a:xfrm>
+          <a:prstGeom prst="rect">
+            <a:avLst/>
+          </a:prstGeom>
+          <a:noFill/>
+        </p:spPr>
+        <p:txBody>
+          <a:bodyPr wrap="none" rtlCol="0">
+            <a:spAutoFit/>
+          </a:bodyPr>
+          <a:lstStyle/>
+          <a:p>
+            <a:r>
+              <a:rPr lang="en-GB" dirty="0"/>
+              <a:t>69%</a:t>
+            </a:r>
+          </a:p>
+        </p:txBody>
+      </p:sp>
+      <p:sp>
+        <p:nvSpPr>
+          <p:cNvPr id="4" name="CuadroTexto 3">
+            <a:extLst>
+              <a:ext uri="{FF2B5EF4-FFF2-40B4-BE49-F238E27FC236}">
+                <a16:creationId xmlns:a16="http://schemas.microsoft.com/office/drawing/2014/main" id="{6318945C-23B6-3C71-AAB7-7CF6B0AE911A}"/>
+              </a:ext>
+            </a:extLst>
+          </p:cNvPr>
+          <p:cNvSpPr txBox="1"/>
+          <p:nvPr/>
+        </p:nvSpPr>
+        <p:spPr>
+          <a:xfrm>
+            <a:off x="0" y="0"/>
+            <a:ext cx="6097656" cy="369332"/>
+          </a:xfrm>
+          <a:prstGeom prst="rect">
+            <a:avLst/>
+          </a:prstGeom>
+          <a:noFill/>
+        </p:spPr>
+        <p:txBody>
+          <a:bodyPr wrap="square">
+            <a:spAutoFit/>
+          </a:bodyPr>
+          <a:lstStyle/>
+          <a:p>
+            <a:r>
+              <a:rPr lang="es-ES" b="1" i="0" dirty="0" err="1">
+                <a:solidFill>
+                  <a:srgbClr val="222222"/>
+                </a:solidFill>
+                <a:effectLst/>
+                <a:latin typeface="Google Sans"/>
+              </a:rPr>
+              <a:t>Conclusió</a:t>
+            </a:r>
+            <a:r>
+              <a:rPr lang="es-ES" b="0" i="0" dirty="0">
+                <a:solidFill>
+                  <a:srgbClr val="222222"/>
+                </a:solidFill>
+                <a:effectLst/>
+                <a:latin typeface="Google Sans"/>
+              </a:rPr>
+              <a:t>: </a:t>
+            </a:r>
+            <a:endParaRPr lang="es-ES" dirty="0"/>
+          </a:p>
+        </p:txBody>
+      </p:sp>
+    </p:spTree>
+    <p:extLst>
+      <p:ext uri="{BB962C8B-B14F-4D97-AF65-F5344CB8AC3E}">
+        <p14:creationId xmlns:p14="http://schemas.microsoft.com/office/powerpoint/2010/main" val="3207275302"/>
+      </p:ext>
+    </p:extLst>
+  </p:cSld>
+  <p:clrMapOvr>
+    <a:masterClrMapping/>
+  </p:clrMapOvr>
+</p:sld>
+</file>
+
+<file path=ppt/slides/slide2.xml><?xml version="1.0" encoding="utf-8"?>
+<p:sld xmlns:a="http://schemas.openxmlformats.org/drawingml/2006/main" xmlns:r="http://schemas.openxmlformats.org/officeDocument/2006/relationships" xmlns:p="http://schemas.openxmlformats.org/presentationml/2006/main">
+  <p:cSld>
+    <p:spTree>
+      <p:nvGrpSpPr>
+        <p:cNvPr id="1" name=""/>
+        <p:cNvGrpSpPr/>
+        <p:nvPr/>
+      </p:nvGrpSpPr>
+      <p:grpSpPr>
+        <a:xfrm>
+          <a:off x="0" y="0"/>
+          <a:ext cx="0" cy="0"/>
+          <a:chOff x="0" y="0"/>
+          <a:chExt cx="0" cy="0"/>
+        </a:xfrm>
+      </p:grpSpPr>
+      <p:pic>
+        <p:nvPicPr>
+          <p:cNvPr id="3" name="Imagen 2"/>
+          <p:cNvPicPr>
+            <a:picLocks noChangeAspect="1"/>
+          </p:cNvPicPr>
+          <p:nvPr/>
+        </p:nvPicPr>
+        <p:blipFill>
+          <a:blip r:embed="rId2"/>
+          <a:stretch>
+            <a:fillRect/>
+          </a:stretch>
+        </p:blipFill>
+        <p:spPr>
+          <a:xfrm>
+            <a:off x="494343" y="994229"/>
+            <a:ext cx="4884842" cy="5732332"/>
+          </a:xfrm>
+          <a:prstGeom prst="rect">
+            <a:avLst/>
+          </a:prstGeom>
+        </p:spPr>
+      </p:pic>
+      <p:pic>
+        <p:nvPicPr>
+          <p:cNvPr id="4" name="Imagen 3"/>
+          <p:cNvPicPr>
+            <a:picLocks noChangeAspect="1"/>
+          </p:cNvPicPr>
+          <p:nvPr/>
+        </p:nvPicPr>
+        <p:blipFill>
+          <a:blip r:embed="rId3"/>
+          <a:stretch>
+            <a:fillRect/>
+          </a:stretch>
+        </p:blipFill>
+        <p:spPr>
+          <a:xfrm>
+            <a:off x="5254005" y="994229"/>
+            <a:ext cx="5210962" cy="5910942"/>
+          </a:xfrm>
+          <a:prstGeom prst="rect">
+            <a:avLst/>
+          </a:prstGeom>
+        </p:spPr>
+      </p:pic>
+      <p:pic>
+        <p:nvPicPr>
+          <p:cNvPr id="5" name="Imagen 4"/>
+          <p:cNvPicPr>
+            <a:picLocks noChangeAspect="1"/>
+          </p:cNvPicPr>
+          <p:nvPr/>
+        </p:nvPicPr>
+        <p:blipFill>
+          <a:blip r:embed="rId4"/>
+          <a:stretch>
+            <a:fillRect/>
+          </a:stretch>
+        </p:blipFill>
+        <p:spPr>
+          <a:xfrm>
+            <a:off x="7859485" y="994229"/>
+            <a:ext cx="4454913" cy="3967842"/>
+          </a:xfrm>
+          <a:prstGeom prst="rect">
+            <a:avLst/>
+          </a:prstGeom>
+        </p:spPr>
+      </p:pic>
+      <p:sp>
+        <p:nvSpPr>
+          <p:cNvPr id="6" name="Rectángulo redondeado 5"/>
+          <p:cNvSpPr/>
+          <p:nvPr/>
+        </p:nvSpPr>
+        <p:spPr>
+          <a:xfrm>
+            <a:off x="8098971" y="4423229"/>
+            <a:ext cx="636815" cy="538842"/>
+          </a:xfrm>
+          <a:prstGeom prst="roundRect">
+            <a:avLst/>
+          </a:prstGeom>
+          <a:noFill/>
+          <a:ln w="31750">
+            <a:solidFill>
+              <a:srgbClr val="FF0000"/>
+            </a:solidFill>
+          </a:ln>
+        </p:spPr>
+        <p:style>
+          <a:lnRef idx="2">
+            <a:schemeClr val="accent1">
+              <a:shade val="50000"/>
+            </a:schemeClr>
+          </a:lnRef>
+          <a:fillRef idx="1">
+            <a:schemeClr val="accent1"/>
+          </a:fillRef>
+          <a:effectRef idx="0">
+            <a:schemeClr val="accent1"/>
+          </a:effectRef>
+          <a:fontRef idx="minor">
+            <a:schemeClr val="lt1"/>
+          </a:fontRef>
+        </p:style>
+        <p:txBody>
+          <a:bodyPr rot="0" spcFirstLastPara="0" vertOverflow="overflow" horzOverflow="overflow" vert="horz" wrap="square" lIns="91440" tIns="45720" rIns="91440" bIns="45720" numCol="1" spcCol="0" rtlCol="0" fromWordArt="0" anchor="ctr" anchorCtr="0" forceAA="0" compatLnSpc="1">
+            <a:prstTxWarp prst="textNoShape">
+              <a:avLst/>
+            </a:prstTxWarp>
+            <a:noAutofit/>
+          </a:bodyPr>
+          <a:lstStyle/>
+          <a:p>
+            <a:pPr algn="ctr"/>
+            <a:endParaRPr lang="es-ES"/>
+          </a:p>
+        </p:txBody>
+      </p:sp>
+      <p:sp>
+        <p:nvSpPr>
+          <p:cNvPr id="7" name="CuadroTexto 6"/>
+          <p:cNvSpPr txBox="1"/>
+          <p:nvPr/>
+        </p:nvSpPr>
+        <p:spPr>
+          <a:xfrm>
+            <a:off x="168223" y="446287"/>
+            <a:ext cx="4363502" cy="369332"/>
+          </a:xfrm>
+          <a:prstGeom prst="rect">
+            <a:avLst/>
+          </a:prstGeom>
+          <a:noFill/>
+        </p:spPr>
+        <p:txBody>
+          <a:bodyPr wrap="none" rtlCol="0">
+            <a:spAutoFit/>
+          </a:bodyPr>
+          <a:lstStyle/>
+          <a:p>
+            <a:r>
+              <a:rPr lang="ca-ES" dirty="0"/>
+              <a:t>Es considera tard si arriba &gt;10 minuts de STA</a:t>
+            </a:r>
+          </a:p>
+        </p:txBody>
+      </p:sp>
+      <p:sp>
+        <p:nvSpPr>
+          <p:cNvPr id="8" name="Rectángulo redondeado 7"/>
+          <p:cNvSpPr/>
+          <p:nvPr/>
+        </p:nvSpPr>
+        <p:spPr>
+          <a:xfrm>
+            <a:off x="5562600" y="4330700"/>
+            <a:ext cx="1117600" cy="1181100"/>
+          </a:xfrm>
+          <a:prstGeom prst="roundRect">
+            <a:avLst/>
+          </a:prstGeom>
+          <a:noFill/>
+          <a:ln w="31750">
+            <a:solidFill>
+              <a:srgbClr val="0070C0"/>
+            </a:solidFill>
+          </a:ln>
+        </p:spPr>
+        <p:style>
+          <a:lnRef idx="2">
+            <a:schemeClr val="accent1">
+              <a:shade val="50000"/>
+            </a:schemeClr>
+          </a:lnRef>
+          <a:fillRef idx="1">
+            <a:schemeClr val="accent1"/>
+          </a:fillRef>
+          <a:effectRef idx="0">
+            <a:schemeClr val="accent1"/>
+          </a:effectRef>
+          <a:fontRef idx="minor">
+            <a:schemeClr val="lt1"/>
+          </a:fontRef>
+        </p:style>
+        <p:txBody>
+          <a:bodyPr rot="0" spcFirstLastPara="0" vertOverflow="overflow" horzOverflow="overflow" vert="horz" wrap="square" lIns="91440" tIns="45720" rIns="91440" bIns="45720" numCol="1" spcCol="0" rtlCol="0" fromWordArt="0" anchor="ctr" anchorCtr="0" forceAA="0" compatLnSpc="1">
+            <a:prstTxWarp prst="textNoShape">
+              <a:avLst/>
+            </a:prstTxWarp>
+            <a:noAutofit/>
+          </a:bodyPr>
+          <a:lstStyle/>
+          <a:p>
+            <a:pPr algn="ctr"/>
+            <a:endParaRPr lang="ca-ES"/>
+          </a:p>
+        </p:txBody>
+      </p:sp>
+      <p:sp>
+        <p:nvSpPr>
+          <p:cNvPr id="30" name="CuadroTexto 29">
+            <a:extLst>
+              <a:ext uri="{FF2B5EF4-FFF2-40B4-BE49-F238E27FC236}">
+                <a16:creationId xmlns:a16="http://schemas.microsoft.com/office/drawing/2014/main" id="{34599A5F-F0D2-C38D-32CD-FE16EDEF20AC}"/>
+              </a:ext>
+            </a:extLst>
+          </p:cNvPr>
+          <p:cNvSpPr txBox="1"/>
+          <p:nvPr/>
+        </p:nvSpPr>
+        <p:spPr>
+          <a:xfrm>
+            <a:off x="0" y="0"/>
+            <a:ext cx="6157290" cy="369332"/>
+          </a:xfrm>
+          <a:prstGeom prst="rect">
+            <a:avLst/>
+          </a:prstGeom>
+          <a:noFill/>
+        </p:spPr>
+        <p:txBody>
+          <a:bodyPr wrap="square">
+            <a:spAutoFit/>
+          </a:bodyPr>
+          <a:lstStyle/>
+          <a:p>
+            <a:r>
+              <a:rPr lang="es-ES" b="1" i="0" dirty="0" err="1">
+                <a:solidFill>
+                  <a:srgbClr val="222222"/>
+                </a:solidFill>
+                <a:effectLst/>
+                <a:latin typeface="Google Sans"/>
+              </a:rPr>
+              <a:t>Introducció</a:t>
+            </a:r>
+            <a:r>
+              <a:rPr lang="es-ES" b="0" i="0" dirty="0">
+                <a:solidFill>
+                  <a:srgbClr val="222222"/>
+                </a:solidFill>
+                <a:effectLst/>
+                <a:latin typeface="Google Sans"/>
+              </a:rPr>
+              <a:t>:</a:t>
+            </a:r>
+            <a:endParaRPr lang="es-ES" dirty="0"/>
+          </a:p>
+        </p:txBody>
+      </p:sp>
+    </p:spTree>
+    <p:extLst>
+      <p:ext uri="{BB962C8B-B14F-4D97-AF65-F5344CB8AC3E}">
+        <p14:creationId xmlns:p14="http://schemas.microsoft.com/office/powerpoint/2010/main" val="4198866956"/>
+      </p:ext>
+    </p:extLst>
+  </p:cSld>
+  <p:clrMapOvr>
+    <a:masterClrMapping/>
+  </p:clrMapOvr>
+</p:sld>
+</file>
+
+<file path=ppt/slides/slide3.xml><?xml version="1.0" encoding="utf-8"?>
+<p:sld xmlns:a="http://schemas.openxmlformats.org/drawingml/2006/main" xmlns:r="http://schemas.openxmlformats.org/officeDocument/2006/relationships" xmlns:p="http://schemas.openxmlformats.org/presentationml/2006/main">
+  <p:cSld>
+    <p:spTree>
+      <p:nvGrpSpPr>
+        <p:cNvPr id="1" name=""/>
+        <p:cNvGrpSpPr/>
+        <p:nvPr/>
+      </p:nvGrpSpPr>
+      <p:grpSpPr>
+        <a:xfrm>
+          <a:off x="0" y="0"/>
+          <a:ext cx="0" cy="0"/>
+          <a:chOff x="0" y="0"/>
+          <a:chExt cx="0" cy="0"/>
+        </a:xfrm>
+      </p:grpSpPr>
+      <p:pic>
+        <p:nvPicPr>
+          <p:cNvPr id="4" name="Imagen 3"/>
+          <p:cNvPicPr>
+            <a:picLocks noChangeAspect="1"/>
+          </p:cNvPicPr>
+          <p:nvPr/>
+        </p:nvPicPr>
+        <p:blipFill rotWithShape="1">
+          <a:blip r:embed="rId2"/>
+          <a:srcRect r="13154"/>
+          <a:stretch/>
+        </p:blipFill>
+        <p:spPr>
+          <a:xfrm>
+            <a:off x="586028" y="1191978"/>
+            <a:ext cx="9570343" cy="3918858"/>
+          </a:xfrm>
+          <a:prstGeom prst="rect">
+            <a:avLst/>
+          </a:prstGeom>
+        </p:spPr>
+      </p:pic>
+      <p:sp>
+        <p:nvSpPr>
+          <p:cNvPr id="5" name="Rectángulo redondeado 4"/>
+          <p:cNvSpPr/>
+          <p:nvPr/>
+        </p:nvSpPr>
+        <p:spPr>
+          <a:xfrm>
+            <a:off x="881743" y="1387921"/>
+            <a:ext cx="685800" cy="1453243"/>
+          </a:xfrm>
+          <a:prstGeom prst="roundRect">
+            <a:avLst/>
+          </a:prstGeom>
+          <a:noFill/>
+          <a:ln w="31750">
+            <a:solidFill>
+              <a:srgbClr val="FF0000"/>
+            </a:solidFill>
+          </a:ln>
+        </p:spPr>
+        <p:style>
+          <a:lnRef idx="2">
+            <a:schemeClr val="accent1">
+              <a:shade val="50000"/>
+            </a:schemeClr>
+          </a:lnRef>
+          <a:fillRef idx="1">
+            <a:schemeClr val="accent1"/>
+          </a:fillRef>
+          <a:effectRef idx="0">
+            <a:schemeClr val="accent1"/>
+          </a:effectRef>
+          <a:fontRef idx="minor">
+            <a:schemeClr val="lt1"/>
+          </a:fontRef>
+        </p:style>
+        <p:txBody>
+          <a:bodyPr rot="0" spcFirstLastPara="0" vertOverflow="overflow" horzOverflow="overflow" vert="horz" wrap="square" lIns="91440" tIns="45720" rIns="91440" bIns="45720" numCol="1" spcCol="0" rtlCol="0" fromWordArt="0" anchor="ctr" anchorCtr="0" forceAA="0" compatLnSpc="1">
+            <a:prstTxWarp prst="textNoShape">
+              <a:avLst/>
+            </a:prstTxWarp>
+            <a:noAutofit/>
+          </a:bodyPr>
+          <a:lstStyle/>
+          <a:p>
+            <a:pPr algn="ctr"/>
+            <a:endParaRPr lang="es-ES"/>
+          </a:p>
+        </p:txBody>
+      </p:sp>
+      <p:sp>
+        <p:nvSpPr>
+          <p:cNvPr id="6" name="Rectángulo redondeado 5"/>
+          <p:cNvSpPr/>
+          <p:nvPr/>
+        </p:nvSpPr>
+        <p:spPr>
+          <a:xfrm>
+            <a:off x="1567543" y="1387921"/>
+            <a:ext cx="865414" cy="1453243"/>
+          </a:xfrm>
+          <a:prstGeom prst="roundRect">
+            <a:avLst/>
+          </a:prstGeom>
+          <a:noFill/>
+          <a:ln w="31750">
+            <a:solidFill>
+              <a:srgbClr val="FF0000"/>
+            </a:solidFill>
+          </a:ln>
+        </p:spPr>
+        <p:style>
+          <a:lnRef idx="2">
+            <a:schemeClr val="accent1">
+              <a:shade val="50000"/>
+            </a:schemeClr>
+          </a:lnRef>
+          <a:fillRef idx="1">
+            <a:schemeClr val="accent1"/>
+          </a:fillRef>
+          <a:effectRef idx="0">
+            <a:schemeClr val="accent1"/>
+          </a:effectRef>
+          <a:fontRef idx="minor">
+            <a:schemeClr val="lt1"/>
+          </a:fontRef>
+        </p:style>
+        <p:txBody>
+          <a:bodyPr rot="0" spcFirstLastPara="0" vertOverflow="overflow" horzOverflow="overflow" vert="horz" wrap="square" lIns="91440" tIns="45720" rIns="91440" bIns="45720" numCol="1" spcCol="0" rtlCol="0" fromWordArt="0" anchor="ctr" anchorCtr="0" forceAA="0" compatLnSpc="1">
+            <a:prstTxWarp prst="textNoShape">
+              <a:avLst/>
+            </a:prstTxWarp>
+            <a:noAutofit/>
+          </a:bodyPr>
+          <a:lstStyle/>
+          <a:p>
+            <a:pPr algn="ctr"/>
+            <a:endParaRPr lang="es-ES"/>
+          </a:p>
+        </p:txBody>
+      </p:sp>
+      <p:sp>
+        <p:nvSpPr>
+          <p:cNvPr id="7" name="Rectángulo redondeado 6"/>
+          <p:cNvSpPr/>
+          <p:nvPr/>
+        </p:nvSpPr>
+        <p:spPr>
+          <a:xfrm>
+            <a:off x="5127171" y="1387921"/>
+            <a:ext cx="653143" cy="3543300"/>
+          </a:xfrm>
+          <a:prstGeom prst="roundRect">
+            <a:avLst/>
+          </a:prstGeom>
+          <a:noFill/>
+          <a:ln w="31750">
+            <a:solidFill>
+              <a:srgbClr val="FF0000"/>
+            </a:solidFill>
+          </a:ln>
+        </p:spPr>
+        <p:style>
+          <a:lnRef idx="2">
+            <a:schemeClr val="accent1">
+              <a:shade val="50000"/>
+            </a:schemeClr>
+          </a:lnRef>
+          <a:fillRef idx="1">
+            <a:schemeClr val="accent1"/>
+          </a:fillRef>
+          <a:effectRef idx="0">
+            <a:schemeClr val="accent1"/>
+          </a:effectRef>
+          <a:fontRef idx="minor">
+            <a:schemeClr val="lt1"/>
+          </a:fontRef>
+        </p:style>
+        <p:txBody>
+          <a:bodyPr rot="0" spcFirstLastPara="0" vertOverflow="overflow" horzOverflow="overflow" vert="horz" wrap="square" lIns="91440" tIns="45720" rIns="91440" bIns="45720" numCol="1" spcCol="0" rtlCol="0" fromWordArt="0" anchor="ctr" anchorCtr="0" forceAA="0" compatLnSpc="1">
+            <a:prstTxWarp prst="textNoShape">
+              <a:avLst/>
+            </a:prstTxWarp>
+            <a:noAutofit/>
+          </a:bodyPr>
+          <a:lstStyle/>
+          <a:p>
+            <a:pPr algn="ctr"/>
+            <a:endParaRPr lang="es-ES"/>
+          </a:p>
+        </p:txBody>
+      </p:sp>
+      <p:sp>
+        <p:nvSpPr>
+          <p:cNvPr id="8" name="CuadroTexto 7"/>
+          <p:cNvSpPr txBox="1"/>
+          <p:nvPr/>
+        </p:nvSpPr>
+        <p:spPr>
+          <a:xfrm>
+            <a:off x="10452086" y="1224635"/>
+            <a:ext cx="1210588" cy="369332"/>
+          </a:xfrm>
+          <a:prstGeom prst="rect">
+            <a:avLst/>
+          </a:prstGeom>
+          <a:noFill/>
+        </p:spPr>
+        <p:txBody>
+          <a:bodyPr wrap="none" rtlCol="0">
+            <a:spAutoFit/>
+          </a:bodyPr>
+          <a:lstStyle/>
+          <a:p>
+            <a:r>
+              <a:rPr lang="es-ES" dirty="0" err="1"/>
+              <a:t>Seqüencia</a:t>
+            </a:r>
+            <a:r>
+              <a:rPr lang="es-ES" dirty="0"/>
+              <a:t>:</a:t>
+            </a:r>
+          </a:p>
+        </p:txBody>
+      </p:sp>
+      <p:sp>
+        <p:nvSpPr>
+          <p:cNvPr id="9" name="Rectángulo redondeado 8"/>
+          <p:cNvSpPr/>
+          <p:nvPr/>
+        </p:nvSpPr>
+        <p:spPr>
+          <a:xfrm>
+            <a:off x="10655293" y="1959420"/>
+            <a:ext cx="804174" cy="767443"/>
+          </a:xfrm>
+          <a:prstGeom prst="roundRect">
+            <a:avLst/>
+          </a:prstGeom>
+          <a:noFill/>
+          <a:ln w="31750">
+            <a:solidFill>
+              <a:srgbClr val="FF0000"/>
+            </a:solidFill>
+          </a:ln>
+        </p:spPr>
+        <p:style>
+          <a:lnRef idx="2">
+            <a:schemeClr val="accent1">
+              <a:shade val="50000"/>
+            </a:schemeClr>
+          </a:lnRef>
+          <a:fillRef idx="1">
+            <a:schemeClr val="accent1"/>
+          </a:fillRef>
+          <a:effectRef idx="0">
+            <a:schemeClr val="accent1"/>
+          </a:effectRef>
+          <a:fontRef idx="minor">
+            <a:schemeClr val="lt1"/>
+          </a:fontRef>
+        </p:style>
+        <p:txBody>
+          <a:bodyPr rot="0" spcFirstLastPara="0" vertOverflow="overflow" horzOverflow="overflow" vert="horz" wrap="square" lIns="91440" tIns="45720" rIns="91440" bIns="45720" numCol="1" spcCol="0" rtlCol="0" fromWordArt="0" anchor="ctr" anchorCtr="0" forceAA="0" compatLnSpc="1">
+            <a:prstTxWarp prst="textNoShape">
+              <a:avLst/>
+            </a:prstTxWarp>
+            <a:noAutofit/>
+          </a:bodyPr>
+          <a:lstStyle/>
+          <a:p>
+            <a:pPr algn="ctr"/>
+            <a:r>
+              <a:rPr lang="es-ES" sz="2400" dirty="0">
+                <a:solidFill>
+                  <a:srgbClr val="FF0000"/>
+                </a:solidFill>
+              </a:rPr>
+              <a:t>1</a:t>
+            </a:r>
+          </a:p>
+        </p:txBody>
+      </p:sp>
+      <p:sp>
+        <p:nvSpPr>
+          <p:cNvPr id="10" name="Rectángulo redondeado 9"/>
+          <p:cNvSpPr/>
+          <p:nvPr/>
+        </p:nvSpPr>
+        <p:spPr>
+          <a:xfrm>
+            <a:off x="10655293" y="3061599"/>
+            <a:ext cx="804174" cy="767443"/>
+          </a:xfrm>
+          <a:prstGeom prst="roundRect">
+            <a:avLst/>
+          </a:prstGeom>
+          <a:noFill/>
+          <a:ln w="31750">
+            <a:solidFill>
+              <a:srgbClr val="FF0000"/>
+            </a:solidFill>
+          </a:ln>
+        </p:spPr>
+        <p:style>
+          <a:lnRef idx="2">
+            <a:schemeClr val="accent1">
+              <a:shade val="50000"/>
+            </a:schemeClr>
+          </a:lnRef>
+          <a:fillRef idx="1">
+            <a:schemeClr val="accent1"/>
+          </a:fillRef>
+          <a:effectRef idx="0">
+            <a:schemeClr val="accent1"/>
+          </a:effectRef>
+          <a:fontRef idx="minor">
+            <a:schemeClr val="lt1"/>
+          </a:fontRef>
+        </p:style>
+        <p:txBody>
+          <a:bodyPr rot="0" spcFirstLastPara="0" vertOverflow="overflow" horzOverflow="overflow" vert="horz" wrap="square" lIns="91440" tIns="45720" rIns="91440" bIns="45720" numCol="1" spcCol="0" rtlCol="0" fromWordArt="0" anchor="ctr" anchorCtr="0" forceAA="0" compatLnSpc="1">
+            <a:prstTxWarp prst="textNoShape">
+              <a:avLst/>
+            </a:prstTxWarp>
+            <a:noAutofit/>
+          </a:bodyPr>
+          <a:lstStyle/>
+          <a:p>
+            <a:pPr algn="ctr"/>
+            <a:r>
+              <a:rPr lang="es-ES" sz="2400" dirty="0">
+                <a:solidFill>
+                  <a:srgbClr val="FF0000"/>
+                </a:solidFill>
+              </a:rPr>
+              <a:t>2</a:t>
+            </a:r>
+          </a:p>
+        </p:txBody>
+      </p:sp>
+      <p:sp>
+        <p:nvSpPr>
+          <p:cNvPr id="11" name="Rectángulo redondeado 10"/>
+          <p:cNvSpPr/>
+          <p:nvPr/>
+        </p:nvSpPr>
+        <p:spPr>
+          <a:xfrm>
+            <a:off x="10655293" y="4163778"/>
+            <a:ext cx="804174" cy="767443"/>
+          </a:xfrm>
+          <a:prstGeom prst="roundRect">
+            <a:avLst/>
+          </a:prstGeom>
+          <a:noFill/>
+          <a:ln w="31750">
+            <a:solidFill>
+              <a:srgbClr val="FF0000"/>
+            </a:solidFill>
+          </a:ln>
+        </p:spPr>
+        <p:style>
+          <a:lnRef idx="2">
+            <a:schemeClr val="accent1">
+              <a:shade val="50000"/>
+            </a:schemeClr>
+          </a:lnRef>
+          <a:fillRef idx="1">
+            <a:schemeClr val="accent1"/>
+          </a:fillRef>
+          <a:effectRef idx="0">
+            <a:schemeClr val="accent1"/>
+          </a:effectRef>
+          <a:fontRef idx="minor">
+            <a:schemeClr val="lt1"/>
+          </a:fontRef>
+        </p:style>
+        <p:txBody>
+          <a:bodyPr rot="0" spcFirstLastPara="0" vertOverflow="overflow" horzOverflow="overflow" vert="horz" wrap="square" lIns="91440" tIns="45720" rIns="91440" bIns="45720" numCol="1" spcCol="0" rtlCol="0" fromWordArt="0" anchor="ctr" anchorCtr="0" forceAA="0" compatLnSpc="1">
+            <a:prstTxWarp prst="textNoShape">
+              <a:avLst/>
+            </a:prstTxWarp>
+            <a:noAutofit/>
+          </a:bodyPr>
+          <a:lstStyle/>
+          <a:p>
+            <a:pPr algn="ctr"/>
+            <a:r>
+              <a:rPr lang="es-ES" sz="2400" dirty="0">
+                <a:solidFill>
+                  <a:srgbClr val="FF0000"/>
+                </a:solidFill>
+              </a:rPr>
+              <a:t>3</a:t>
+            </a:r>
+          </a:p>
+        </p:txBody>
+      </p:sp>
+      <p:sp>
+        <p:nvSpPr>
+          <p:cNvPr id="12" name="CuadroTexto 11"/>
+          <p:cNvSpPr txBox="1"/>
+          <p:nvPr/>
+        </p:nvSpPr>
+        <p:spPr>
+          <a:xfrm>
+            <a:off x="3939842" y="212264"/>
+            <a:ext cx="3680944" cy="369332"/>
+          </a:xfrm>
+          <a:prstGeom prst="rect">
+            <a:avLst/>
+          </a:prstGeom>
+          <a:noFill/>
+        </p:spPr>
+        <p:txBody>
+          <a:bodyPr wrap="none" rtlCol="0">
+            <a:spAutoFit/>
+          </a:bodyPr>
+          <a:lstStyle/>
+          <a:p>
+            <a:r>
+              <a:rPr lang="ca-ES" dirty="0"/>
+              <a:t>Identificar les seqüencies  dels avions</a:t>
+            </a:r>
+          </a:p>
+        </p:txBody>
+      </p:sp>
+      <p:pic>
+        <p:nvPicPr>
+          <p:cNvPr id="13" name="Imagen 12"/>
+          <p:cNvPicPr>
+            <a:picLocks noChangeAspect="1"/>
+          </p:cNvPicPr>
+          <p:nvPr/>
+        </p:nvPicPr>
+        <p:blipFill>
+          <a:blip r:embed="rId3"/>
+          <a:stretch>
+            <a:fillRect/>
+          </a:stretch>
+        </p:blipFill>
+        <p:spPr>
+          <a:xfrm>
+            <a:off x="5453742" y="4980213"/>
+            <a:ext cx="5496692" cy="2353003"/>
+          </a:xfrm>
+          <a:prstGeom prst="rect">
+            <a:avLst/>
+          </a:prstGeom>
+        </p:spPr>
+      </p:pic>
+      <p:sp>
+        <p:nvSpPr>
+          <p:cNvPr id="14" name="Rectángulo redondeado 13"/>
+          <p:cNvSpPr/>
+          <p:nvPr/>
+        </p:nvSpPr>
+        <p:spPr>
+          <a:xfrm>
+            <a:off x="6270171" y="5110836"/>
+            <a:ext cx="522515" cy="228607"/>
+          </a:xfrm>
+          <a:prstGeom prst="roundRect">
+            <a:avLst/>
+          </a:prstGeom>
+          <a:noFill/>
+          <a:ln w="31750">
+            <a:solidFill>
+              <a:srgbClr val="FF0000"/>
+            </a:solidFill>
+          </a:ln>
+        </p:spPr>
+        <p:style>
+          <a:lnRef idx="2">
+            <a:schemeClr val="accent1">
+              <a:shade val="50000"/>
+            </a:schemeClr>
+          </a:lnRef>
+          <a:fillRef idx="1">
+            <a:schemeClr val="accent1"/>
+          </a:fillRef>
+          <a:effectRef idx="0">
+            <a:schemeClr val="accent1"/>
+          </a:effectRef>
+          <a:fontRef idx="minor">
+            <a:schemeClr val="lt1"/>
+          </a:fontRef>
+        </p:style>
+        <p:txBody>
+          <a:bodyPr rot="0" spcFirstLastPara="0" vertOverflow="overflow" horzOverflow="overflow" vert="horz" wrap="square" lIns="91440" tIns="45720" rIns="91440" bIns="45720" numCol="1" spcCol="0" rtlCol="0" fromWordArt="0" anchor="ctr" anchorCtr="0" forceAA="0" compatLnSpc="1">
+            <a:prstTxWarp prst="textNoShape">
+              <a:avLst/>
+            </a:prstTxWarp>
+            <a:noAutofit/>
+          </a:bodyPr>
+          <a:lstStyle/>
+          <a:p>
+            <a:pPr algn="ctr"/>
+            <a:endParaRPr lang="es-ES"/>
+          </a:p>
+        </p:txBody>
+      </p:sp>
+      <p:sp>
+        <p:nvSpPr>
+          <p:cNvPr id="15" name="CuadroTexto 14"/>
+          <p:cNvSpPr txBox="1"/>
+          <p:nvPr/>
+        </p:nvSpPr>
+        <p:spPr>
+          <a:xfrm>
+            <a:off x="200439" y="778705"/>
+            <a:ext cx="1529586" cy="369332"/>
+          </a:xfrm>
+          <a:prstGeom prst="rect">
+            <a:avLst/>
+          </a:prstGeom>
+          <a:noFill/>
+        </p:spPr>
+        <p:txBody>
+          <a:bodyPr wrap="none" rtlCol="0">
+            <a:spAutoFit/>
+          </a:bodyPr>
+          <a:lstStyle/>
+          <a:p>
+            <a:r>
+              <a:rPr lang="es-ES" dirty="0">
+                <a:solidFill>
+                  <a:schemeClr val="tx1">
+                    <a:lumMod val="95000"/>
+                    <a:lumOff val="5000"/>
+                  </a:schemeClr>
+                </a:solidFill>
+              </a:rPr>
+              <a:t>Benchmarking</a:t>
+            </a:r>
+          </a:p>
+        </p:txBody>
+      </p:sp>
+      <p:sp>
+        <p:nvSpPr>
+          <p:cNvPr id="3" name="CuadroTexto 2">
+            <a:extLst>
+              <a:ext uri="{FF2B5EF4-FFF2-40B4-BE49-F238E27FC236}">
+                <a16:creationId xmlns:a16="http://schemas.microsoft.com/office/drawing/2014/main" id="{3E717265-438A-172A-5289-FE7291D1E46F}"/>
+              </a:ext>
+            </a:extLst>
+          </p:cNvPr>
+          <p:cNvSpPr txBox="1"/>
+          <p:nvPr/>
+        </p:nvSpPr>
+        <p:spPr>
+          <a:xfrm>
+            <a:off x="-1656" y="34693"/>
+            <a:ext cx="6097656" cy="369332"/>
+          </a:xfrm>
+          <a:prstGeom prst="rect">
+            <a:avLst/>
+          </a:prstGeom>
+          <a:noFill/>
+        </p:spPr>
+        <p:txBody>
+          <a:bodyPr wrap="square">
+            <a:spAutoFit/>
+          </a:bodyPr>
+          <a:lstStyle/>
+          <a:p>
+            <a:r>
+              <a:rPr lang="es-ES" b="1" i="0" dirty="0" err="1">
+                <a:solidFill>
+                  <a:srgbClr val="222222"/>
+                </a:solidFill>
+                <a:effectLst/>
+                <a:latin typeface="Google Sans"/>
+              </a:rPr>
+              <a:t>State</a:t>
+            </a:r>
+            <a:r>
+              <a:rPr lang="es-ES" b="1" i="0" dirty="0">
+                <a:solidFill>
+                  <a:srgbClr val="222222"/>
+                </a:solidFill>
+                <a:effectLst/>
+                <a:latin typeface="Google Sans"/>
+              </a:rPr>
+              <a:t> </a:t>
+            </a:r>
+            <a:r>
+              <a:rPr lang="es-ES" b="1" i="0" dirty="0" err="1">
+                <a:solidFill>
+                  <a:srgbClr val="222222"/>
+                </a:solidFill>
+                <a:effectLst/>
+                <a:latin typeface="Google Sans"/>
+              </a:rPr>
+              <a:t>of</a:t>
+            </a:r>
+            <a:r>
+              <a:rPr lang="es-ES" b="1" i="0" dirty="0">
+                <a:solidFill>
+                  <a:srgbClr val="222222"/>
+                </a:solidFill>
+                <a:effectLst/>
+                <a:latin typeface="Google Sans"/>
+              </a:rPr>
+              <a:t> Art</a:t>
+            </a:r>
+            <a:r>
+              <a:rPr lang="es-ES" b="0" i="0" dirty="0">
+                <a:solidFill>
+                  <a:srgbClr val="222222"/>
+                </a:solidFill>
+                <a:effectLst/>
+                <a:latin typeface="Google Sans"/>
+              </a:rPr>
+              <a:t>:</a:t>
+            </a:r>
+            <a:endParaRPr lang="es-ES" dirty="0"/>
+          </a:p>
+        </p:txBody>
+      </p:sp>
+    </p:spTree>
+    <p:extLst>
+      <p:ext uri="{BB962C8B-B14F-4D97-AF65-F5344CB8AC3E}">
+        <p14:creationId xmlns:p14="http://schemas.microsoft.com/office/powerpoint/2010/main" val="2073427555"/>
+      </p:ext>
+    </p:extLst>
+  </p:cSld>
+  <p:clrMapOvr>
+    <a:masterClrMapping/>
+  </p:clrMapOvr>
+</p:sld>
+</file>
+
+<file path=ppt/slides/slide4.xml><?xml version="1.0" encoding="utf-8"?>
 <p:sld xmlns:a="http://schemas.openxmlformats.org/drawingml/2006/main" xmlns:r="http://schemas.openxmlformats.org/officeDocument/2006/relationships" xmlns:p="http://schemas.openxmlformats.org/presentationml/2006/main">
   <p:cSld>
     <p:spTree>
@@ -4136,1082 +7518,7 @@
         </p:blipFill>
         <p:spPr>
           <a:xfrm>
-            <a:off x="1042617" y="620487"/>
-            <a:ext cx="10106766" cy="5617026"/>
-          </a:xfrm>
-          <a:prstGeom prst="rect">
-            <a:avLst/>
-          </a:prstGeom>
-        </p:spPr>
-      </p:pic>
-      <p:sp>
-        <p:nvSpPr>
-          <p:cNvPr id="3" name="Rectángulo redondeado 2"/>
-          <p:cNvSpPr/>
-          <p:nvPr/>
-        </p:nvSpPr>
-        <p:spPr>
-          <a:xfrm>
-            <a:off x="1042617" y="4865914"/>
-            <a:ext cx="9652597" cy="293915"/>
-          </a:xfrm>
-          <a:prstGeom prst="roundRect">
-            <a:avLst/>
-          </a:prstGeom>
-          <a:noFill/>
-          <a:ln w="31750">
-            <a:solidFill>
-              <a:srgbClr val="FF0000"/>
-            </a:solidFill>
-          </a:ln>
-        </p:spPr>
-        <p:style>
-          <a:lnRef idx="2">
-            <a:schemeClr val="accent1">
-              <a:shade val="50000"/>
-            </a:schemeClr>
-          </a:lnRef>
-          <a:fillRef idx="1">
-            <a:schemeClr val="accent1"/>
-          </a:fillRef>
-          <a:effectRef idx="0">
-            <a:schemeClr val="accent1"/>
-          </a:effectRef>
-          <a:fontRef idx="minor">
-            <a:schemeClr val="lt1"/>
-          </a:fontRef>
-        </p:style>
-        <p:txBody>
-          <a:bodyPr rot="0" spcFirstLastPara="0" vertOverflow="overflow" horzOverflow="overflow" vert="horz" wrap="square" lIns="91440" tIns="45720" rIns="91440" bIns="45720" numCol="1" spcCol="0" rtlCol="0" fromWordArt="0" anchor="ctr" anchorCtr="0" forceAA="0" compatLnSpc="1">
-            <a:prstTxWarp prst="textNoShape">
-              <a:avLst/>
-            </a:prstTxWarp>
-            <a:noAutofit/>
-          </a:bodyPr>
-          <a:lstStyle/>
-          <a:p>
-            <a:pPr algn="ctr"/>
-            <a:endParaRPr lang="es-ES"/>
-          </a:p>
-        </p:txBody>
-      </p:sp>
-      <p:sp>
-        <p:nvSpPr>
-          <p:cNvPr id="4" name="Rectángulo redondeado 3"/>
-          <p:cNvSpPr/>
-          <p:nvPr/>
-        </p:nvSpPr>
-        <p:spPr>
-          <a:xfrm>
-            <a:off x="1042616" y="5573485"/>
-            <a:ext cx="9652597" cy="293915"/>
-          </a:xfrm>
-          <a:prstGeom prst="roundRect">
-            <a:avLst/>
-          </a:prstGeom>
-          <a:noFill/>
-          <a:ln w="31750">
-            <a:solidFill>
-              <a:srgbClr val="FF0000"/>
-            </a:solidFill>
-          </a:ln>
-        </p:spPr>
-        <p:style>
-          <a:lnRef idx="2">
-            <a:schemeClr val="accent1">
-              <a:shade val="50000"/>
-            </a:schemeClr>
-          </a:lnRef>
-          <a:fillRef idx="1">
-            <a:schemeClr val="accent1"/>
-          </a:fillRef>
-          <a:effectRef idx="0">
-            <a:schemeClr val="accent1"/>
-          </a:effectRef>
-          <a:fontRef idx="minor">
-            <a:schemeClr val="lt1"/>
-          </a:fontRef>
-        </p:style>
-        <p:txBody>
-          <a:bodyPr rot="0" spcFirstLastPara="0" vertOverflow="overflow" horzOverflow="overflow" vert="horz" wrap="square" lIns="91440" tIns="45720" rIns="91440" bIns="45720" numCol="1" spcCol="0" rtlCol="0" fromWordArt="0" anchor="ctr" anchorCtr="0" forceAA="0" compatLnSpc="1">
-            <a:prstTxWarp prst="textNoShape">
-              <a:avLst/>
-            </a:prstTxWarp>
-            <a:noAutofit/>
-          </a:bodyPr>
-          <a:lstStyle/>
-          <a:p>
-            <a:pPr algn="ctr"/>
-            <a:endParaRPr lang="es-ES"/>
-          </a:p>
-        </p:txBody>
-      </p:sp>
-      <p:sp>
-        <p:nvSpPr>
-          <p:cNvPr id="5" name="Rectángulo redondeado 4"/>
-          <p:cNvSpPr/>
-          <p:nvPr/>
-        </p:nvSpPr>
-        <p:spPr>
-          <a:xfrm>
-            <a:off x="4660900" y="1282700"/>
-            <a:ext cx="660400" cy="317500"/>
-          </a:xfrm>
-          <a:prstGeom prst="roundRect">
-            <a:avLst/>
-          </a:prstGeom>
-          <a:noFill/>
-          <a:ln w="31750">
-            <a:solidFill>
-              <a:srgbClr val="FF0000"/>
-            </a:solidFill>
-          </a:ln>
-        </p:spPr>
-        <p:style>
-          <a:lnRef idx="2">
-            <a:schemeClr val="accent1">
-              <a:shade val="50000"/>
-            </a:schemeClr>
-          </a:lnRef>
-          <a:fillRef idx="1">
-            <a:schemeClr val="accent1"/>
-          </a:fillRef>
-          <a:effectRef idx="0">
-            <a:schemeClr val="accent1"/>
-          </a:effectRef>
-          <a:fontRef idx="minor">
-            <a:schemeClr val="lt1"/>
-          </a:fontRef>
-        </p:style>
-        <p:txBody>
-          <a:bodyPr rot="0" spcFirstLastPara="0" vertOverflow="overflow" horzOverflow="overflow" vert="horz" wrap="square" lIns="91440" tIns="45720" rIns="91440" bIns="45720" numCol="1" spcCol="0" rtlCol="0" fromWordArt="0" anchor="ctr" anchorCtr="0" forceAA="0" compatLnSpc="1">
-            <a:prstTxWarp prst="textNoShape">
-              <a:avLst/>
-            </a:prstTxWarp>
-            <a:noAutofit/>
-          </a:bodyPr>
-          <a:lstStyle/>
-          <a:p>
-            <a:pPr algn="ctr"/>
-            <a:endParaRPr lang="ca-ES"/>
-          </a:p>
-        </p:txBody>
-      </p:sp>
-    </p:spTree>
-    <p:extLst>
-      <p:ext uri="{BB962C8B-B14F-4D97-AF65-F5344CB8AC3E}">
-        <p14:creationId xmlns:p14="http://schemas.microsoft.com/office/powerpoint/2010/main" val="3269555159"/>
-      </p:ext>
-    </p:extLst>
-  </p:cSld>
-  <p:clrMapOvr>
-    <a:masterClrMapping/>
-  </p:clrMapOvr>
-  <p:timing>
-    <p:tnLst>
-      <p:par>
-        <p:cTn id="1" dur="indefinite" restart="never" nodeType="tmRoot">
-          <p:childTnLst>
-            <p:seq concurrent="1" nextAc="seek">
-              <p:cTn id="2" dur="indefinite" nodeType="mainSeq">
-                <p:childTnLst>
-                  <p:par>
-                    <p:cTn id="3" fill="hold">
-                      <p:stCondLst>
-                        <p:cond delay="indefinite"/>
-                      </p:stCondLst>
-                      <p:childTnLst>
-                        <p:par>
-                          <p:cTn id="4" fill="hold">
-                            <p:stCondLst>
-                              <p:cond delay="0"/>
-                            </p:stCondLst>
-                            <p:childTnLst>
-                              <p:par>
-                                <p:cTn id="5" presetID="1" presetClass="entr" presetSubtype="0" fill="hold" grpId="0" nodeType="clickEffect">
-                                  <p:stCondLst>
-                                    <p:cond delay="0"/>
-                                  </p:stCondLst>
-                                  <p:childTnLst>
-                                    <p:set>
-                                      <p:cBhvr>
-                                        <p:cTn id="6" dur="1" fill="hold">
-                                          <p:stCondLst>
-                                            <p:cond delay="0"/>
-                                          </p:stCondLst>
-                                        </p:cTn>
-                                        <p:tgtEl>
-                                          <p:spTgt spid="3"/>
-                                        </p:tgtEl>
-                                        <p:attrNameLst>
-                                          <p:attrName>style.visibility</p:attrName>
-                                        </p:attrNameLst>
-                                      </p:cBhvr>
-                                      <p:to>
-                                        <p:strVal val="visible"/>
-                                      </p:to>
-                                    </p:set>
-                                  </p:childTnLst>
-                                </p:cTn>
-                              </p:par>
-                              <p:par>
-                                <p:cTn id="7" presetID="1" presetClass="entr" presetSubtype="0" fill="hold" grpId="0" nodeType="withEffect">
-                                  <p:stCondLst>
-                                    <p:cond delay="0"/>
-                                  </p:stCondLst>
-                                  <p:childTnLst>
-                                    <p:set>
-                                      <p:cBhvr>
-                                        <p:cTn id="8" dur="1" fill="hold">
-                                          <p:stCondLst>
-                                            <p:cond delay="0"/>
-                                          </p:stCondLst>
-                                        </p:cTn>
-                                        <p:tgtEl>
-                                          <p:spTgt spid="4"/>
-                                        </p:tgtEl>
-                                        <p:attrNameLst>
-                                          <p:attrName>style.visibility</p:attrName>
-                                        </p:attrNameLst>
-                                      </p:cBhvr>
-                                      <p:to>
-                                        <p:strVal val="visible"/>
-                                      </p:to>
-                                    </p:set>
-                                  </p:childTnLst>
-                                </p:cTn>
-                              </p:par>
-                            </p:childTnLst>
-                          </p:cTn>
-                        </p:par>
-                      </p:childTnLst>
-                    </p:cTn>
-                  </p:par>
-                </p:childTnLst>
-              </p:cTn>
-              <p:prevCondLst>
-                <p:cond evt="onPrev" delay="0">
-                  <p:tgtEl>
-                    <p:sldTgt/>
-                  </p:tgtEl>
-                </p:cond>
-              </p:prevCondLst>
-              <p:nextCondLst>
-                <p:cond evt="onNext" delay="0">
-                  <p:tgtEl>
-                    <p:sldTgt/>
-                  </p:tgtEl>
-                </p:cond>
-              </p:nextCondLst>
-            </p:seq>
-          </p:childTnLst>
-        </p:cTn>
-      </p:par>
-    </p:tnLst>
-    <p:bldLst>
-      <p:bldP spid="3" grpId="0" animBg="1"/>
-      <p:bldP spid="4" grpId="0" animBg="1"/>
-    </p:bldLst>
-  </p:timing>
-</p:sld>
-</file>
-
-<file path=ppt/slides/slide16.xml><?xml version="1.0" encoding="utf-8"?>
-<p:sld xmlns:a="http://schemas.openxmlformats.org/drawingml/2006/main" xmlns:r="http://schemas.openxmlformats.org/officeDocument/2006/relationships" xmlns:p="http://schemas.openxmlformats.org/presentationml/2006/main">
-  <p:cSld>
-    <p:spTree>
-      <p:nvGrpSpPr>
-        <p:cNvPr id="1" name=""/>
-        <p:cNvGrpSpPr/>
-        <p:nvPr/>
-      </p:nvGrpSpPr>
-      <p:grpSpPr>
-        <a:xfrm>
-          <a:off x="0" y="0"/>
-          <a:ext cx="0" cy="0"/>
-          <a:chOff x="0" y="0"/>
-          <a:chExt cx="0" cy="0"/>
-        </a:xfrm>
-      </p:grpSpPr>
-      <p:sp>
-        <p:nvSpPr>
-          <p:cNvPr id="2" name="Rectángulo 1"/>
-          <p:cNvSpPr/>
-          <p:nvPr/>
-        </p:nvSpPr>
-        <p:spPr>
-          <a:xfrm>
-            <a:off x="241300" y="381000"/>
-            <a:ext cx="11049000" cy="6186309"/>
-          </a:xfrm>
-          <a:prstGeom prst="rect">
-            <a:avLst/>
-          </a:prstGeom>
-        </p:spPr>
-        <p:txBody>
-          <a:bodyPr wrap="square">
-            <a:spAutoFit/>
-          </a:bodyPr>
-          <a:lstStyle/>
-          <a:p>
-            <a:r>
-              <a:rPr lang="ca-ES" dirty="0" smtClean="0"/>
-              <a:t>Clarament, veiem que és una regressió logística, que el seu valor de correlació és baix. En aquest cas és de 0,3, i per això explica molt poc amb una sola variable.</a:t>
-            </a:r>
-          </a:p>
-          <a:p>
-            <a:r>
-              <a:rPr lang="ca-ES" dirty="0" smtClean="0"/>
-              <a:t>Per afirmar bé el model pel retard del 3r salt, hem de fer servir 2 variables (E_Duracion_Vuelo2, E_Despegue3) i arribaré a afirmar en un 0.72 què succeirà.</a:t>
-            </a:r>
-          </a:p>
-          <a:p>
-            <a:r>
-              <a:rPr lang="ca-ES" dirty="0" smtClean="0"/>
-              <a:t>S'arriba a una conclusió lògica, si l'avió surt tard i volant triga més del planificat, arribarà tard. Però és molt important veure que el que ha passat en els 2 salts anteriors no afecta pràcticament res al salt 3r.</a:t>
-            </a:r>
-          </a:p>
-          <a:p>
-            <a:r>
-              <a:rPr lang="ca-ES" dirty="0" smtClean="0"/>
-              <a:t>Independentment de si al </a:t>
-            </a:r>
-            <a:r>
-              <a:rPr lang="ca-ES" dirty="0" err="1" smtClean="0"/>
-              <a:t>surtit</a:t>
-            </a:r>
-            <a:r>
-              <a:rPr lang="ca-ES" dirty="0" smtClean="0"/>
-              <a:t> o volant, no han tingut una demora superior a 30 minuts que és el que considerem un vol "normal", en els 2 salts anteriors </a:t>
-            </a:r>
-            <a:r>
-              <a:rPr lang="ca-ES" dirty="0" smtClean="0"/>
-              <a:t>no afecta pràcticament res al salt 3r.</a:t>
-            </a:r>
-          </a:p>
-          <a:p>
-            <a:r>
-              <a:rPr lang="ca-ES" dirty="0" smtClean="0"/>
-              <a:t>.</a:t>
-            </a:r>
-          </a:p>
-          <a:p>
-            <a:r>
-              <a:rPr lang="ca-ES" dirty="0" smtClean="0"/>
-              <a:t>Important veure la correlació entre E_Duracion_Vuelo2, E_Despegue3 i com els vols que arriben tard estan en un extrem.</a:t>
-            </a:r>
-          </a:p>
-          <a:p>
-            <a:endParaRPr lang="ca-ES" dirty="0" smtClean="0">
-              <a:latin typeface="-apple-system"/>
-            </a:endParaRPr>
-          </a:p>
-          <a:p>
-            <a:r>
-              <a:rPr lang="ca-ES" b="0" i="0" dirty="0" smtClean="0">
-                <a:effectLst/>
-                <a:latin typeface="-apple-system"/>
-              </a:rPr>
-              <a:t>Aquesta asseveració és el punt crític del projecte.</a:t>
-            </a:r>
-          </a:p>
-          <a:p>
-            <a:r>
-              <a:rPr lang="ca-ES" b="0" i="0" dirty="0" smtClean="0">
-                <a:effectLst/>
-                <a:latin typeface="-apple-system"/>
-              </a:rPr>
-              <a:t>Hem demostrat que els salts són independents entre si. Un retard en un avió és degut a moltes causes, que són variables independents que afecten i que moltes són alienes a la mateixa companyia (exògenes)... </a:t>
-            </a:r>
-          </a:p>
-          <a:p>
-            <a:endParaRPr lang="ca-ES" dirty="0">
-              <a:latin typeface="-apple-system"/>
-            </a:endParaRPr>
-          </a:p>
-          <a:p>
-            <a:r>
-              <a:rPr lang="ca-ES" b="0" i="0" dirty="0" smtClean="0">
-                <a:effectLst/>
-                <a:latin typeface="-apple-system"/>
-              </a:rPr>
-              <a:t>Però el primer salt és el que menys impacta té els factors </a:t>
-            </a:r>
-            <a:r>
-              <a:rPr lang="ca-ES" b="0" i="0" dirty="0" err="1" smtClean="0">
-                <a:effectLst/>
-                <a:latin typeface="-apple-system"/>
-              </a:rPr>
-              <a:t>exógens</a:t>
-            </a:r>
-            <a:r>
-              <a:rPr lang="ca-ES" b="0" i="0" dirty="0" smtClean="0">
-                <a:effectLst/>
-                <a:latin typeface="-apple-system"/>
-              </a:rPr>
-              <a:t> i que pot controlar les variables, perquè per exemple no hi ha retards amb altres interconnexions, o passatgers que han de buscar la maleta, canvis de porta que desorienten als passatgers, etc.</a:t>
-            </a:r>
-          </a:p>
-          <a:p>
-            <a:endParaRPr lang="ca-ES" b="0" i="0" dirty="0" smtClean="0">
-              <a:effectLst/>
-              <a:latin typeface="-apple-system"/>
-            </a:endParaRPr>
-          </a:p>
-          <a:p>
-            <a:r>
-              <a:rPr lang="ca-ES" b="0" i="0" dirty="0" smtClean="0">
-                <a:effectLst/>
-                <a:latin typeface="-apple-system"/>
-              </a:rPr>
-              <a:t>Llavors el que hem d'analitzar és el valor del primer salt, enlairament 1r i analitzar les causes de per què el 99% dels vols no surten a la seva hora. I sortir a l'hora és sortir a &lt;0 minuts, no a &lt;10 minuts.</a:t>
-            </a:r>
-            <a:endParaRPr lang="ca-ES" b="0" i="0" dirty="0">
-              <a:effectLst/>
-              <a:latin typeface="-apple-system"/>
-            </a:endParaRPr>
-          </a:p>
-        </p:txBody>
-      </p:sp>
-    </p:spTree>
-    <p:extLst>
-      <p:ext uri="{BB962C8B-B14F-4D97-AF65-F5344CB8AC3E}">
-        <p14:creationId xmlns:p14="http://schemas.microsoft.com/office/powerpoint/2010/main" val="756348545"/>
-      </p:ext>
-    </p:extLst>
-  </p:cSld>
-  <p:clrMapOvr>
-    <a:masterClrMapping/>
-  </p:clrMapOvr>
-  <p:timing>
-    <p:tnLst>
-      <p:par>
-        <p:cTn id="1" dur="indefinite" restart="never" nodeType="tmRoot"/>
-      </p:par>
-    </p:tnLst>
-  </p:timing>
-</p:sld>
-</file>
-
-<file path=ppt/slides/slide2.xml><?xml version="1.0" encoding="utf-8"?>
-<p:sld xmlns:a="http://schemas.openxmlformats.org/drawingml/2006/main" xmlns:r="http://schemas.openxmlformats.org/officeDocument/2006/relationships" xmlns:p="http://schemas.openxmlformats.org/presentationml/2006/main">
-  <p:cSld>
-    <p:spTree>
-      <p:nvGrpSpPr>
-        <p:cNvPr id="1" name=""/>
-        <p:cNvGrpSpPr/>
-        <p:nvPr/>
-      </p:nvGrpSpPr>
-      <p:grpSpPr>
-        <a:xfrm>
-          <a:off x="0" y="0"/>
-          <a:ext cx="0" cy="0"/>
-          <a:chOff x="0" y="0"/>
-          <a:chExt cx="0" cy="0"/>
-        </a:xfrm>
-      </p:grpSpPr>
-      <p:pic>
-        <p:nvPicPr>
-          <p:cNvPr id="4" name="Imagen 3"/>
-          <p:cNvPicPr>
-            <a:picLocks noChangeAspect="1"/>
-          </p:cNvPicPr>
-          <p:nvPr/>
-        </p:nvPicPr>
-        <p:blipFill rotWithShape="1">
-          <a:blip r:embed="rId2"/>
-          <a:srcRect r="13154"/>
-          <a:stretch/>
-        </p:blipFill>
-        <p:spPr>
-          <a:xfrm>
-            <a:off x="586028" y="1191978"/>
-            <a:ext cx="9570343" cy="3918858"/>
-          </a:xfrm>
-          <a:prstGeom prst="rect">
-            <a:avLst/>
-          </a:prstGeom>
-        </p:spPr>
-      </p:pic>
-      <p:sp>
-        <p:nvSpPr>
-          <p:cNvPr id="5" name="Rectángulo redondeado 4"/>
-          <p:cNvSpPr/>
-          <p:nvPr/>
-        </p:nvSpPr>
-        <p:spPr>
-          <a:xfrm>
-            <a:off x="881743" y="1387921"/>
-            <a:ext cx="685800" cy="1453243"/>
-          </a:xfrm>
-          <a:prstGeom prst="roundRect">
-            <a:avLst/>
-          </a:prstGeom>
-          <a:noFill/>
-          <a:ln w="31750">
-            <a:solidFill>
-              <a:srgbClr val="FF0000"/>
-            </a:solidFill>
-          </a:ln>
-        </p:spPr>
-        <p:style>
-          <a:lnRef idx="2">
-            <a:schemeClr val="accent1">
-              <a:shade val="50000"/>
-            </a:schemeClr>
-          </a:lnRef>
-          <a:fillRef idx="1">
-            <a:schemeClr val="accent1"/>
-          </a:fillRef>
-          <a:effectRef idx="0">
-            <a:schemeClr val="accent1"/>
-          </a:effectRef>
-          <a:fontRef idx="minor">
-            <a:schemeClr val="lt1"/>
-          </a:fontRef>
-        </p:style>
-        <p:txBody>
-          <a:bodyPr rot="0" spcFirstLastPara="0" vertOverflow="overflow" horzOverflow="overflow" vert="horz" wrap="square" lIns="91440" tIns="45720" rIns="91440" bIns="45720" numCol="1" spcCol="0" rtlCol="0" fromWordArt="0" anchor="ctr" anchorCtr="0" forceAA="0" compatLnSpc="1">
-            <a:prstTxWarp prst="textNoShape">
-              <a:avLst/>
-            </a:prstTxWarp>
-            <a:noAutofit/>
-          </a:bodyPr>
-          <a:lstStyle/>
-          <a:p>
-            <a:pPr algn="ctr"/>
-            <a:endParaRPr lang="es-ES"/>
-          </a:p>
-        </p:txBody>
-      </p:sp>
-      <p:sp>
-        <p:nvSpPr>
-          <p:cNvPr id="6" name="Rectángulo redondeado 5"/>
-          <p:cNvSpPr/>
-          <p:nvPr/>
-        </p:nvSpPr>
-        <p:spPr>
-          <a:xfrm>
-            <a:off x="1567543" y="1387921"/>
-            <a:ext cx="865414" cy="1453243"/>
-          </a:xfrm>
-          <a:prstGeom prst="roundRect">
-            <a:avLst/>
-          </a:prstGeom>
-          <a:noFill/>
-          <a:ln w="31750">
-            <a:solidFill>
-              <a:srgbClr val="FF0000"/>
-            </a:solidFill>
-          </a:ln>
-        </p:spPr>
-        <p:style>
-          <a:lnRef idx="2">
-            <a:schemeClr val="accent1">
-              <a:shade val="50000"/>
-            </a:schemeClr>
-          </a:lnRef>
-          <a:fillRef idx="1">
-            <a:schemeClr val="accent1"/>
-          </a:fillRef>
-          <a:effectRef idx="0">
-            <a:schemeClr val="accent1"/>
-          </a:effectRef>
-          <a:fontRef idx="minor">
-            <a:schemeClr val="lt1"/>
-          </a:fontRef>
-        </p:style>
-        <p:txBody>
-          <a:bodyPr rot="0" spcFirstLastPara="0" vertOverflow="overflow" horzOverflow="overflow" vert="horz" wrap="square" lIns="91440" tIns="45720" rIns="91440" bIns="45720" numCol="1" spcCol="0" rtlCol="0" fromWordArt="0" anchor="ctr" anchorCtr="0" forceAA="0" compatLnSpc="1">
-            <a:prstTxWarp prst="textNoShape">
-              <a:avLst/>
-            </a:prstTxWarp>
-            <a:noAutofit/>
-          </a:bodyPr>
-          <a:lstStyle/>
-          <a:p>
-            <a:pPr algn="ctr"/>
-            <a:endParaRPr lang="es-ES"/>
-          </a:p>
-        </p:txBody>
-      </p:sp>
-      <p:sp>
-        <p:nvSpPr>
-          <p:cNvPr id="7" name="Rectángulo redondeado 6"/>
-          <p:cNvSpPr/>
-          <p:nvPr/>
-        </p:nvSpPr>
-        <p:spPr>
-          <a:xfrm>
-            <a:off x="5127171" y="1387921"/>
-            <a:ext cx="653143" cy="3543300"/>
-          </a:xfrm>
-          <a:prstGeom prst="roundRect">
-            <a:avLst/>
-          </a:prstGeom>
-          <a:noFill/>
-          <a:ln w="31750">
-            <a:solidFill>
-              <a:srgbClr val="FF0000"/>
-            </a:solidFill>
-          </a:ln>
-        </p:spPr>
-        <p:style>
-          <a:lnRef idx="2">
-            <a:schemeClr val="accent1">
-              <a:shade val="50000"/>
-            </a:schemeClr>
-          </a:lnRef>
-          <a:fillRef idx="1">
-            <a:schemeClr val="accent1"/>
-          </a:fillRef>
-          <a:effectRef idx="0">
-            <a:schemeClr val="accent1"/>
-          </a:effectRef>
-          <a:fontRef idx="minor">
-            <a:schemeClr val="lt1"/>
-          </a:fontRef>
-        </p:style>
-        <p:txBody>
-          <a:bodyPr rot="0" spcFirstLastPara="0" vertOverflow="overflow" horzOverflow="overflow" vert="horz" wrap="square" lIns="91440" tIns="45720" rIns="91440" bIns="45720" numCol="1" spcCol="0" rtlCol="0" fromWordArt="0" anchor="ctr" anchorCtr="0" forceAA="0" compatLnSpc="1">
-            <a:prstTxWarp prst="textNoShape">
-              <a:avLst/>
-            </a:prstTxWarp>
-            <a:noAutofit/>
-          </a:bodyPr>
-          <a:lstStyle/>
-          <a:p>
-            <a:pPr algn="ctr"/>
-            <a:endParaRPr lang="es-ES"/>
-          </a:p>
-        </p:txBody>
-      </p:sp>
-      <p:sp>
-        <p:nvSpPr>
-          <p:cNvPr id="8" name="CuadroTexto 7"/>
-          <p:cNvSpPr txBox="1"/>
-          <p:nvPr/>
-        </p:nvSpPr>
-        <p:spPr>
-          <a:xfrm>
-            <a:off x="10452086" y="1224635"/>
-            <a:ext cx="1210588" cy="369332"/>
-          </a:xfrm>
-          <a:prstGeom prst="rect">
-            <a:avLst/>
-          </a:prstGeom>
-          <a:noFill/>
-        </p:spPr>
-        <p:txBody>
-          <a:bodyPr wrap="none" rtlCol="0">
-            <a:spAutoFit/>
-          </a:bodyPr>
-          <a:lstStyle/>
-          <a:p>
-            <a:r>
-              <a:rPr lang="es-ES" dirty="0" err="1" smtClean="0"/>
-              <a:t>Seqüencia</a:t>
-            </a:r>
-            <a:r>
-              <a:rPr lang="es-ES" dirty="0" smtClean="0"/>
-              <a:t>:</a:t>
-            </a:r>
-            <a:endParaRPr lang="es-ES" dirty="0"/>
-          </a:p>
-        </p:txBody>
-      </p:sp>
-      <p:sp>
-        <p:nvSpPr>
-          <p:cNvPr id="9" name="Rectángulo redondeado 8"/>
-          <p:cNvSpPr/>
-          <p:nvPr/>
-        </p:nvSpPr>
-        <p:spPr>
-          <a:xfrm>
-            <a:off x="10655293" y="1959420"/>
-            <a:ext cx="804174" cy="767443"/>
-          </a:xfrm>
-          <a:prstGeom prst="roundRect">
-            <a:avLst/>
-          </a:prstGeom>
-          <a:noFill/>
-          <a:ln w="31750">
-            <a:solidFill>
-              <a:srgbClr val="FF0000"/>
-            </a:solidFill>
-          </a:ln>
-        </p:spPr>
-        <p:style>
-          <a:lnRef idx="2">
-            <a:schemeClr val="accent1">
-              <a:shade val="50000"/>
-            </a:schemeClr>
-          </a:lnRef>
-          <a:fillRef idx="1">
-            <a:schemeClr val="accent1"/>
-          </a:fillRef>
-          <a:effectRef idx="0">
-            <a:schemeClr val="accent1"/>
-          </a:effectRef>
-          <a:fontRef idx="minor">
-            <a:schemeClr val="lt1"/>
-          </a:fontRef>
-        </p:style>
-        <p:txBody>
-          <a:bodyPr rot="0" spcFirstLastPara="0" vertOverflow="overflow" horzOverflow="overflow" vert="horz" wrap="square" lIns="91440" tIns="45720" rIns="91440" bIns="45720" numCol="1" spcCol="0" rtlCol="0" fromWordArt="0" anchor="ctr" anchorCtr="0" forceAA="0" compatLnSpc="1">
-            <a:prstTxWarp prst="textNoShape">
-              <a:avLst/>
-            </a:prstTxWarp>
-            <a:noAutofit/>
-          </a:bodyPr>
-          <a:lstStyle/>
-          <a:p>
-            <a:pPr algn="ctr"/>
-            <a:r>
-              <a:rPr lang="es-ES" sz="2400" dirty="0" smtClean="0">
-                <a:solidFill>
-                  <a:srgbClr val="FF0000"/>
-                </a:solidFill>
-              </a:rPr>
-              <a:t>1</a:t>
-            </a:r>
-            <a:endParaRPr lang="es-ES" sz="2400" dirty="0">
-              <a:solidFill>
-                <a:srgbClr val="FF0000"/>
-              </a:solidFill>
-            </a:endParaRPr>
-          </a:p>
-        </p:txBody>
-      </p:sp>
-      <p:sp>
-        <p:nvSpPr>
-          <p:cNvPr id="10" name="Rectángulo redondeado 9"/>
-          <p:cNvSpPr/>
-          <p:nvPr/>
-        </p:nvSpPr>
-        <p:spPr>
-          <a:xfrm>
-            <a:off x="10655293" y="3061599"/>
-            <a:ext cx="804174" cy="767443"/>
-          </a:xfrm>
-          <a:prstGeom prst="roundRect">
-            <a:avLst/>
-          </a:prstGeom>
-          <a:noFill/>
-          <a:ln w="31750">
-            <a:solidFill>
-              <a:srgbClr val="FF0000"/>
-            </a:solidFill>
-          </a:ln>
-        </p:spPr>
-        <p:style>
-          <a:lnRef idx="2">
-            <a:schemeClr val="accent1">
-              <a:shade val="50000"/>
-            </a:schemeClr>
-          </a:lnRef>
-          <a:fillRef idx="1">
-            <a:schemeClr val="accent1"/>
-          </a:fillRef>
-          <a:effectRef idx="0">
-            <a:schemeClr val="accent1"/>
-          </a:effectRef>
-          <a:fontRef idx="minor">
-            <a:schemeClr val="lt1"/>
-          </a:fontRef>
-        </p:style>
-        <p:txBody>
-          <a:bodyPr rot="0" spcFirstLastPara="0" vertOverflow="overflow" horzOverflow="overflow" vert="horz" wrap="square" lIns="91440" tIns="45720" rIns="91440" bIns="45720" numCol="1" spcCol="0" rtlCol="0" fromWordArt="0" anchor="ctr" anchorCtr="0" forceAA="0" compatLnSpc="1">
-            <a:prstTxWarp prst="textNoShape">
-              <a:avLst/>
-            </a:prstTxWarp>
-            <a:noAutofit/>
-          </a:bodyPr>
-          <a:lstStyle/>
-          <a:p>
-            <a:pPr algn="ctr"/>
-            <a:r>
-              <a:rPr lang="es-ES" sz="2400" dirty="0" smtClean="0">
-                <a:solidFill>
-                  <a:srgbClr val="FF0000"/>
-                </a:solidFill>
-              </a:rPr>
-              <a:t>2</a:t>
-            </a:r>
-            <a:endParaRPr lang="es-ES" sz="2400" dirty="0">
-              <a:solidFill>
-                <a:srgbClr val="FF0000"/>
-              </a:solidFill>
-            </a:endParaRPr>
-          </a:p>
-        </p:txBody>
-      </p:sp>
-      <p:sp>
-        <p:nvSpPr>
-          <p:cNvPr id="11" name="Rectángulo redondeado 10"/>
-          <p:cNvSpPr/>
-          <p:nvPr/>
-        </p:nvSpPr>
-        <p:spPr>
-          <a:xfrm>
-            <a:off x="10655293" y="4163778"/>
-            <a:ext cx="804174" cy="767443"/>
-          </a:xfrm>
-          <a:prstGeom prst="roundRect">
-            <a:avLst/>
-          </a:prstGeom>
-          <a:noFill/>
-          <a:ln w="31750">
-            <a:solidFill>
-              <a:srgbClr val="FF0000"/>
-            </a:solidFill>
-          </a:ln>
-        </p:spPr>
-        <p:style>
-          <a:lnRef idx="2">
-            <a:schemeClr val="accent1">
-              <a:shade val="50000"/>
-            </a:schemeClr>
-          </a:lnRef>
-          <a:fillRef idx="1">
-            <a:schemeClr val="accent1"/>
-          </a:fillRef>
-          <a:effectRef idx="0">
-            <a:schemeClr val="accent1"/>
-          </a:effectRef>
-          <a:fontRef idx="minor">
-            <a:schemeClr val="lt1"/>
-          </a:fontRef>
-        </p:style>
-        <p:txBody>
-          <a:bodyPr rot="0" spcFirstLastPara="0" vertOverflow="overflow" horzOverflow="overflow" vert="horz" wrap="square" lIns="91440" tIns="45720" rIns="91440" bIns="45720" numCol="1" spcCol="0" rtlCol="0" fromWordArt="0" anchor="ctr" anchorCtr="0" forceAA="0" compatLnSpc="1">
-            <a:prstTxWarp prst="textNoShape">
-              <a:avLst/>
-            </a:prstTxWarp>
-            <a:noAutofit/>
-          </a:bodyPr>
-          <a:lstStyle/>
-          <a:p>
-            <a:pPr algn="ctr"/>
-            <a:r>
-              <a:rPr lang="es-ES" sz="2400" dirty="0" smtClean="0">
-                <a:solidFill>
-                  <a:srgbClr val="FF0000"/>
-                </a:solidFill>
-              </a:rPr>
-              <a:t>3</a:t>
-            </a:r>
-            <a:endParaRPr lang="es-ES" sz="2400" dirty="0">
-              <a:solidFill>
-                <a:srgbClr val="FF0000"/>
-              </a:solidFill>
-            </a:endParaRPr>
-          </a:p>
-        </p:txBody>
-      </p:sp>
-      <p:sp>
-        <p:nvSpPr>
-          <p:cNvPr id="12" name="CuadroTexto 11"/>
-          <p:cNvSpPr txBox="1"/>
-          <p:nvPr/>
-        </p:nvSpPr>
-        <p:spPr>
-          <a:xfrm>
-            <a:off x="3939842" y="212264"/>
-            <a:ext cx="3680944" cy="369332"/>
-          </a:xfrm>
-          <a:prstGeom prst="rect">
-            <a:avLst/>
-          </a:prstGeom>
-          <a:noFill/>
-        </p:spPr>
-        <p:txBody>
-          <a:bodyPr wrap="none" rtlCol="0">
-            <a:spAutoFit/>
-          </a:bodyPr>
-          <a:lstStyle/>
-          <a:p>
-            <a:r>
-              <a:rPr lang="ca-ES" dirty="0" smtClean="0"/>
-              <a:t>Identificar les seqüencies  dels avions</a:t>
-            </a:r>
-            <a:endParaRPr lang="ca-ES" dirty="0"/>
-          </a:p>
-        </p:txBody>
-      </p:sp>
-      <p:pic>
-        <p:nvPicPr>
-          <p:cNvPr id="13" name="Imagen 12"/>
-          <p:cNvPicPr>
-            <a:picLocks noChangeAspect="1"/>
-          </p:cNvPicPr>
-          <p:nvPr/>
-        </p:nvPicPr>
-        <p:blipFill>
-          <a:blip r:embed="rId3"/>
-          <a:stretch>
-            <a:fillRect/>
-          </a:stretch>
-        </p:blipFill>
-        <p:spPr>
-          <a:xfrm>
-            <a:off x="5453742" y="4980213"/>
-            <a:ext cx="5496692" cy="2353003"/>
-          </a:xfrm>
-          <a:prstGeom prst="rect">
-            <a:avLst/>
-          </a:prstGeom>
-        </p:spPr>
-      </p:pic>
-      <p:sp>
-        <p:nvSpPr>
-          <p:cNvPr id="14" name="Rectángulo redondeado 13"/>
-          <p:cNvSpPr/>
-          <p:nvPr/>
-        </p:nvSpPr>
-        <p:spPr>
-          <a:xfrm>
-            <a:off x="6270171" y="5110836"/>
-            <a:ext cx="522515" cy="228607"/>
-          </a:xfrm>
-          <a:prstGeom prst="roundRect">
-            <a:avLst/>
-          </a:prstGeom>
-          <a:noFill/>
-          <a:ln w="31750">
-            <a:solidFill>
-              <a:srgbClr val="FF0000"/>
-            </a:solidFill>
-          </a:ln>
-        </p:spPr>
-        <p:style>
-          <a:lnRef idx="2">
-            <a:schemeClr val="accent1">
-              <a:shade val="50000"/>
-            </a:schemeClr>
-          </a:lnRef>
-          <a:fillRef idx="1">
-            <a:schemeClr val="accent1"/>
-          </a:fillRef>
-          <a:effectRef idx="0">
-            <a:schemeClr val="accent1"/>
-          </a:effectRef>
-          <a:fontRef idx="minor">
-            <a:schemeClr val="lt1"/>
-          </a:fontRef>
-        </p:style>
-        <p:txBody>
-          <a:bodyPr rot="0" spcFirstLastPara="0" vertOverflow="overflow" horzOverflow="overflow" vert="horz" wrap="square" lIns="91440" tIns="45720" rIns="91440" bIns="45720" numCol="1" spcCol="0" rtlCol="0" fromWordArt="0" anchor="ctr" anchorCtr="0" forceAA="0" compatLnSpc="1">
-            <a:prstTxWarp prst="textNoShape">
-              <a:avLst/>
-            </a:prstTxWarp>
-            <a:noAutofit/>
-          </a:bodyPr>
-          <a:lstStyle/>
-          <a:p>
-            <a:pPr algn="ctr"/>
-            <a:endParaRPr lang="es-ES"/>
-          </a:p>
-        </p:txBody>
-      </p:sp>
-      <p:sp>
-        <p:nvSpPr>
-          <p:cNvPr id="15" name="CuadroTexto 14"/>
-          <p:cNvSpPr txBox="1"/>
-          <p:nvPr/>
-        </p:nvSpPr>
-        <p:spPr>
-          <a:xfrm>
-            <a:off x="419100" y="304800"/>
-            <a:ext cx="1529586" cy="369332"/>
-          </a:xfrm>
-          <a:prstGeom prst="rect">
-            <a:avLst/>
-          </a:prstGeom>
-          <a:noFill/>
-        </p:spPr>
-        <p:txBody>
-          <a:bodyPr wrap="none" rtlCol="0">
-            <a:spAutoFit/>
-          </a:bodyPr>
-          <a:lstStyle/>
-          <a:p>
-            <a:r>
-              <a:rPr lang="es-ES" dirty="0" smtClean="0">
-                <a:solidFill>
-                  <a:schemeClr val="tx1">
-                    <a:lumMod val="95000"/>
-                    <a:lumOff val="5000"/>
-                  </a:schemeClr>
-                </a:solidFill>
-              </a:rPr>
-              <a:t>Benchmarking</a:t>
-            </a:r>
-            <a:endParaRPr lang="es-ES" dirty="0">
-              <a:solidFill>
-                <a:schemeClr val="tx1">
-                  <a:lumMod val="95000"/>
-                  <a:lumOff val="5000"/>
-                </a:schemeClr>
-              </a:solidFill>
-            </a:endParaRPr>
-          </a:p>
-        </p:txBody>
-      </p:sp>
-    </p:spTree>
-    <p:extLst>
-      <p:ext uri="{BB962C8B-B14F-4D97-AF65-F5344CB8AC3E}">
-        <p14:creationId xmlns:p14="http://schemas.microsoft.com/office/powerpoint/2010/main" val="2073427555"/>
-      </p:ext>
-    </p:extLst>
-  </p:cSld>
-  <p:clrMapOvr>
-    <a:masterClrMapping/>
-  </p:clrMapOvr>
-  <p:timing>
-    <p:tnLst>
-      <p:par>
-        <p:cTn id="1" dur="indefinite" restart="never" nodeType="tmRoot"/>
-      </p:par>
-    </p:tnLst>
-  </p:timing>
-</p:sld>
-</file>
-
-<file path=ppt/slides/slide3.xml><?xml version="1.0" encoding="utf-8"?>
-<p:sld xmlns:a="http://schemas.openxmlformats.org/drawingml/2006/main" xmlns:r="http://schemas.openxmlformats.org/officeDocument/2006/relationships" xmlns:p="http://schemas.openxmlformats.org/presentationml/2006/main">
-  <p:cSld>
-    <p:spTree>
-      <p:nvGrpSpPr>
-        <p:cNvPr id="1" name=""/>
-        <p:cNvGrpSpPr/>
-        <p:nvPr/>
-      </p:nvGrpSpPr>
-      <p:grpSpPr>
-        <a:xfrm>
-          <a:off x="0" y="0"/>
-          <a:ext cx="0" cy="0"/>
-          <a:chOff x="0" y="0"/>
-          <a:chExt cx="0" cy="0"/>
-        </a:xfrm>
-      </p:grpSpPr>
-      <p:pic>
-        <p:nvPicPr>
-          <p:cNvPr id="2" name="Imagen 1"/>
-          <p:cNvPicPr>
-            <a:picLocks noChangeAspect="1"/>
-          </p:cNvPicPr>
-          <p:nvPr/>
-        </p:nvPicPr>
-        <p:blipFill>
-          <a:blip r:embed="rId2"/>
-          <a:stretch>
-            <a:fillRect/>
-          </a:stretch>
-        </p:blipFill>
-        <p:spPr>
-          <a:xfrm>
-            <a:off x="0" y="0"/>
+            <a:off x="0" y="1113182"/>
             <a:ext cx="7944959" cy="4458322"/>
           </a:xfrm>
           <a:prstGeom prst="rect">
@@ -5266,7 +7573,7 @@
           <a:lstStyle/>
           <a:p>
             <a:r>
-              <a:rPr lang="es-ES" dirty="0" smtClean="0">
+              <a:rPr lang="es-ES" dirty="0">
                 <a:solidFill>
                   <a:schemeClr val="tx1">
                     <a:lumMod val="95000"/>
@@ -5276,14 +7583,126 @@
               </a:rPr>
               <a:t>Benchmarking</a:t>
             </a:r>
-            <a:endParaRPr lang="es-ES" dirty="0">
-              <a:solidFill>
-                <a:schemeClr val="tx1">
-                  <a:lumMod val="95000"/>
-                  <a:lumOff val="5000"/>
-                </a:schemeClr>
-              </a:solidFill>
-            </a:endParaRPr>
+          </a:p>
+        </p:txBody>
+      </p:sp>
+      <p:sp>
+        <p:nvSpPr>
+          <p:cNvPr id="5" name="CuadroTexto 4">
+            <a:extLst>
+              <a:ext uri="{FF2B5EF4-FFF2-40B4-BE49-F238E27FC236}">
+                <a16:creationId xmlns:a16="http://schemas.microsoft.com/office/drawing/2014/main" id="{2637D40E-E502-AD93-B8A8-04B71F8DF8BE}"/>
+              </a:ext>
+            </a:extLst>
+          </p:cNvPr>
+          <p:cNvSpPr txBox="1"/>
+          <p:nvPr/>
+        </p:nvSpPr>
+        <p:spPr>
+          <a:xfrm>
+            <a:off x="3538330" y="407504"/>
+            <a:ext cx="3052439" cy="461665"/>
+          </a:xfrm>
+          <a:prstGeom prst="rect">
+            <a:avLst/>
+          </a:prstGeom>
+          <a:noFill/>
+        </p:spPr>
+        <p:txBody>
+          <a:bodyPr wrap="none" rtlCol="0">
+            <a:spAutoFit/>
+          </a:bodyPr>
+          <a:lstStyle/>
+          <a:p>
+            <a:r>
+              <a:rPr lang="ca-ES" sz="2400" noProof="1">
+                <a:latin typeface="Roboto" panose="02000000000000000000" pitchFamily="2" charset="0"/>
+                <a:ea typeface="Roboto" panose="02000000000000000000" pitchFamily="2" charset="0"/>
+              </a:rPr>
+              <a:t>Impacte dels outliers</a:t>
+            </a:r>
+          </a:p>
+        </p:txBody>
+      </p:sp>
+      <p:sp>
+        <p:nvSpPr>
+          <p:cNvPr id="7" name="CuadroTexto 6">
+            <a:extLst>
+              <a:ext uri="{FF2B5EF4-FFF2-40B4-BE49-F238E27FC236}">
+                <a16:creationId xmlns:a16="http://schemas.microsoft.com/office/drawing/2014/main" id="{BE76D56F-6820-677A-1831-CD16D4583754}"/>
+              </a:ext>
+            </a:extLst>
+          </p:cNvPr>
+          <p:cNvSpPr txBox="1"/>
+          <p:nvPr/>
+        </p:nvSpPr>
+        <p:spPr>
+          <a:xfrm>
+            <a:off x="77028" y="-1872"/>
+            <a:ext cx="6097656" cy="369332"/>
+          </a:xfrm>
+          <a:prstGeom prst="rect">
+            <a:avLst/>
+          </a:prstGeom>
+          <a:noFill/>
+        </p:spPr>
+        <p:txBody>
+          <a:bodyPr wrap="square">
+            <a:spAutoFit/>
+          </a:bodyPr>
+          <a:lstStyle/>
+          <a:p>
+            <a:r>
+              <a:rPr lang="es-ES" b="1" i="0" dirty="0" err="1">
+                <a:solidFill>
+                  <a:srgbClr val="222222"/>
+                </a:solidFill>
+                <a:effectLst/>
+                <a:latin typeface="Google Sans"/>
+              </a:rPr>
+              <a:t>State</a:t>
+            </a:r>
+            <a:r>
+              <a:rPr lang="es-ES" b="1" i="0" dirty="0">
+                <a:solidFill>
+                  <a:srgbClr val="222222"/>
+                </a:solidFill>
+                <a:effectLst/>
+                <a:latin typeface="Google Sans"/>
+              </a:rPr>
+              <a:t> </a:t>
+            </a:r>
+            <a:r>
+              <a:rPr lang="es-ES" b="1" i="0" dirty="0" err="1">
+                <a:solidFill>
+                  <a:srgbClr val="222222"/>
+                </a:solidFill>
+                <a:effectLst/>
+                <a:latin typeface="Google Sans"/>
+              </a:rPr>
+              <a:t>of</a:t>
+            </a:r>
+            <a:r>
+              <a:rPr lang="es-ES" b="1" i="0" dirty="0">
+                <a:solidFill>
+                  <a:srgbClr val="222222"/>
+                </a:solidFill>
+                <a:effectLst/>
+                <a:latin typeface="Google Sans"/>
+              </a:rPr>
+              <a:t> Art</a:t>
+            </a:r>
+            <a:r>
+              <a:rPr lang="es-ES" b="0" i="0" dirty="0">
+                <a:solidFill>
+                  <a:srgbClr val="222222"/>
+                </a:solidFill>
+                <a:effectLst/>
+                <a:latin typeface="Google Sans"/>
+              </a:rPr>
+              <a:t>:</a:t>
+            </a:r>
+            <a:endParaRPr lang="es-ES" dirty="0"/>
           </a:p>
         </p:txBody>
       </p:sp>
@@ -5375,7 +7794,7 @@
 </p:sld>
 </file>
 
-<file path=ppt/slides/slide4.xml><?xml version="1.0" encoding="utf-8"?>
+<file path=ppt/slides/slide5.xml><?xml version="1.0" encoding="utf-8"?>
 <p:sld xmlns:a="http://schemas.openxmlformats.org/drawingml/2006/main" xmlns:r="http://schemas.openxmlformats.org/officeDocument/2006/relationships" xmlns:p="http://schemas.openxmlformats.org/presentationml/2006/main">
   <p:cSld>
     <p:spTree>
@@ -5490,7 +7909,7 @@
           <a:lstStyle/>
           <a:p>
             <a:r>
-              <a:rPr lang="es-ES" dirty="0" smtClean="0">
+              <a:rPr lang="es-ES" dirty="0">
                 <a:solidFill>
                   <a:schemeClr val="tx1">
                     <a:lumMod val="95000"/>
@@ -5500,14 +7919,44 @@
               </a:rPr>
               <a:t>Benchmarking</a:t>
             </a:r>
-            <a:endParaRPr lang="es-ES" dirty="0">
-              <a:solidFill>
-                <a:schemeClr val="tx1">
-                  <a:lumMod val="95000"/>
-                  <a:lumOff val="5000"/>
-                </a:schemeClr>
-              </a:solidFill>
-            </a:endParaRPr>
+          </a:p>
+        </p:txBody>
+      </p:sp>
+      <p:sp>
+        <p:nvSpPr>
+          <p:cNvPr id="5" name="CuadroTexto 4">
+            <a:extLst>
+              <a:ext uri="{FF2B5EF4-FFF2-40B4-BE49-F238E27FC236}">
+                <a16:creationId xmlns:a16="http://schemas.microsoft.com/office/drawing/2014/main" id="{AB04A178-6B73-0A54-1378-BD01DD72DCFB}"/>
+              </a:ext>
+            </a:extLst>
+          </p:cNvPr>
+          <p:cNvSpPr txBox="1"/>
+          <p:nvPr/>
+        </p:nvSpPr>
+        <p:spPr>
+          <a:xfrm>
+            <a:off x="2171152" y="489466"/>
+            <a:ext cx="9889246" cy="461665"/>
+          </a:xfrm>
+          <a:prstGeom prst="rect">
+            <a:avLst/>
+          </a:prstGeom>
+          <a:noFill/>
+        </p:spPr>
+        <p:txBody>
+          <a:bodyPr wrap="none" rtlCol="0">
+            <a:spAutoFit/>
+          </a:bodyPr>
+          <a:lstStyle/>
+          <a:p>
+            <a:r>
+              <a:rPr lang="ca-ES" sz="2400" noProof="1">
+                <a:latin typeface="Roboto" panose="02000000000000000000" pitchFamily="2" charset="0"/>
+                <a:ea typeface="Roboto" panose="02000000000000000000" pitchFamily="2" charset="0"/>
+              </a:rPr>
+              <a:t>Comparatives de, Aeroport, mes, dia de la setmana, tipus d’avió etc, etc</a:t>
+            </a:r>
           </a:p>
         </p:txBody>
       </p:sp>
@@ -5521,17 +7970,10 @@
   <p:clrMapOvr>
     <a:masterClrMapping/>
   </p:clrMapOvr>
-  <p:timing>
-    <p:tnLst>
-      <p:par>
-        <p:cTn id="1" dur="indefinite" restart="never" nodeType="tmRoot"/>
-      </p:par>
-    </p:tnLst>
-  </p:timing>
 </p:sld>
 </file>
 
-<file path=ppt/slides/slide5.xml><?xml version="1.0" encoding="utf-8"?>
+<file path=ppt/slides/slide6.xml><?xml version="1.0" encoding="utf-8"?>
 <p:sld xmlns:a="http://schemas.openxmlformats.org/drawingml/2006/main" xmlns:r="http://schemas.openxmlformats.org/officeDocument/2006/relationships" xmlns:p="http://schemas.openxmlformats.org/presentationml/2006/main">
   <p:cSld>
     <p:spTree>
@@ -5595,7 +8037,7 @@
           <a:lstStyle/>
           <a:p>
             <a:r>
-              <a:rPr lang="es-ES" dirty="0" smtClean="0">
+              <a:rPr lang="es-ES" dirty="0">
                 <a:solidFill>
                   <a:schemeClr val="tx1">
                     <a:lumMod val="95000"/>
@@ -5605,14 +8047,6 @@
               </a:rPr>
               <a:t>Benchmarking</a:t>
             </a:r>
-            <a:endParaRPr lang="es-ES" dirty="0">
-              <a:solidFill>
-                <a:schemeClr val="tx1">
-                  <a:lumMod val="95000"/>
-                  <a:lumOff val="5000"/>
-                </a:schemeClr>
-              </a:solidFill>
-            </a:endParaRPr>
           </a:p>
         </p:txBody>
       </p:sp>
@@ -5626,17 +8060,228 @@
   <p:clrMapOvr>
     <a:masterClrMapping/>
   </p:clrMapOvr>
-  <p:timing>
-    <p:tnLst>
-      <p:par>
-        <p:cTn id="1" dur="indefinite" restart="never" nodeType="tmRoot"/>
-      </p:par>
-    </p:tnLst>
-  </p:timing>
 </p:sld>
 </file>
 
-<file path=ppt/slides/slide6.xml><?xml version="1.0" encoding="utf-8"?>
+<file path=ppt/slides/slide7.xml><?xml version="1.0" encoding="utf-8"?>
+<p:sld xmlns:a="http://schemas.openxmlformats.org/drawingml/2006/main" xmlns:r="http://schemas.openxmlformats.org/officeDocument/2006/relationships" xmlns:p="http://schemas.openxmlformats.org/presentationml/2006/main">
+  <p:cSld>
+    <p:spTree>
+      <p:nvGrpSpPr>
+        <p:cNvPr id="1" name=""/>
+        <p:cNvGrpSpPr/>
+        <p:nvPr/>
+      </p:nvGrpSpPr>
+      <p:grpSpPr>
+        <a:xfrm>
+          <a:off x="0" y="0"/>
+          <a:ext cx="0" cy="0"/>
+          <a:chOff x="0" y="0"/>
+          <a:chExt cx="0" cy="0"/>
+        </a:xfrm>
+      </p:grpSpPr>
+      <p:pic>
+        <p:nvPicPr>
+          <p:cNvPr id="7" name="Imagen 6" descr="Barcelona airport TWR / Torre de control del aeropuerto de… | Flickr">
+            <a:extLst>
+              <a:ext uri="{FF2B5EF4-FFF2-40B4-BE49-F238E27FC236}">
+                <a16:creationId xmlns:a16="http://schemas.microsoft.com/office/drawing/2014/main" id="{C3634E88-40AE-D58A-981F-339452C376CA}"/>
+              </a:ext>
+            </a:extLst>
+          </p:cNvPr>
+          <p:cNvPicPr>
+            <a:picLocks noChangeAspect="1"/>
+          </p:cNvPicPr>
+          <p:nvPr/>
+        </p:nvPicPr>
+        <p:blipFill>
+          <a:blip r:embed="rId2" cstate="print">
+            <a:extLst>
+              <a:ext uri="{28A0092B-C50C-407E-A947-70E740481C1C}">
+                <a14:useLocalDpi xmlns:a14="http://schemas.microsoft.com/office/drawing/2010/main" val="0"/>
+              </a:ext>
+            </a:extLst>
+          </a:blip>
+          <a:srcRect/>
+          <a:stretch>
+            <a:fillRect/>
+          </a:stretch>
+        </p:blipFill>
+        <p:spPr bwMode="auto">
+          <a:xfrm>
+            <a:off x="0" y="4445000"/>
+            <a:ext cx="2825115" cy="2333625"/>
+          </a:xfrm>
+          <a:prstGeom prst="rect">
+            <a:avLst/>
+          </a:prstGeom>
+          <a:noFill/>
+          <a:ln>
+            <a:noFill/>
+          </a:ln>
+        </p:spPr>
+      </p:pic>
+      <p:pic>
+        <p:nvPicPr>
+          <p:cNvPr id="2" name="Imagen 1"/>
+          <p:cNvPicPr>
+            <a:picLocks noChangeAspect="1"/>
+          </p:cNvPicPr>
+          <p:nvPr/>
+        </p:nvPicPr>
+        <p:blipFill>
+          <a:blip r:embed="rId3"/>
+          <a:stretch>
+            <a:fillRect/>
+          </a:stretch>
+        </p:blipFill>
+        <p:spPr>
+          <a:xfrm>
+            <a:off x="2372745" y="762000"/>
+            <a:ext cx="8857868" cy="5334000"/>
+          </a:xfrm>
+          <a:prstGeom prst="rect">
+            <a:avLst/>
+          </a:prstGeom>
+        </p:spPr>
+      </p:pic>
+      <p:sp>
+        <p:nvSpPr>
+          <p:cNvPr id="3" name="Rectángulo redondeado 2"/>
+          <p:cNvSpPr/>
+          <p:nvPr/>
+        </p:nvSpPr>
+        <p:spPr>
+          <a:xfrm>
+            <a:off x="9659179" y="4445000"/>
+            <a:ext cx="1333500" cy="342900"/>
+          </a:xfrm>
+          <a:prstGeom prst="roundRect">
+            <a:avLst/>
+          </a:prstGeom>
+          <a:noFill/>
+          <a:ln w="31750">
+            <a:solidFill>
+              <a:srgbClr val="FF0000"/>
+            </a:solidFill>
+          </a:ln>
+        </p:spPr>
+        <p:style>
+          <a:lnRef idx="2">
+            <a:schemeClr val="accent1">
+              <a:shade val="50000"/>
+            </a:schemeClr>
+          </a:lnRef>
+          <a:fillRef idx="1">
+            <a:schemeClr val="accent1"/>
+          </a:fillRef>
+          <a:effectRef idx="0">
+            <a:schemeClr val="accent1"/>
+          </a:effectRef>
+          <a:fontRef idx="minor">
+            <a:schemeClr val="lt1"/>
+          </a:fontRef>
+        </p:style>
+        <p:txBody>
+          <a:bodyPr rtlCol="0" anchor="ctr"/>
+          <a:lstStyle/>
+          <a:p>
+            <a:pPr algn="ctr"/>
+            <a:endParaRPr lang="es-ES"/>
+          </a:p>
+        </p:txBody>
+      </p:sp>
+      <p:sp>
+        <p:nvSpPr>
+          <p:cNvPr id="4" name="CuadroTexto 3"/>
+          <p:cNvSpPr txBox="1"/>
+          <p:nvPr/>
+        </p:nvSpPr>
+        <p:spPr>
+          <a:xfrm>
+            <a:off x="419100" y="304800"/>
+            <a:ext cx="1529586" cy="369332"/>
+          </a:xfrm>
+          <a:prstGeom prst="rect">
+            <a:avLst/>
+          </a:prstGeom>
+          <a:noFill/>
+        </p:spPr>
+        <p:txBody>
+          <a:bodyPr wrap="none" rtlCol="0">
+            <a:spAutoFit/>
+          </a:bodyPr>
+          <a:lstStyle/>
+          <a:p>
+            <a:r>
+              <a:rPr lang="es-ES" dirty="0">
+                <a:solidFill>
+                  <a:schemeClr val="tx1">
+                    <a:lumMod val="95000"/>
+                    <a:lumOff val="5000"/>
+                  </a:schemeClr>
+                </a:solidFill>
+              </a:rPr>
+              <a:t>Benchmarking</a:t>
+            </a:r>
+          </a:p>
+        </p:txBody>
+      </p:sp>
+      <p:cxnSp>
+        <p:nvCxnSpPr>
+          <p:cNvPr id="6" name="Conector recto 5">
+            <a:extLst>
+              <a:ext uri="{FF2B5EF4-FFF2-40B4-BE49-F238E27FC236}">
+                <a16:creationId xmlns:a16="http://schemas.microsoft.com/office/drawing/2014/main" id="{6C420B91-6722-82E9-5678-7D124F9BB032}"/>
+              </a:ext>
+            </a:extLst>
+          </p:cNvPr>
+          <p:cNvCxnSpPr/>
+          <p:nvPr/>
+        </p:nvCxnSpPr>
+        <p:spPr>
+          <a:xfrm>
+            <a:off x="6706984" y="1020932"/>
+            <a:ext cx="1376039" cy="0"/>
+          </a:xfrm>
+          <a:prstGeom prst="line">
+            <a:avLst/>
+          </a:prstGeom>
+          <a:ln w="31750">
+            <a:solidFill>
+              <a:srgbClr val="C00000"/>
+            </a:solidFill>
+          </a:ln>
+        </p:spPr>
+        <p:style>
+          <a:lnRef idx="1">
+            <a:schemeClr val="accent1"/>
+          </a:lnRef>
+          <a:fillRef idx="0">
+            <a:schemeClr val="accent1"/>
+          </a:fillRef>
+          <a:effectRef idx="0">
+            <a:schemeClr val="accent1"/>
+          </a:effectRef>
+          <a:fontRef idx="minor">
+            <a:schemeClr val="tx1"/>
+          </a:fontRef>
+        </p:style>
+      </p:cxnSp>
+    </p:spTree>
+    <p:extLst>
+      <p:ext uri="{BB962C8B-B14F-4D97-AF65-F5344CB8AC3E}">
+        <p14:creationId xmlns:p14="http://schemas.microsoft.com/office/powerpoint/2010/main" val="2385920651"/>
+      </p:ext>
+    </p:extLst>
+  </p:cSld>
+  <p:clrMapOvr>
+    <a:masterClrMapping/>
+  </p:clrMapOvr>
+</p:sld>
+</file>
+
+<file path=ppt/slides/slide8.xml><?xml version="1.0" encoding="utf-8"?>
 <p:sld xmlns:a="http://schemas.openxmlformats.org/drawingml/2006/main" xmlns:r="http://schemas.openxmlformats.org/officeDocument/2006/relationships" xmlns:p="http://schemas.openxmlformats.org/presentationml/2006/main">
   <p:cSld>
     <p:spTree>
@@ -5669,157 +8314,6 @@
         </p:blipFill>
         <p:spPr>
           <a:xfrm>
-            <a:off x="1667066" y="762000"/>
-            <a:ext cx="8857868" cy="5334000"/>
-          </a:xfrm>
-          <a:prstGeom prst="rect">
-            <a:avLst/>
-          </a:prstGeom>
-        </p:spPr>
-      </p:pic>
-      <p:sp>
-        <p:nvSpPr>
-          <p:cNvPr id="3" name="Rectángulo redondeado 2"/>
-          <p:cNvSpPr/>
-          <p:nvPr/>
-        </p:nvSpPr>
-        <p:spPr>
-          <a:xfrm>
-            <a:off x="8953500" y="4445000"/>
-            <a:ext cx="1333500" cy="342900"/>
-          </a:xfrm>
-          <a:prstGeom prst="roundRect">
-            <a:avLst/>
-          </a:prstGeom>
-          <a:noFill/>
-          <a:ln w="31750">
-            <a:solidFill>
-              <a:srgbClr val="FF0000"/>
-            </a:solidFill>
-          </a:ln>
-        </p:spPr>
-        <p:style>
-          <a:lnRef idx="2">
-            <a:schemeClr val="accent1">
-              <a:shade val="50000"/>
-            </a:schemeClr>
-          </a:lnRef>
-          <a:fillRef idx="1">
-            <a:schemeClr val="accent1"/>
-          </a:fillRef>
-          <a:effectRef idx="0">
-            <a:schemeClr val="accent1"/>
-          </a:effectRef>
-          <a:fontRef idx="minor">
-            <a:schemeClr val="lt1"/>
-          </a:fontRef>
-        </p:style>
-        <p:txBody>
-          <a:bodyPr rtlCol="0" anchor="ctr"/>
-          <a:lstStyle/>
-          <a:p>
-            <a:pPr algn="ctr"/>
-            <a:endParaRPr lang="es-ES"/>
-          </a:p>
-        </p:txBody>
-      </p:sp>
-      <p:sp>
-        <p:nvSpPr>
-          <p:cNvPr id="4" name="CuadroTexto 3"/>
-          <p:cNvSpPr txBox="1"/>
-          <p:nvPr/>
-        </p:nvSpPr>
-        <p:spPr>
-          <a:xfrm>
-            <a:off x="419100" y="304800"/>
-            <a:ext cx="1529586" cy="369332"/>
-          </a:xfrm>
-          <a:prstGeom prst="rect">
-            <a:avLst/>
-          </a:prstGeom>
-          <a:noFill/>
-        </p:spPr>
-        <p:txBody>
-          <a:bodyPr wrap="none" rtlCol="0">
-            <a:spAutoFit/>
-          </a:bodyPr>
-          <a:lstStyle/>
-          <a:p>
-            <a:r>
-              <a:rPr lang="es-ES" dirty="0" smtClean="0">
-                <a:solidFill>
-                  <a:schemeClr val="tx1">
-                    <a:lumMod val="95000"/>
-                    <a:lumOff val="5000"/>
-                  </a:schemeClr>
-                </a:solidFill>
-              </a:rPr>
-              <a:t>Benchmarking</a:t>
-            </a:r>
-            <a:endParaRPr lang="es-ES" dirty="0">
-              <a:solidFill>
-                <a:schemeClr val="tx1">
-                  <a:lumMod val="95000"/>
-                  <a:lumOff val="5000"/>
-                </a:schemeClr>
-              </a:solidFill>
-            </a:endParaRPr>
-          </a:p>
-        </p:txBody>
-      </p:sp>
-    </p:spTree>
-    <p:extLst>
-      <p:ext uri="{BB962C8B-B14F-4D97-AF65-F5344CB8AC3E}">
-        <p14:creationId xmlns:p14="http://schemas.microsoft.com/office/powerpoint/2010/main" val="2385920651"/>
-      </p:ext>
-    </p:extLst>
-  </p:cSld>
-  <p:clrMapOvr>
-    <a:masterClrMapping/>
-  </p:clrMapOvr>
-  <p:timing>
-    <p:tnLst>
-      <p:par>
-        <p:cTn id="1" dur="indefinite" restart="never" nodeType="tmRoot"/>
-      </p:par>
-    </p:tnLst>
-  </p:timing>
-</p:sld>
-</file>
-
-<file path=ppt/slides/slide7.xml><?xml version="1.0" encoding="utf-8"?>
-<p:sld xmlns:a="http://schemas.openxmlformats.org/drawingml/2006/main" xmlns:r="http://schemas.openxmlformats.org/officeDocument/2006/relationships" xmlns:p="http://schemas.openxmlformats.org/presentationml/2006/main">
-  <p:cSld>
-    <p:spTree>
-      <p:nvGrpSpPr>
-        <p:cNvPr id="1" name=""/>
-        <p:cNvGrpSpPr/>
-        <p:nvPr/>
-      </p:nvGrpSpPr>
-      <p:grpSpPr>
-        <a:xfrm>
-          <a:off x="0" y="0"/>
-          <a:ext cx="0" cy="0"/>
-          <a:chOff x="0" y="0"/>
-          <a:chExt cx="0" cy="0"/>
-        </a:xfrm>
-      </p:grpSpPr>
-      <p:pic>
-        <p:nvPicPr>
-          <p:cNvPr id="2" name="Imagen 1"/>
-          <p:cNvPicPr>
-            <a:picLocks noChangeAspect="1"/>
-          </p:cNvPicPr>
-          <p:nvPr/>
-        </p:nvPicPr>
-        <p:blipFill>
-          <a:blip r:embed="rId2"/>
-          <a:stretch>
-            <a:fillRect/>
-          </a:stretch>
-        </p:blipFill>
-        <p:spPr>
-          <a:xfrm>
             <a:off x="509153" y="4953001"/>
             <a:ext cx="9486230" cy="1737062"/>
           </a:xfrm>
@@ -5875,18 +8369,57 @@
           <a:lstStyle/>
           <a:p>
             <a:r>
-              <a:rPr lang="ca-ES" dirty="0" smtClean="0">
+              <a:rPr lang="ca-ES" dirty="0">
                 <a:solidFill>
                   <a:srgbClr val="0070C0"/>
                 </a:solidFill>
               </a:rPr>
               <a:t>Estudis de capacitat del procés</a:t>
             </a:r>
-            <a:endParaRPr lang="ca-ES" dirty="0">
-              <a:solidFill>
-                <a:srgbClr val="0070C0"/>
-              </a:solidFill>
-            </a:endParaRPr>
+          </a:p>
+        </p:txBody>
+      </p:sp>
+      <p:sp>
+        <p:nvSpPr>
+          <p:cNvPr id="3" name="CuadroTexto 2">
+            <a:extLst>
+              <a:ext uri="{FF2B5EF4-FFF2-40B4-BE49-F238E27FC236}">
+                <a16:creationId xmlns:a16="http://schemas.microsoft.com/office/drawing/2014/main" id="{8DF0C81F-5DE9-861A-28F4-F1FB772E47F3}"/>
+              </a:ext>
+            </a:extLst>
+          </p:cNvPr>
+          <p:cNvSpPr txBox="1"/>
+          <p:nvPr/>
+        </p:nvSpPr>
+        <p:spPr>
+          <a:xfrm>
+            <a:off x="180561" y="532493"/>
+            <a:ext cx="1529586" cy="369332"/>
+          </a:xfrm>
+          <a:prstGeom prst="rect">
+            <a:avLst/>
+          </a:prstGeom>
+          <a:solidFill>
+            <a:schemeClr val="bg1"/>
+          </a:solidFill>
+        </p:spPr>
+        <p:txBody>
+          <a:bodyPr wrap="none" rtlCol="0">
+            <a:spAutoFit/>
+          </a:bodyPr>
+          <a:lstStyle/>
+          <a:p>
+            <a:r>
+              <a:rPr lang="es-ES" dirty="0">
+                <a:solidFill>
+                  <a:schemeClr val="tx1">
+                    <a:lumMod val="95000"/>
+                    <a:lumOff val="5000"/>
+                  </a:schemeClr>
+                </a:solidFill>
+              </a:rPr>
+              <a:t>Benchmarking</a:t>
+            </a:r>
           </a:p>
         </p:txBody>
       </p:sp>
@@ -5900,111 +8433,6 @@
   <p:clrMapOvr>
     <a:masterClrMapping/>
   </p:clrMapOvr>
-  <p:timing>
-    <p:tnLst>
-      <p:par>
-        <p:cTn id="1" dur="indefinite" restart="never" nodeType="tmRoot"/>
-      </p:par>
-    </p:tnLst>
-  </p:timing>
-</p:sld>
-</file>
-
-<file path=ppt/slides/slide8.xml><?xml version="1.0" encoding="utf-8"?>
-<p:sld xmlns:a="http://schemas.openxmlformats.org/drawingml/2006/main" xmlns:r="http://schemas.openxmlformats.org/officeDocument/2006/relationships" xmlns:p="http://schemas.openxmlformats.org/presentationml/2006/main">
-  <p:cSld>
-    <p:spTree>
-      <p:nvGrpSpPr>
-        <p:cNvPr id="1" name=""/>
-        <p:cNvGrpSpPr/>
-        <p:nvPr/>
-      </p:nvGrpSpPr>
-      <p:grpSpPr>
-        <a:xfrm>
-          <a:off x="0" y="0"/>
-          <a:ext cx="0" cy="0"/>
-          <a:chOff x="0" y="0"/>
-          <a:chExt cx="0" cy="0"/>
-        </a:xfrm>
-      </p:grpSpPr>
-      <p:sp>
-        <p:nvSpPr>
-          <p:cNvPr id="2" name="CuadroTexto 1"/>
-          <p:cNvSpPr txBox="1"/>
-          <p:nvPr/>
-        </p:nvSpPr>
-        <p:spPr>
-          <a:xfrm>
-            <a:off x="628773" y="312568"/>
-            <a:ext cx="9331657" cy="369332"/>
-          </a:xfrm>
-          <a:prstGeom prst="rect">
-            <a:avLst/>
-          </a:prstGeom>
-          <a:noFill/>
-        </p:spPr>
-        <p:txBody>
-          <a:bodyPr wrap="none" rtlCol="0">
-            <a:spAutoFit/>
-          </a:bodyPr>
-          <a:lstStyle/>
-          <a:p>
-            <a:r>
-              <a:rPr lang="ca-ES" dirty="0" smtClean="0">
-                <a:solidFill>
-                  <a:srgbClr val="0070C0"/>
-                </a:solidFill>
-              </a:rPr>
-              <a:t>1.- Preprocessador de BBDD per fer totes el càlculs de temps, aeroports, rutes més freqüents, etc. </a:t>
-            </a:r>
-            <a:endParaRPr lang="ca-ES" dirty="0">
-              <a:solidFill>
-                <a:srgbClr val="0070C0"/>
-              </a:solidFill>
-            </a:endParaRPr>
-          </a:p>
-        </p:txBody>
-      </p:sp>
-      <p:pic>
-        <p:nvPicPr>
-          <p:cNvPr id="3" name="Imagen 2"/>
-          <p:cNvPicPr>
-            <a:picLocks noChangeAspect="1"/>
-          </p:cNvPicPr>
-          <p:nvPr/>
-        </p:nvPicPr>
-        <p:blipFill rotWithShape="1">
-          <a:blip r:embed="rId2"/>
-          <a:srcRect t="5893"/>
-          <a:stretch/>
-        </p:blipFill>
-        <p:spPr>
-          <a:xfrm>
-            <a:off x="628773" y="681900"/>
-            <a:ext cx="9885176" cy="6176100"/>
-          </a:xfrm>
-          <a:prstGeom prst="rect">
-            <a:avLst/>
-          </a:prstGeom>
-        </p:spPr>
-      </p:pic>
-    </p:spTree>
-    <p:extLst>
-      <p:ext uri="{BB962C8B-B14F-4D97-AF65-F5344CB8AC3E}">
-        <p14:creationId xmlns:p14="http://schemas.microsoft.com/office/powerpoint/2010/main" val="1863734338"/>
-      </p:ext>
-    </p:extLst>
-  </p:cSld>
-  <p:clrMapOvr>
-    <a:masterClrMapping/>
-  </p:clrMapOvr>
-  <p:timing>
-    <p:tnLst>
-      <p:par>
-        <p:cTn id="1" dur="indefinite" restart="never" nodeType="tmRoot"/>
-      </p:par>
-    </p:tnLst>
-  </p:timing>
 </p:sld>
 </file>
 
@@ -6025,47 +8453,385 @@
           <a:chExt cx="0" cy="0"/>
         </a:xfrm>
       </p:grpSpPr>
+      <p:sp>
+        <p:nvSpPr>
+          <p:cNvPr id="2" name="CuadroTexto 1"/>
+          <p:cNvSpPr txBox="1"/>
+          <p:nvPr/>
+        </p:nvSpPr>
+        <p:spPr>
+          <a:xfrm>
+            <a:off x="628773" y="312568"/>
+            <a:ext cx="9556847" cy="369332"/>
+          </a:xfrm>
+          <a:prstGeom prst="rect">
+            <a:avLst/>
+          </a:prstGeom>
+          <a:noFill/>
+        </p:spPr>
+        <p:txBody>
+          <a:bodyPr wrap="none" rtlCol="0">
+            <a:spAutoFit/>
+          </a:bodyPr>
+          <a:lstStyle/>
+          <a:p>
+            <a:r>
+              <a:rPr lang="ca-ES" dirty="0">
+                <a:solidFill>
+                  <a:srgbClr val="0070C0"/>
+                </a:solidFill>
+              </a:rPr>
+              <a:t>Busco la </a:t>
+            </a:r>
+            <a:r>
+              <a:rPr lang="ca-ES" dirty="0" err="1">
+                <a:solidFill>
+                  <a:srgbClr val="0070C0"/>
+                </a:solidFill>
+              </a:rPr>
+              <a:t>correlacío</a:t>
+            </a:r>
+            <a:r>
+              <a:rPr lang="ca-ES" dirty="0">
+                <a:solidFill>
+                  <a:srgbClr val="0070C0"/>
+                </a:solidFill>
+              </a:rPr>
+              <a:t> de BBDD per fer tots els càlculs de temps, aeroports, rutes més freqüents, etc. </a:t>
+            </a:r>
+          </a:p>
+        </p:txBody>
+      </p:sp>
       <p:pic>
         <p:nvPicPr>
-          <p:cNvPr id="2" name="Imagen 1"/>
+          <p:cNvPr id="3" name="Imagen 2"/>
           <p:cNvPicPr>
             <a:picLocks noChangeAspect="1"/>
           </p:cNvPicPr>
           <p:nvPr/>
         </p:nvPicPr>
-        <p:blipFill>
+        <p:blipFill rotWithShape="1">
           <a:blip r:embed="rId2"/>
-          <a:stretch>
-            <a:fillRect/>
-          </a:stretch>
+          <a:srcRect t="5893"/>
+          <a:stretch/>
         </p:blipFill>
         <p:spPr>
           <a:xfrm>
-            <a:off x="1114431" y="653144"/>
-            <a:ext cx="9963138" cy="5551712"/>
+            <a:off x="628773" y="681900"/>
+            <a:ext cx="9885176" cy="6176100"/>
           </a:xfrm>
           <a:prstGeom prst="rect">
             <a:avLst/>
           </a:prstGeom>
         </p:spPr>
       </p:pic>
+      <p:grpSp>
+        <p:nvGrpSpPr>
+          <p:cNvPr id="4" name="Grupo 3">
+            <a:extLst>
+              <a:ext uri="{FF2B5EF4-FFF2-40B4-BE49-F238E27FC236}">
+                <a16:creationId xmlns:a16="http://schemas.microsoft.com/office/drawing/2014/main" id="{3A60D110-BE2F-AC68-5171-E210C8FE234E}"/>
+              </a:ext>
+            </a:extLst>
+          </p:cNvPr>
+          <p:cNvGrpSpPr/>
+          <p:nvPr/>
+        </p:nvGrpSpPr>
+        <p:grpSpPr>
+          <a:xfrm>
+            <a:off x="9079451" y="5896803"/>
+            <a:ext cx="2868996" cy="871780"/>
+            <a:chOff x="7837692" y="5526970"/>
+            <a:chExt cx="1675770" cy="375650"/>
+          </a:xfrm>
+        </p:grpSpPr>
+        <p:sp>
+          <p:nvSpPr>
+            <p:cNvPr id="5" name="Rectangle 1">
+              <a:extLst>
+                <a:ext uri="{FF2B5EF4-FFF2-40B4-BE49-F238E27FC236}">
+                  <a16:creationId xmlns:a16="http://schemas.microsoft.com/office/drawing/2014/main" id="{C9072186-0B05-EFB9-BC7A-03D071F4FE0A}"/>
+                </a:ext>
+              </a:extLst>
+            </p:cNvPr>
+            <p:cNvSpPr/>
+            <p:nvPr/>
+          </p:nvSpPr>
+          <p:spPr>
+            <a:xfrm>
+              <a:off x="8445164" y="5526970"/>
+              <a:ext cx="504229" cy="308376"/>
+            </a:xfrm>
+            <a:prstGeom prst="rect">
+              <a:avLst/>
+            </a:prstGeom>
+          </p:spPr>
+          <p:style>
+            <a:lnRef idx="2">
+              <a:schemeClr val="accent1">
+                <a:shade val="50000"/>
+              </a:schemeClr>
+            </a:lnRef>
+            <a:fillRef idx="1">
+              <a:schemeClr val="accent1"/>
+            </a:fillRef>
+            <a:effectRef idx="0">
+              <a:schemeClr val="accent1"/>
+            </a:effectRef>
+            <a:fontRef idx="minor">
+              <a:schemeClr val="lt1"/>
+            </a:fontRef>
+          </p:style>
+          <p:txBody>
+            <a:bodyPr rtlCol="0" anchor="ctr"/>
+            <a:lstStyle/>
+            <a:p>
+              <a:pPr algn="ctr"/>
+              <a:r>
+                <a:rPr lang="en-GB" sz="1400" dirty="0"/>
+                <a:t>1</a:t>
+              </a:r>
+            </a:p>
+          </p:txBody>
+        </p:sp>
+        <p:sp>
+          <p:nvSpPr>
+            <p:cNvPr id="6" name="Arrow: Right 2">
+              <a:extLst>
+                <a:ext uri="{FF2B5EF4-FFF2-40B4-BE49-F238E27FC236}">
+                  <a16:creationId xmlns:a16="http://schemas.microsoft.com/office/drawing/2014/main" id="{6E8803DF-E0B8-3C17-2E91-30F68F94FBD1}"/>
+                </a:ext>
+              </a:extLst>
+            </p:cNvPr>
+            <p:cNvSpPr/>
+            <p:nvPr/>
+          </p:nvSpPr>
+          <p:spPr>
+            <a:xfrm>
+              <a:off x="8269936" y="5644878"/>
+              <a:ext cx="146620" cy="105438"/>
+            </a:xfrm>
+            <a:prstGeom prst="rightArrow">
+              <a:avLst/>
+            </a:prstGeom>
+          </p:spPr>
+          <p:style>
+            <a:lnRef idx="2">
+              <a:schemeClr val="accent1">
+                <a:shade val="50000"/>
+              </a:schemeClr>
+            </a:lnRef>
+            <a:fillRef idx="1">
+              <a:schemeClr val="accent1"/>
+            </a:fillRef>
+            <a:effectRef idx="0">
+              <a:schemeClr val="accent1"/>
+            </a:effectRef>
+            <a:fontRef idx="minor">
+              <a:schemeClr val="lt1"/>
+            </a:fontRef>
+          </p:style>
+          <p:txBody>
+            <a:bodyPr rtlCol="0" anchor="ctr"/>
+            <a:lstStyle/>
+            <a:p>
+              <a:pPr algn="ctr"/>
+              <a:endParaRPr lang="en-GB" sz="1400"/>
+            </a:p>
+          </p:txBody>
+        </p:sp>
+        <p:sp>
+          <p:nvSpPr>
+            <p:cNvPr id="7" name="Arrow: Right 3">
+              <a:extLst>
+                <a:ext uri="{FF2B5EF4-FFF2-40B4-BE49-F238E27FC236}">
+                  <a16:creationId xmlns:a16="http://schemas.microsoft.com/office/drawing/2014/main" id="{52A223DE-454B-1E47-4CCB-AE78CD784E66}"/>
+                </a:ext>
+              </a:extLst>
+            </p:cNvPr>
+            <p:cNvSpPr/>
+            <p:nvPr/>
+          </p:nvSpPr>
+          <p:spPr>
+            <a:xfrm>
+              <a:off x="8989922" y="5644878"/>
+              <a:ext cx="146620" cy="105438"/>
+            </a:xfrm>
+            <a:prstGeom prst="rightArrow">
+              <a:avLst/>
+            </a:prstGeom>
+          </p:spPr>
+          <p:style>
+            <a:lnRef idx="2">
+              <a:schemeClr val="accent1">
+                <a:shade val="50000"/>
+              </a:schemeClr>
+            </a:lnRef>
+            <a:fillRef idx="1">
+              <a:schemeClr val="accent1"/>
+            </a:fillRef>
+            <a:effectRef idx="0">
+              <a:schemeClr val="accent1"/>
+            </a:effectRef>
+            <a:fontRef idx="minor">
+              <a:schemeClr val="lt1"/>
+            </a:fontRef>
+          </p:style>
+          <p:txBody>
+            <a:bodyPr rtlCol="0" anchor="ctr"/>
+            <a:lstStyle/>
+            <a:p>
+              <a:pPr algn="ctr"/>
+              <a:endParaRPr lang="en-GB" sz="1400"/>
+            </a:p>
+          </p:txBody>
+        </p:sp>
+        <p:grpSp>
+          <p:nvGrpSpPr>
+            <p:cNvPr id="8" name="Group 26">
+              <a:extLst>
+                <a:ext uri="{FF2B5EF4-FFF2-40B4-BE49-F238E27FC236}">
+                  <a16:creationId xmlns:a16="http://schemas.microsoft.com/office/drawing/2014/main" id="{5D30359F-3FF8-A130-27AE-68A7F3B28C88}"/>
+                </a:ext>
+              </a:extLst>
+            </p:cNvPr>
+            <p:cNvGrpSpPr/>
+            <p:nvPr/>
+          </p:nvGrpSpPr>
+          <p:grpSpPr>
+            <a:xfrm>
+              <a:off x="7837692" y="5534825"/>
+              <a:ext cx="1675770" cy="367795"/>
+              <a:chOff x="599477" y="2083874"/>
+              <a:chExt cx="3857113" cy="720000"/>
+            </a:xfrm>
+          </p:grpSpPr>
+          <p:pic>
+            <p:nvPicPr>
+              <p:cNvPr id="9" name="Picture 23" descr="A black rectangle with a black background&#10;&#10;Description automatically generated with low confidence">
+                <a:extLst>
+                  <a:ext uri="{FF2B5EF4-FFF2-40B4-BE49-F238E27FC236}">
+                    <a16:creationId xmlns:a16="http://schemas.microsoft.com/office/drawing/2014/main" id="{EB78C2C6-791A-9493-F17F-071DF7936966}"/>
+                  </a:ext>
+                </a:extLst>
+              </p:cNvPr>
+              <p:cNvPicPr>
+                <a:picLocks noChangeAspect="1"/>
+              </p:cNvPicPr>
+              <p:nvPr/>
+            </p:nvPicPr>
+            <p:blipFill>
+              <a:blip r:embed="rId3" cstate="print">
+                <a:extLst>
+                  <a:ext uri="{28A0092B-C50C-407E-A947-70E740481C1C}">
+                    <a14:useLocalDpi xmlns:a14="http://schemas.microsoft.com/office/drawing/2010/main" val="0"/>
+                  </a:ext>
+                </a:extLst>
+              </a:blip>
+              <a:stretch>
+                <a:fillRect/>
+              </a:stretch>
+            </p:blipFill>
+            <p:spPr>
+              <a:xfrm>
+                <a:off x="3736590" y="2083874"/>
+                <a:ext cx="720000" cy="720000"/>
+              </a:xfrm>
+              <a:prstGeom prst="rect">
+                <a:avLst/>
+              </a:prstGeom>
+            </p:spPr>
+          </p:pic>
+          <p:pic>
+            <p:nvPicPr>
+              <p:cNvPr id="10" name="Picture 25" descr="A black rectangle with a black background&#10;&#10;Description automatically generated with low confidence">
+                <a:extLst>
+                  <a:ext uri="{FF2B5EF4-FFF2-40B4-BE49-F238E27FC236}">
+                    <a16:creationId xmlns:a16="http://schemas.microsoft.com/office/drawing/2014/main" id="{41B4393B-E20F-FD26-484D-A8FEBBA38507}"/>
+                  </a:ext>
+                </a:extLst>
+              </p:cNvPr>
+              <p:cNvPicPr>
+                <a:picLocks noChangeAspect="1"/>
+              </p:cNvPicPr>
+              <p:nvPr/>
+            </p:nvPicPr>
+            <p:blipFill>
+              <a:blip r:embed="rId4" cstate="print">
+                <a:extLst>
+                  <a:ext uri="{28A0092B-C50C-407E-A947-70E740481C1C}">
+                    <a14:useLocalDpi xmlns:a14="http://schemas.microsoft.com/office/drawing/2010/main" val="0"/>
+                  </a:ext>
+                </a:extLst>
+              </a:blip>
+              <a:stretch>
+                <a:fillRect/>
+              </a:stretch>
+            </p:blipFill>
+            <p:spPr>
+              <a:xfrm>
+                <a:off x="599477" y="2083874"/>
+                <a:ext cx="720000" cy="720000"/>
+              </a:xfrm>
+              <a:prstGeom prst="rect">
+                <a:avLst/>
+              </a:prstGeom>
+            </p:spPr>
+          </p:pic>
+        </p:grpSp>
+      </p:grpSp>
+      <p:sp>
+        <p:nvSpPr>
+          <p:cNvPr id="12" name="CuadroTexto 11">
+            <a:extLst>
+              <a:ext uri="{FF2B5EF4-FFF2-40B4-BE49-F238E27FC236}">
+                <a16:creationId xmlns:a16="http://schemas.microsoft.com/office/drawing/2014/main" id="{74B8589D-C579-C57D-A582-5704D0133C22}"/>
+              </a:ext>
+            </a:extLst>
+          </p:cNvPr>
+          <p:cNvSpPr txBox="1"/>
+          <p:nvPr/>
+        </p:nvSpPr>
+        <p:spPr>
+          <a:xfrm>
+            <a:off x="-1656" y="0"/>
+            <a:ext cx="6097656" cy="369332"/>
+          </a:xfrm>
+          <a:prstGeom prst="rect">
+            <a:avLst/>
+          </a:prstGeom>
+          <a:noFill/>
+        </p:spPr>
+        <p:txBody>
+          <a:bodyPr wrap="square">
+            <a:spAutoFit/>
+          </a:bodyPr>
+          <a:lstStyle/>
+          <a:p>
+            <a:r>
+              <a:rPr lang="es-ES" b="1" i="0" dirty="0" err="1">
+                <a:solidFill>
+                  <a:srgbClr val="222222"/>
+                </a:solidFill>
+                <a:effectLst/>
+                <a:latin typeface="Google Sans"/>
+              </a:rPr>
+              <a:t>Metodologia</a:t>
+            </a:r>
+            <a:endParaRPr lang="es-ES" dirty="0"/>
+          </a:p>
+        </p:txBody>
+      </p:sp>
     </p:spTree>
     <p:extLst>
       <p:ext uri="{BB962C8B-B14F-4D97-AF65-F5344CB8AC3E}">
-        <p14:creationId xmlns:p14="http://schemas.microsoft.com/office/powerpoint/2010/main" val="136354546"/>
+        <p14:creationId xmlns:p14="http://schemas.microsoft.com/office/powerpoint/2010/main" val="1863734338"/>
       </p:ext>
     </p:extLst>
   </p:cSld>
   <p:clrMapOvr>
     <a:masterClrMapping/>
   </p:clrMapOvr>
-  <p:timing>
-    <p:tnLst>
-      <p:par>
-        <p:cTn id="1" dur="indefinite" restart="never" nodeType="tmRoot"/>
-      </p:par>
-    </p:tnLst>
-  </p:timing>
 </p:sld>
 </file>
 
@@ -6361,4 +9127,299 @@
     </a:ext>
   </a:extLst>
 </a:theme>
+</file>
+
+<file path=ppt/theme/theme2.xml><?xml version="1.0" encoding="utf-8"?>
+<a:theme xmlns:a="http://schemas.openxmlformats.org/drawingml/2006/main" name="Tema de Office">
+  <a:themeElements>
+    <a:clrScheme name="Office">
+      <a:dk1>
+        <a:sysClr val="windowText" lastClr="000000"/>
+      </a:dk1>
+      <a:lt1>
+        <a:sysClr val="window" lastClr="FFFFFF"/>
+      </a:lt1>
+      <a:dk2>
+        <a:srgbClr val="44546A"/>
+      </a:dk2>
+      <a:lt2>
+        <a:srgbClr val="E7E6E6"/>
+      </a:lt2>
+      <a:accent1>
+        <a:srgbClr val="4472C4"/>
+      </a:accent1>
+      <a:accent2>
+        <a:srgbClr val="ED7D31"/>
+      </a:accent2>
+      <a:accent3>
+        <a:srgbClr val="A5A5A5"/>
+      </a:accent3>
+      <a:accent4>
+        <a:srgbClr val="FFC000"/>
+      </a:accent4>
+      <a:accent5>
+        <a:srgbClr val="5B9BD5"/>
+      </a:accent5>
+      <a:accent6>
+        <a:srgbClr val="70AD47"/>
+      </a:accent6>
+      <a:hlink>
+        <a:srgbClr val="0563C1"/>
+      </a:hlink>
+      <a:folHlink>
+        <a:srgbClr val="954F72"/>
+      </a:folHlink>
+    </a:clrScheme>
+    <a:fontScheme name="Office">
+      <a:majorFont>
+        <a:latin typeface="Calibri Light" panose="020F0302020204030204"/>
+        <a:ea typeface=""/>
+        <a:cs typeface=""/>
+        <a:font script="Jpan" typeface="游ゴシック Light"/>
+        <a:font script="Hang" typeface="맑은 고딕"/>
+        <a:font script="Hans" typeface="等线 Light"/>
+        <a:font script="Hant" typeface="新細明體"/>
+        <a:font script="Arab" typeface="Times New Roman"/>
+        <a:font script="Hebr" typeface="Times New Roman"/>
+        <a:font script="Thai" typeface="Angsana New"/>
+        <a:font script="Ethi" typeface="Nyala"/>
+        <a:font script="Beng" typeface="Vrinda"/>
+        <a:font script="Gujr" typeface="Shruti"/>
+        <a:font script="Khmr" typeface="MoolBoran"/>
+        <a:font script="Knda" typeface="Tunga"/>
+        <a:font script="Guru" typeface="Raavi"/>
+        <a:font script="Cans" typeface="Euphemia"/>
+        <a:font script="Cher" typeface="Plantagenet Cherokee"/>
+        <a:font script="Yiii" typeface="Microsoft Yi Baiti"/>
+        <a:font script="Tibt" typeface="Microsoft Himalaya"/>
+        <a:font script="Thaa" typeface="MV Boli"/>
+        <a:font script="Deva" typeface="Mangal"/>
+        <a:font script="Telu" typeface="Gautami"/>
+        <a:font script="Taml" typeface="Latha"/>
+        <a:font script="Syrc" typeface="Estrangelo Edessa"/>
+        <a:font script="Orya" typeface="Kalinga"/>
+        <a:font script="Mlym" typeface="Kartika"/>
+        <a:font script="Laoo" typeface="DokChampa"/>
+        <a:font script="Sinh" typeface="Iskoola Pota"/>
+        <a:font script="Mong" typeface="Mongolian Baiti"/>
+        <a:font script="Viet" typeface="Times New Roman"/>
+        <a:font script="Uigh" typeface="Microsoft Uighur"/>
+        <a:font script="Geor" typeface="Sylfaen"/>
+        <a:font script="Armn" typeface="Arial"/>
+        <a:font script="Bugi" typeface="Leelawadee UI"/>
+        <a:font script="Bopo" typeface="Microsoft JhengHei"/>
+        <a:font script="Java" typeface="Javanese Text"/>
+        <a:font script="Lisu" typeface="Segoe UI"/>
+        <a:font script="Mymr" typeface="Myanmar Text"/>
+        <a:font script="Nkoo" typeface="Ebrima"/>
+        <a:font script="Olck" typeface="Nirmala UI"/>
+        <a:font script="Osma" typeface="Ebrima"/>
+        <a:font script="Phag" typeface="Phagspa"/>
+        <a:font script="Syrn" typeface="Estrangelo Edessa"/>
+        <a:font script="Syrj" typeface="Estrangelo Edessa"/>
+        <a:font script="Syre" typeface="Estrangelo Edessa"/>
+        <a:font script="Sora" typeface="Nirmala UI"/>
+        <a:font script="Tale" typeface="Microsoft Tai Le"/>
+        <a:font script="Talu" typeface="Microsoft New Tai Lue"/>
+        <a:font script="Tfng" typeface="Ebrima"/>
+      </a:majorFont>
+      <a:minorFont>
+        <a:latin typeface="Calibri" panose="020F0502020204030204"/>
+        <a:ea typeface=""/>
+        <a:cs typeface=""/>
+        <a:font script="Jpan" typeface="游ゴシック"/>
+        <a:font script="Hang" typeface="맑은 고딕"/>
+        <a:font script="Hans" typeface="等线"/>
+        <a:font script="Hant" typeface="新細明體"/>
+        <a:font script="Arab" typeface="Arial"/>
+        <a:font script="Hebr" typeface="Arial"/>
+        <a:font script="Thai" typeface="Cordia New"/>
+        <a:font script="Ethi" typeface="Nyala"/>
+        <a:font script="Beng" typeface="Vrinda"/>
+        <a:font script="Gujr" typeface="Shruti"/>
+        <a:font script="Khmr" typeface="DaunPenh"/>
+        <a:font script="Knda" typeface="Tunga"/>
+        <a:font script="Guru" typeface="Raavi"/>
+        <a:font script="Cans" typeface="Euphemia"/>
+        <a:font script="Cher" typeface="Plantagenet Cherokee"/>
+        <a:font script="Yiii" typeface="Microsoft Yi Baiti"/>
+        <a:font script="Tibt" typeface="Microsoft Himalaya"/>
+        <a:font script="Thaa" typeface="MV Boli"/>
+        <a:font script="Deva" typeface="Mangal"/>
+        <a:font script="Telu" typeface="Gautami"/>
+        <a:font script="Taml" typeface="Latha"/>
+        <a:font script="Syrc" typeface="Estrangelo Edessa"/>
+        <a:font script="Orya" typeface="Kalinga"/>
+        <a:font script="Mlym" typeface="Kartika"/>
+        <a:font script="Laoo" typeface="DokChampa"/>
+        <a:font script="Sinh" typeface="Iskoola Pota"/>
+        <a:font script="Mong" typeface="Mongolian Baiti"/>
+        <a:font script="Viet" typeface="Arial"/>
+        <a:font script="Uigh" typeface="Microsoft Uighur"/>
+        <a:font script="Geor" typeface="Sylfaen"/>
+        <a:font script="Armn" typeface="Arial"/>
+        <a:font script="Bugi" typeface="Leelawadee UI"/>
+        <a:font script="Bopo" typeface="Microsoft JhengHei"/>
+        <a:font script="Java" typeface="Javanese Text"/>
+        <a:font script="Lisu" typeface="Segoe UI"/>
+        <a:font script="Mymr" typeface="Myanmar Text"/>
+        <a:font script="Nkoo" typeface="Ebrima"/>
+        <a:font script="Olck" typeface="Nirmala UI"/>
+        <a:font script="Osma" typeface="Ebrima"/>
+        <a:font script="Phag" typeface="Phagspa"/>
+        <a:font script="Syrn" typeface="Estrangelo Edessa"/>
+        <a:font script="Syrj" typeface="Estrangelo Edessa"/>
+        <a:font script="Syre" typeface="Estrangelo Edessa"/>
+        <a:font script="Sora" typeface="Nirmala UI"/>
+        <a:font script="Tale" typeface="Microsoft Tai Le"/>
+        <a:font script="Talu" typeface="Microsoft New Tai Lue"/>
+        <a:font script="Tfng" typeface="Ebrima"/>
+      </a:minorFont>
+    </a:fontScheme>
+    <a:fmtScheme name="Office">
+      <a:fillStyleLst>
+        <a:solidFill>
+          <a:schemeClr val="phClr"/>
+        </a:solidFill>
+        <a:gradFill rotWithShape="1">
+          <a:gsLst>
+            <a:gs pos="0">
+              <a:schemeClr val="phClr">
+                <a:lumMod val="110000"/>
+                <a:satMod val="105000"/>
+                <a:tint val="67000"/>
+              </a:schemeClr>
+            </a:gs>
+            <a:gs pos="50000">
+              <a:schemeClr val="phClr">
+                <a:lumMod val="105000"/>
+                <a:satMod val="103000"/>
+                <a:tint val="73000"/>
+              </a:schemeClr>
+            </a:gs>
+            <a:gs pos="100000">
+              <a:schemeClr val="phClr">
+                <a:lumMod val="105000"/>
+                <a:satMod val="109000"/>
+                <a:tint val="81000"/>
+              </a:schemeClr>
+            </a:gs>
+          </a:gsLst>
+          <a:lin ang="5400000" scaled="0"/>
+        </a:gradFill>
+        <a:gradFill rotWithShape="1">
+          <a:gsLst>
+            <a:gs pos="0">
+              <a:schemeClr val="phClr">
+                <a:satMod val="103000"/>
+                <a:lumMod val="102000"/>
+                <a:tint val="94000"/>
+              </a:schemeClr>
+            </a:gs>
+            <a:gs pos="50000">
+              <a:schemeClr val="phClr">
+                <a:satMod val="110000"/>
+                <a:lumMod val="100000"/>
+                <a:shade val="100000"/>
+              </a:schemeClr>
+            </a:gs>
+            <a:gs pos="100000">
+              <a:schemeClr val="phClr">
+                <a:lumMod val="99000"/>
+                <a:satMod val="120000"/>
+                <a:shade val="78000"/>
+              </a:schemeClr>
+            </a:gs>
+          </a:gsLst>
+          <a:lin ang="5400000" scaled="0"/>
+        </a:gradFill>
+      </a:fillStyleLst>
+      <a:lnStyleLst>
+        <a:ln w="6350" cap="flat" cmpd="sng" algn="ctr">
+          <a:solidFill>
+            <a:schemeClr val="phClr"/>
+          </a:solidFill>
+          <a:prstDash val="solid"/>
+          <a:miter lim="800000"/>
+        </a:ln>
+        <a:ln w="12700" cap="flat" cmpd="sng" algn="ctr">
+          <a:solidFill>
+            <a:schemeClr val="phClr"/>
+          </a:solidFill>
+          <a:prstDash val="solid"/>
+          <a:miter lim="800000"/>
+        </a:ln>
+        <a:ln w="19050" cap="flat" cmpd="sng" algn="ctr">
+          <a:solidFill>
+            <a:schemeClr val="phClr"/>
+          </a:solidFill>
+          <a:prstDash val="solid"/>
+          <a:miter lim="800000"/>
+        </a:ln>
+      </a:lnStyleLst>
+      <a:effectStyleLst>
+        <a:effectStyle>
+          <a:effectLst/>
+        </a:effectStyle>
+        <a:effectStyle>
+          <a:effectLst/>
+        </a:effectStyle>
+        <a:effectStyle>
+          <a:effectLst>
+            <a:outerShdw blurRad="57150" dist="19050" dir="5400000" algn="ctr" rotWithShape="0">
+              <a:srgbClr val="000000">
+                <a:alpha val="63000"/>
+              </a:srgbClr>
+            </a:outerShdw>
+          </a:effectLst>
+        </a:effectStyle>
+      </a:effectStyleLst>
+      <a:bgFillStyleLst>
+        <a:solidFill>
+          <a:schemeClr val="phClr"/>
+        </a:solidFill>
+        <a:solidFill>
+          <a:schemeClr val="phClr">
+            <a:tint val="95000"/>
+            <a:satMod val="170000"/>
+          </a:schemeClr>
+        </a:solidFill>
+        <a:gradFill rotWithShape="1">
+          <a:gsLst>
+            <a:gs pos="0">
+              <a:schemeClr val="phClr">
+                <a:tint val="93000"/>
+                <a:satMod val="150000"/>
+                <a:shade val="98000"/>
+                <a:lumMod val="102000"/>
+              </a:schemeClr>
+            </a:gs>
+            <a:gs pos="50000">
+              <a:schemeClr val="phClr">
+                <a:tint val="98000"/>
+                <a:satMod val="130000"/>
+                <a:shade val="90000"/>
+                <a:lumMod val="103000"/>
+              </a:schemeClr>
+            </a:gs>
+            <a:gs pos="100000">
+              <a:schemeClr val="phClr">
+                <a:shade val="63000"/>
+                <a:satMod val="120000"/>
+              </a:schemeClr>
+            </a:gs>
+          </a:gsLst>
+          <a:lin ang="5400000" scaled="0"/>
+        </a:gradFill>
+      </a:bgFillStyleLst>
+    </a:fmtScheme>
+  </a:themeElements>
+  <a:objectDefaults/>
+  <a:extraClrSchemeLst/>
+  <a:extLst>
+    <a:ext uri="{05A4C25C-085E-4340-85A3-A5531E510DB2}">
+      <thm15:themeFamily xmlns:thm15="http://schemas.microsoft.com/office/thememl/2012/main" name="Office Theme" id="{62F939B6-93AF-4DB8-9C6B-D6C7DFDC589F}" vid="{4A3C46E8-61CC-4603-A589-7422A47A8E4A}"/>
+    </a:ext>
+  </a:extLst>
+</a:theme>
 </file>